--- a/docs/Крылов Егор ИСТ-220 Проект Этап 1.pptx
+++ b/docs/Крылов Егор ИСТ-220 Проект Этап 1.pptx
@@ -117,6 +117,11 @@
       </a:defRPr>
     </a:lvl9pPr>
   </p:defaultTextStyle>
+  <p:extLst>
+    <p:ext uri="{EFAFB233-063F-42B5-8137-9DF3F51BA10A}">
+      <p15:sldGuideLst xmlns:p15="http://schemas.microsoft.com/office/powerpoint/2012/main"/>
+    </p:ext>
+  </p:extLst>
 </p:presentation>
 </file>
 
@@ -1132,7 +1137,7 @@
           <a:p>
             <a:fld id="{B28A30B8-AD89-40EE-9084-8E9B9867FB6F}" type="datetimeFigureOut">
               <a:rPr lang="ru-RU" smtClean="0"/>
-              <a:t>20.09.2022</a:t>
+              <a:t>21.09.2022</a:t>
             </a:fld>
             <a:endParaRPr lang="ru-RU"/>
           </a:p>
@@ -1737,7 +1742,7 @@
             <a:fld id="{87DE6118-2437-4B30-8E3C-4D2BE6020583}" type="datetimeFigureOut">
               <a:rPr lang="en-US" dirty="0"/>
               <a:pPr/>
-              <a:t>9/20/2022</a:t>
+              <a:t>9/21/2022</a:t>
             </a:fld>
             <a:endParaRPr lang="en-US" dirty="0"/>
           </a:p>
@@ -2063,7 +2068,7 @@
           <a:p>
             <a:fld id="{87DE6118-2437-4B30-8E3C-4D2BE6020583}" type="datetimeFigureOut">
               <a:rPr lang="en-US" dirty="0"/>
-              <a:t>9/20/2022</a:t>
+              <a:t>9/21/2022</a:t>
             </a:fld>
             <a:endParaRPr lang="en-US" dirty="0"/>
           </a:p>
@@ -2238,7 +2243,7 @@
           <a:p>
             <a:fld id="{87DE6118-2437-4B30-8E3C-4D2BE6020583}" type="datetimeFigureOut">
               <a:rPr lang="en-US" dirty="0"/>
-              <a:t>9/20/2022</a:t>
+              <a:t>9/21/2022</a:t>
             </a:fld>
             <a:endParaRPr lang="en-US" dirty="0"/>
           </a:p>
@@ -2403,7 +2408,7 @@
           <a:p>
             <a:fld id="{87DE6118-2437-4B30-8E3C-4D2BE6020583}" type="datetimeFigureOut">
               <a:rPr lang="en-US" dirty="0"/>
-              <a:t>9/20/2022</a:t>
+              <a:t>9/21/2022</a:t>
             </a:fld>
             <a:endParaRPr lang="en-US" dirty="0"/>
           </a:p>
@@ -2676,7 +2681,7 @@
             <a:fld id="{87DE6118-2437-4B30-8E3C-4D2BE6020583}" type="datetimeFigureOut">
               <a:rPr lang="en-US" dirty="0"/>
               <a:pPr/>
-              <a:t>9/20/2022</a:t>
+              <a:t>9/21/2022</a:t>
             </a:fld>
             <a:endParaRPr lang="en-US" dirty="0"/>
           </a:p>
@@ -3066,7 +3071,7 @@
           <a:p>
             <a:fld id="{87DE6118-2437-4B30-8E3C-4D2BE6020583}" type="datetimeFigureOut">
               <a:rPr lang="en-US" dirty="0"/>
-              <a:t>9/20/2022</a:t>
+              <a:t>9/21/2022</a:t>
             </a:fld>
             <a:endParaRPr lang="en-US" dirty="0"/>
           </a:p>
@@ -3538,7 +3543,7 @@
           <a:p>
             <a:fld id="{87DE6118-2437-4B30-8E3C-4D2BE6020583}" type="datetimeFigureOut">
               <a:rPr lang="en-US" dirty="0"/>
-              <a:t>9/20/2022</a:t>
+              <a:t>9/21/2022</a:t>
             </a:fld>
             <a:endParaRPr lang="en-US" dirty="0"/>
           </a:p>
@@ -3651,7 +3656,7 @@
           <a:p>
             <a:fld id="{87DE6118-2437-4B30-8E3C-4D2BE6020583}" type="datetimeFigureOut">
               <a:rPr lang="en-US" dirty="0"/>
-              <a:t>9/20/2022</a:t>
+              <a:t>9/21/2022</a:t>
             </a:fld>
             <a:endParaRPr lang="en-US" dirty="0"/>
           </a:p>
@@ -3741,7 +3746,7 @@
           <a:p>
             <a:fld id="{87DE6118-2437-4B30-8E3C-4D2BE6020583}" type="datetimeFigureOut">
               <a:rPr lang="en-US" dirty="0"/>
-              <a:t>9/20/2022</a:t>
+              <a:t>9/21/2022</a:t>
             </a:fld>
             <a:endParaRPr lang="en-US" dirty="0"/>
           </a:p>
@@ -4083,7 +4088,7 @@
             <a:fld id="{87DE6118-2437-4B30-8E3C-4D2BE6020583}" type="datetimeFigureOut">
               <a:rPr lang="en-US" dirty="0"/>
               <a:pPr/>
-              <a:t>9/20/2022</a:t>
+              <a:t>9/21/2022</a:t>
             </a:fld>
             <a:endParaRPr lang="en-US" dirty="0"/>
           </a:p>
@@ -4468,7 +4473,7 @@
             <a:fld id="{87DE6118-2437-4B30-8E3C-4D2BE6020583}" type="datetimeFigureOut">
               <a:rPr lang="en-US" dirty="0"/>
               <a:pPr/>
-              <a:t>9/20/2022</a:t>
+              <a:t>9/21/2022</a:t>
             </a:fld>
             <a:endParaRPr lang="en-US" dirty="0"/>
           </a:p>
@@ -4743,7 +4748,7 @@
             <a:fld id="{87DE6118-2437-4B30-8E3C-4D2BE6020583}" type="datetimeFigureOut">
               <a:rPr lang="en-US" dirty="0"/>
               <a:pPr/>
-              <a:t>9/20/2022</a:t>
+              <a:t>9/21/2022</a:t>
             </a:fld>
             <a:endParaRPr lang="en-US" dirty="0"/>
           </a:p>
@@ -9382,14 +9387,14 @@
             <p:ph idx="1"/>
             <p:extLst>
               <p:ext uri="{D42A27DB-BD31-4B8C-83A1-F6EECF244321}">
-                <p14:modId xmlns:p14="http://schemas.microsoft.com/office/powerpoint/2010/main" val="2600366315"/>
+                <p14:modId xmlns:p14="http://schemas.microsoft.com/office/powerpoint/2010/main" val="1192886163"/>
               </p:ext>
             </p:extLst>
           </p:nvPr>
         </p:nvGraphicFramePr>
         <p:xfrm>
-          <a:off x="1371600" y="2286000"/>
-          <a:ext cx="9601196" cy="3018897"/>
+          <a:off x="1397725" y="944880"/>
+          <a:ext cx="9601195" cy="4466697"/>
         </p:xfrm>
         <a:graphic>
           <a:graphicData uri="http://schemas.openxmlformats.org/drawingml/2006/table">
@@ -9398,28 +9403,35 @@
                 <a:tableStyleId>{5C22544A-7EE6-4342-B048-85BDC9FD1C3A}</a:tableStyleId>
               </a:tblPr>
               <a:tblGrid>
-                <a:gridCol w="2400299">
+                <a:gridCol w="1920239">
                   <a:extLst>
                     <a:ext uri="{9D8B030D-6E8A-4147-A177-3AD203B41FA5}">
                       <a16:colId xmlns:a16="http://schemas.microsoft.com/office/drawing/2014/main" val="2410611577"/>
                     </a:ext>
                   </a:extLst>
                 </a:gridCol>
-                <a:gridCol w="2400299">
+                <a:gridCol w="1920239">
+                  <a:extLst>
+                    <a:ext uri="{9D8B030D-6E8A-4147-A177-3AD203B41FA5}">
+                      <a16:colId xmlns:a16="http://schemas.microsoft.com/office/drawing/2014/main" val="4155414406"/>
+                    </a:ext>
+                  </a:extLst>
+                </a:gridCol>
+                <a:gridCol w="1920239">
                   <a:extLst>
                     <a:ext uri="{9D8B030D-6E8A-4147-A177-3AD203B41FA5}">
                       <a16:colId xmlns:a16="http://schemas.microsoft.com/office/drawing/2014/main" val="973440771"/>
                     </a:ext>
                   </a:extLst>
                 </a:gridCol>
-                <a:gridCol w="2400299">
+                <a:gridCol w="1920239">
                   <a:extLst>
                     <a:ext uri="{9D8B030D-6E8A-4147-A177-3AD203B41FA5}">
                       <a16:colId xmlns:a16="http://schemas.microsoft.com/office/drawing/2014/main" val="3208448252"/>
                     </a:ext>
                   </a:extLst>
                 </a:gridCol>
-                <a:gridCol w="2400299">
+                <a:gridCol w="1920239">
                   <a:extLst>
                     <a:ext uri="{9D8B030D-6E8A-4147-A177-3AD203B41FA5}">
                       <a16:colId xmlns:a16="http://schemas.microsoft.com/office/drawing/2014/main" val="1050604930"/>
@@ -9433,7 +9445,23 @@
                     <a:bodyPr/>
                     <a:lstStyle/>
                     <a:p>
-                      <a:endParaRPr lang="ru-RU" dirty="0"/>
+                      <a:r>
+                        <a:rPr lang="ru-RU" dirty="0"/>
+                        <a:t>Критерий</a:t>
+                      </a:r>
+                    </a:p>
+                  </a:txBody>
+                  <a:tcPr/>
+                </a:tc>
+                <a:tc>
+                  <a:txBody>
+                    <a:bodyPr/>
+                    <a:lstStyle/>
+                    <a:p>
+                      <a:r>
+                        <a:rPr lang="ru-RU" dirty="0"/>
+                        <a:t>Вес</a:t>
+                      </a:r>
                     </a:p>
                   </a:txBody>
                   <a:tcPr/>
@@ -9555,6 +9583,19 @@
                     <a:p>
                       <a:r>
                         <a:rPr lang="ru-RU" dirty="0"/>
+                        <a:t>0.1</a:t>
+                      </a:r>
+                    </a:p>
+                  </a:txBody>
+                  <a:tcPr/>
+                </a:tc>
+                <a:tc>
+                  <a:txBody>
+                    <a:bodyPr/>
+                    <a:lstStyle/>
+                    <a:p>
+                      <a:r>
+                        <a:rPr lang="ru-RU" dirty="0"/>
                         <a:t>10</a:t>
                       </a:r>
                     </a:p>
@@ -9602,6 +9643,19 @@
                       <a:r>
                         <a:rPr lang="ru-RU" dirty="0"/>
                         <a:t>Служба поддержки</a:t>
+                      </a:r>
+                    </a:p>
+                  </a:txBody>
+                  <a:tcPr/>
+                </a:tc>
+                <a:tc>
+                  <a:txBody>
+                    <a:bodyPr/>
+                    <a:lstStyle/>
+                    <a:p>
+                      <a:r>
+                        <a:rPr lang="ru-RU" dirty="0"/>
+                        <a:t>0.2</a:t>
                       </a:r>
                     </a:p>
                   </a:txBody>
@@ -9673,6 +9727,19 @@
                     <a:p>
                       <a:r>
                         <a:rPr lang="ru-RU" dirty="0"/>
+                        <a:t>0.35</a:t>
+                      </a:r>
+                    </a:p>
+                  </a:txBody>
+                  <a:tcPr/>
+                </a:tc>
+                <a:tc>
+                  <a:txBody>
+                    <a:bodyPr/>
+                    <a:lstStyle/>
+                    <a:p>
+                      <a:r>
+                        <a:rPr lang="ru-RU" dirty="0"/>
                         <a:t>5</a:t>
                       </a:r>
                     </a:p>
@@ -9720,6 +9787,19 @@
                       <a:r>
                         <a:rPr lang="ru-RU" dirty="0"/>
                         <a:t>Цена</a:t>
+                      </a:r>
+                    </a:p>
+                  </a:txBody>
+                  <a:tcPr/>
+                </a:tc>
+                <a:tc>
+                  <a:txBody>
+                    <a:bodyPr/>
+                    <a:lstStyle/>
+                    <a:p>
+                      <a:r>
+                        <a:rPr lang="ru-RU" dirty="0"/>
+                        <a:t>0.1</a:t>
                       </a:r>
                     </a:p>
                   </a:txBody>
@@ -9791,6 +9871,19 @@
                     <a:p>
                       <a:r>
                         <a:rPr lang="ru-RU" dirty="0"/>
+                        <a:t>0.05</a:t>
+                      </a:r>
+                    </a:p>
+                  </a:txBody>
+                  <a:tcPr/>
+                </a:tc>
+                <a:tc>
+                  <a:txBody>
+                    <a:bodyPr/>
+                    <a:lstStyle/>
+                    <a:p>
+                      <a:r>
+                        <a:rPr lang="ru-RU" dirty="0"/>
                         <a:t>8</a:t>
                       </a:r>
                     </a:p>
@@ -9838,6 +9931,19 @@
                       <a:r>
                         <a:rPr lang="ru-RU" dirty="0"/>
                         <a:t>Обучение</a:t>
+                      </a:r>
+                    </a:p>
+                  </a:txBody>
+                  <a:tcPr/>
+                </a:tc>
+                <a:tc>
+                  <a:txBody>
+                    <a:bodyPr/>
+                    <a:lstStyle/>
+                    <a:p>
+                      <a:r>
+                        <a:rPr lang="ru-RU" dirty="0"/>
+                        <a:t>0.25</a:t>
                       </a:r>
                     </a:p>
                   </a:txBody>
@@ -9909,6 +10015,19 @@
                     <a:p>
                       <a:r>
                         <a:rPr lang="ru-RU" dirty="0"/>
+                        <a:t>0.3</a:t>
+                      </a:r>
+                    </a:p>
+                  </a:txBody>
+                  <a:tcPr/>
+                </a:tc>
+                <a:tc>
+                  <a:txBody>
+                    <a:bodyPr/>
+                    <a:lstStyle/>
+                    <a:p>
+                      <a:r>
+                        <a:rPr lang="ru-RU" dirty="0"/>
                         <a:t>10</a:t>
                       </a:r>
                     </a:p>
@@ -9944,6 +10063,78 @@
                 <a:extLst>
                   <a:ext uri="{0D108BD9-81ED-4DB2-BD59-A6C34878D82A}">
                     <a16:rowId xmlns:a16="http://schemas.microsoft.com/office/drawing/2014/main" val="3126208456"/>
+                  </a:ext>
+                </a:extLst>
+              </a:tr>
+              <a:tr h="370840">
+                <a:tc>
+                  <a:txBody>
+                    <a:bodyPr/>
+                    <a:lstStyle/>
+                    <a:p>
+                      <a:r>
+                        <a:rPr lang="ru-RU" dirty="0"/>
+                        <a:t>Взвешенная общая оценка</a:t>
+                      </a:r>
+                    </a:p>
+                  </a:txBody>
+                  <a:tcPr/>
+                </a:tc>
+                <a:tc>
+                  <a:txBody>
+                    <a:bodyPr/>
+                    <a:lstStyle/>
+                    <a:p>
+                      <a:endParaRPr lang="ru-RU" dirty="0"/>
+                    </a:p>
+                  </a:txBody>
+                  <a:tcPr/>
+                </a:tc>
+                <a:tc>
+                  <a:txBody>
+                    <a:bodyPr/>
+                    <a:lstStyle/>
+                    <a:p>
+                      <a:r>
+                        <a:rPr lang="en-US" dirty="0"/>
+                        <a:t>9.7</a:t>
+                      </a:r>
+                      <a:endParaRPr lang="ru-RU" dirty="0"/>
+                    </a:p>
+                  </a:txBody>
+                  <a:tcPr/>
+                </a:tc>
+                <a:tc>
+                  <a:txBody>
+                    <a:bodyPr/>
+                    <a:lstStyle/>
+                    <a:p>
+                      <a:r>
+                        <a:rPr lang="en-US" dirty="0"/>
+                        <a:t>11.6</a:t>
+                      </a:r>
+                      <a:endParaRPr lang="ru-RU" dirty="0"/>
+                    </a:p>
+                  </a:txBody>
+                  <a:tcPr/>
+                </a:tc>
+                <a:tc>
+                  <a:txBody>
+                    <a:bodyPr/>
+                    <a:lstStyle/>
+                    <a:p>
+                      <a:r>
+                        <a:rPr lang="en-US"/>
+                        <a:t>10.2</a:t>
+                      </a:r>
+                      <a:endParaRPr lang="ru-RU" dirty="0"/>
+                    </a:p>
+                  </a:txBody>
+                  <a:tcPr/>
+                </a:tc>
+                <a:extLst>
+                  <a:ext uri="{0D108BD9-81ED-4DB2-BD59-A6C34878D82A}">
+                    <a16:rowId xmlns:a16="http://schemas.microsoft.com/office/drawing/2014/main" val="1867910963"/>
                   </a:ext>
                 </a:extLst>
               </a:tr>

--- a/docs/Крылов Егор ИСТ-220 Проект Этап 1.pptx
+++ b/docs/Крылов Егор ИСТ-220 Проект Этап 1.pptx
@@ -5,7 +5,7 @@
     <p:sldMasterId id="2147483648" r:id="rId1"/>
   </p:sldMasterIdLst>
   <p:notesMasterIdLst>
-    <p:notesMasterId r:id="rId13"/>
+    <p:notesMasterId r:id="rId23"/>
   </p:notesMasterIdLst>
   <p:sldIdLst>
     <p:sldId id="256" r:id="rId2"/>
@@ -19,6 +19,16 @@
     <p:sldId id="266" r:id="rId10"/>
     <p:sldId id="264" r:id="rId11"/>
     <p:sldId id="265" r:id="rId12"/>
+    <p:sldId id="267" r:id="rId13"/>
+    <p:sldId id="268" r:id="rId14"/>
+    <p:sldId id="269" r:id="rId15"/>
+    <p:sldId id="274" r:id="rId16"/>
+    <p:sldId id="270" r:id="rId17"/>
+    <p:sldId id="271" r:id="rId18"/>
+    <p:sldId id="273" r:id="rId19"/>
+    <p:sldId id="272" r:id="rId20"/>
+    <p:sldId id="275" r:id="rId21"/>
+    <p:sldId id="276" r:id="rId22"/>
   </p:sldIdLst>
   <p:sldSz cx="12192000" cy="6858000"/>
   <p:notesSz cx="6858000" cy="9144000"/>
@@ -118,6 +128,35 @@
     </a:lvl9pPr>
   </p:defaultTextStyle>
   <p:extLst>
+    <p:ext uri="{521415D9-36F7-43E2-AB2F-B90AF26B5E84}">
+      <p14:sectionLst xmlns:p14="http://schemas.microsoft.com/office/powerpoint/2010/main">
+        <p14:section name="Раздел по умолчанию" id="{B51BE73B-5DE6-47E8-922D-DD74B020A669}">
+          <p14:sldIdLst>
+            <p14:sldId id="256"/>
+            <p14:sldId id="257"/>
+            <p14:sldId id="259"/>
+            <p14:sldId id="260"/>
+            <p14:sldId id="261"/>
+            <p14:sldId id="258"/>
+            <p14:sldId id="262"/>
+            <p14:sldId id="263"/>
+            <p14:sldId id="266"/>
+            <p14:sldId id="264"/>
+            <p14:sldId id="265"/>
+            <p14:sldId id="267"/>
+            <p14:sldId id="268"/>
+            <p14:sldId id="269"/>
+            <p14:sldId id="274"/>
+            <p14:sldId id="270"/>
+            <p14:sldId id="271"/>
+            <p14:sldId id="273"/>
+            <p14:sldId id="272"/>
+            <p14:sldId id="275"/>
+            <p14:sldId id="276"/>
+          </p14:sldIdLst>
+        </p14:section>
+      </p14:sectionLst>
+    </p:ext>
     <p:ext uri="{EFAFB233-063F-42B5-8137-9DF3F51BA10A}">
       <p15:sldGuideLst xmlns:p15="http://schemas.microsoft.com/office/powerpoint/2012/main"/>
     </p:ext>
@@ -141,7 +180,17 @@
   <c:chart>
     <c:autoTitleDeleted val="0"/>
     <c:plotArea>
-      <c:layout/>
+      <c:layout>
+        <c:manualLayout>
+          <c:layoutTarget val="inner"/>
+          <c:xMode val="edge"/>
+          <c:yMode val="edge"/>
+          <c:x val="0.28305473508982565"/>
+          <c:y val="0.14167970877586181"/>
+          <c:w val="0.70322527738289031"/>
+          <c:h val="0.82664281823842423"/>
+        </c:manualLayout>
+      </c:layout>
       <c:barChart>
         <c:barDir val="bar"/>
         <c:grouping val="stacked"/>
@@ -213,35 +262,35 @@
                   <c:v>44826</c:v>
                 </c:pt>
                 <c:pt idx="1">
-                  <c:v>44827</c:v>
+                  <c:v>44834</c:v>
                 </c:pt>
                 <c:pt idx="2">
-                  <c:v>44828</c:v>
+                  <c:v>44838</c:v>
                 </c:pt>
                 <c:pt idx="3">
-                  <c:v>44829</c:v>
+                  <c:v>44841</c:v>
                 </c:pt>
                 <c:pt idx="4">
-                  <c:v>44830</c:v>
+                  <c:v>44846</c:v>
                 </c:pt>
                 <c:pt idx="5">
-                  <c:v>44830</c:v>
+                  <c:v>44846</c:v>
                 </c:pt>
                 <c:pt idx="6">
-                  <c:v>44831</c:v>
+                  <c:v>44849</c:v>
                 </c:pt>
                 <c:pt idx="7">
-                  <c:v>44832</c:v>
+                  <c:v>44835</c:v>
                 </c:pt>
                 <c:pt idx="8">
-                  <c:v>44833</c:v>
+                  <c:v>44854</c:v>
                 </c:pt>
               </c:numCache>
             </c:numRef>
           </c:val>
           <c:extLst>
             <c:ext xmlns:c16="http://schemas.microsoft.com/office/drawing/2014/chart" uri="{C3380CC4-5D6E-409C-BE32-E72D297353CC}">
-              <c16:uniqueId val="{00000000-D2F2-4B7C-9DDA-CE30CD45DF57}"/>
+              <c16:uniqueId val="{00000000-95C5-4B06-9BA4-757437AA2000}"/>
             </c:ext>
           </c:extLst>
         </c:ser>
@@ -311,38 +360,38 @@
                 <c:formatCode>General</c:formatCode>
                 <c:ptCount val="9"/>
                 <c:pt idx="0">
-                  <c:v>1</c:v>
+                  <c:v>9</c:v>
                 </c:pt>
                 <c:pt idx="1">
-                  <c:v>2</c:v>
+                  <c:v>4</c:v>
                 </c:pt>
                 <c:pt idx="2">
-                  <c:v>2</c:v>
+                  <c:v>3</c:v>
                 </c:pt>
                 <c:pt idx="3">
-                  <c:v>2</c:v>
+                  <c:v>5</c:v>
                 </c:pt>
                 <c:pt idx="4">
-                  <c:v>1</c:v>
+                  <c:v>3</c:v>
                 </c:pt>
                 <c:pt idx="5">
-                  <c:v>1</c:v>
+                  <c:v>3</c:v>
                 </c:pt>
                 <c:pt idx="6">
-                  <c:v>3</c:v>
+                  <c:v>10</c:v>
                 </c:pt>
                 <c:pt idx="7">
-                  <c:v>2</c:v>
+                  <c:v>4</c:v>
                 </c:pt>
                 <c:pt idx="8">
-                  <c:v>3</c:v>
+                  <c:v>5</c:v>
                 </c:pt>
               </c:numCache>
             </c:numRef>
           </c:val>
           <c:extLst>
             <c:ext xmlns:c16="http://schemas.microsoft.com/office/drawing/2014/chart" uri="{C3380CC4-5D6E-409C-BE32-E72D297353CC}">
-              <c16:uniqueId val="{00000001-D2F2-4B7C-9DDA-CE30CD45DF57}"/>
+              <c16:uniqueId val="{00000001-95C5-4B06-9BA4-757437AA2000}"/>
             </c:ext>
           </c:extLst>
         </c:ser>
@@ -444,7 +493,7 @@
           <a:effectLst/>
         </c:spPr>
         <c:txPr>
-          <a:bodyPr rot="-60000000" spcFirstLastPara="1" vertOverflow="ellipsis" vert="horz" wrap="square" anchor="ctr" anchorCtr="1"/>
+          <a:bodyPr rot="-5400000" spcFirstLastPara="1" vertOverflow="ellipsis" wrap="square" anchor="ctr" anchorCtr="1"/>
           <a:lstStyle/>
           <a:p>
             <a:pPr>
@@ -1137,7 +1186,7 @@
           <a:p>
             <a:fld id="{B28A30B8-AD89-40EE-9084-8E9B9867FB6F}" type="datetimeFigureOut">
               <a:rPr lang="ru-RU" smtClean="0"/>
-              <a:t>21.09.2022</a:t>
+              <a:t>04.10.2022</a:t>
             </a:fld>
             <a:endParaRPr lang="ru-RU"/>
           </a:p>
@@ -1742,7 +1791,7 @@
             <a:fld id="{87DE6118-2437-4B30-8E3C-4D2BE6020583}" type="datetimeFigureOut">
               <a:rPr lang="en-US" dirty="0"/>
               <a:pPr/>
-              <a:t>9/21/2022</a:t>
+              <a:t>10/4/2022</a:t>
             </a:fld>
             <a:endParaRPr lang="en-US" dirty="0"/>
           </a:p>
@@ -2068,7 +2117,7 @@
           <a:p>
             <a:fld id="{87DE6118-2437-4B30-8E3C-4D2BE6020583}" type="datetimeFigureOut">
               <a:rPr lang="en-US" dirty="0"/>
-              <a:t>9/21/2022</a:t>
+              <a:t>10/4/2022</a:t>
             </a:fld>
             <a:endParaRPr lang="en-US" dirty="0"/>
           </a:p>
@@ -2243,7 +2292,7 @@
           <a:p>
             <a:fld id="{87DE6118-2437-4B30-8E3C-4D2BE6020583}" type="datetimeFigureOut">
               <a:rPr lang="en-US" dirty="0"/>
-              <a:t>9/21/2022</a:t>
+              <a:t>10/4/2022</a:t>
             </a:fld>
             <a:endParaRPr lang="en-US" dirty="0"/>
           </a:p>
@@ -2408,7 +2457,7 @@
           <a:p>
             <a:fld id="{87DE6118-2437-4B30-8E3C-4D2BE6020583}" type="datetimeFigureOut">
               <a:rPr lang="en-US" dirty="0"/>
-              <a:t>9/21/2022</a:t>
+              <a:t>10/4/2022</a:t>
             </a:fld>
             <a:endParaRPr lang="en-US" dirty="0"/>
           </a:p>
@@ -2681,7 +2730,7 @@
             <a:fld id="{87DE6118-2437-4B30-8E3C-4D2BE6020583}" type="datetimeFigureOut">
               <a:rPr lang="en-US" dirty="0"/>
               <a:pPr/>
-              <a:t>9/21/2022</a:t>
+              <a:t>10/4/2022</a:t>
             </a:fld>
             <a:endParaRPr lang="en-US" dirty="0"/>
           </a:p>
@@ -3071,7 +3120,7 @@
           <a:p>
             <a:fld id="{87DE6118-2437-4B30-8E3C-4D2BE6020583}" type="datetimeFigureOut">
               <a:rPr lang="en-US" dirty="0"/>
-              <a:t>9/21/2022</a:t>
+              <a:t>10/4/2022</a:t>
             </a:fld>
             <a:endParaRPr lang="en-US" dirty="0"/>
           </a:p>
@@ -3543,7 +3592,7 @@
           <a:p>
             <a:fld id="{87DE6118-2437-4B30-8E3C-4D2BE6020583}" type="datetimeFigureOut">
               <a:rPr lang="en-US" dirty="0"/>
-              <a:t>9/21/2022</a:t>
+              <a:t>10/4/2022</a:t>
             </a:fld>
             <a:endParaRPr lang="en-US" dirty="0"/>
           </a:p>
@@ -3656,7 +3705,7 @@
           <a:p>
             <a:fld id="{87DE6118-2437-4B30-8E3C-4D2BE6020583}" type="datetimeFigureOut">
               <a:rPr lang="en-US" dirty="0"/>
-              <a:t>9/21/2022</a:t>
+              <a:t>10/4/2022</a:t>
             </a:fld>
             <a:endParaRPr lang="en-US" dirty="0"/>
           </a:p>
@@ -3746,7 +3795,7 @@
           <a:p>
             <a:fld id="{87DE6118-2437-4B30-8E3C-4D2BE6020583}" type="datetimeFigureOut">
               <a:rPr lang="en-US" dirty="0"/>
-              <a:t>9/21/2022</a:t>
+              <a:t>10/4/2022</a:t>
             </a:fld>
             <a:endParaRPr lang="en-US" dirty="0"/>
           </a:p>
@@ -4088,7 +4137,7 @@
             <a:fld id="{87DE6118-2437-4B30-8E3C-4D2BE6020583}" type="datetimeFigureOut">
               <a:rPr lang="en-US" dirty="0"/>
               <a:pPr/>
-              <a:t>9/21/2022</a:t>
+              <a:t>10/4/2022</a:t>
             </a:fld>
             <a:endParaRPr lang="en-US" dirty="0"/>
           </a:p>
@@ -4473,7 +4522,7 @@
             <a:fld id="{87DE6118-2437-4B30-8E3C-4D2BE6020583}" type="datetimeFigureOut">
               <a:rPr lang="en-US" dirty="0"/>
               <a:pPr/>
-              <a:t>9/21/2022</a:t>
+              <a:t>10/4/2022</a:t>
             </a:fld>
             <a:endParaRPr lang="en-US" dirty="0"/>
           </a:p>
@@ -4748,7 +4797,7 @@
             <a:fld id="{87DE6118-2437-4B30-8E3C-4D2BE6020583}" type="datetimeFigureOut">
               <a:rPr lang="en-US" dirty="0"/>
               <a:pPr/>
-              <a:t>9/21/2022</a:t>
+              <a:t>10/4/2022</a:t>
             </a:fld>
             <a:endParaRPr lang="en-US" dirty="0"/>
           </a:p>
@@ -5584,6 +5633,2884 @@
 </p:sld>
 </file>
 
+<file path=ppt/slides/slide12.xml><?xml version="1.0" encoding="utf-8"?>
+<p:sld xmlns:a="http://schemas.openxmlformats.org/drawingml/2006/main" xmlns:r="http://schemas.openxmlformats.org/officeDocument/2006/relationships" xmlns:p="http://schemas.openxmlformats.org/presentationml/2006/main">
+  <p:cSld>
+    <p:spTree>
+      <p:nvGrpSpPr>
+        <p:cNvPr id="1" name=""/>
+        <p:cNvGrpSpPr/>
+        <p:nvPr/>
+      </p:nvGrpSpPr>
+      <p:grpSpPr>
+        <a:xfrm>
+          <a:off x="0" y="0"/>
+          <a:ext cx="0" cy="0"/>
+          <a:chOff x="0" y="0"/>
+          <a:chExt cx="0" cy="0"/>
+        </a:xfrm>
+      </p:grpSpPr>
+      <p:sp>
+        <p:nvSpPr>
+          <p:cNvPr id="2" name="Заголовок 1">
+            <a:extLst>
+              <a:ext uri="{FF2B5EF4-FFF2-40B4-BE49-F238E27FC236}">
+                <a16:creationId xmlns:a16="http://schemas.microsoft.com/office/drawing/2014/main" id="{76FDF813-6B2D-4612-A80C-66F9BA2ED7CC}"/>
+              </a:ext>
+            </a:extLst>
+          </p:cNvPr>
+          <p:cNvSpPr>
+            <a:spLocks noGrp="1"/>
+          </p:cNvSpPr>
+          <p:nvPr>
+            <p:ph type="title"/>
+          </p:nvPr>
+        </p:nvSpPr>
+        <p:spPr>
+          <a:xfrm>
+            <a:off x="752030" y="0"/>
+            <a:ext cx="9601200" cy="1485900"/>
+          </a:xfrm>
+        </p:spPr>
+        <p:txBody>
+          <a:bodyPr/>
+          <a:lstStyle/>
+          <a:p>
+            <a:r>
+              <a:rPr lang="ru-RU" dirty="0"/>
+              <a:t>Словарь предметной области</a:t>
+            </a:r>
+          </a:p>
+        </p:txBody>
+      </p:sp>
+      <p:sp>
+        <p:nvSpPr>
+          <p:cNvPr id="3" name="Объект 2">
+            <a:extLst>
+              <a:ext uri="{FF2B5EF4-FFF2-40B4-BE49-F238E27FC236}">
+                <a16:creationId xmlns:a16="http://schemas.microsoft.com/office/drawing/2014/main" id="{71FEC84F-5579-4962-8A0C-9F0B91030984}"/>
+              </a:ext>
+            </a:extLst>
+          </p:cNvPr>
+          <p:cNvSpPr>
+            <a:spLocks noGrp="1"/>
+          </p:cNvSpPr>
+          <p:nvPr>
+            <p:ph idx="1"/>
+          </p:nvPr>
+        </p:nvSpPr>
+        <p:spPr>
+          <a:xfrm>
+            <a:off x="752030" y="863126"/>
+            <a:ext cx="11439970" cy="5932122"/>
+          </a:xfrm>
+        </p:spPr>
+        <p:txBody>
+          <a:bodyPr>
+            <a:normAutofit/>
+          </a:bodyPr>
+          <a:lstStyle/>
+          <a:p>
+            <a:r>
+              <a:rPr lang="ru-RU" dirty="0"/>
+              <a:t>Лаборант – научно-технический сотрудник лаборатории медицинского, учебного или научного учреждения. Он выполняет практическую работу в области научных исследований, разработок и анализа.</a:t>
+            </a:r>
+            <a:endParaRPr lang="en-US" dirty="0"/>
+          </a:p>
+          <a:p>
+            <a:r>
+              <a:rPr lang="ru-RU" dirty="0"/>
+              <a:t>Врач функциональной диагностики – это специалист с высшим медицинским образованием, владеющий методами исследования с применением современной медицинской аппаратуры, направленными на выявление отклонений нормальной деятельности систем органов.</a:t>
+            </a:r>
+            <a:endParaRPr lang="en-US" dirty="0"/>
+          </a:p>
+          <a:p>
+            <a:r>
+              <a:rPr lang="ru-RU" dirty="0"/>
+              <a:t>Терапевт – это медицинский специалист общей практики, специализирующийся на диагностике, профилактике и лечении широкого спектра заболеваний. Терапевт является врачом первичного звена и принимает пациентов при первом обращении в лечебное учреждение.</a:t>
+            </a:r>
+          </a:p>
+        </p:txBody>
+      </p:sp>
+    </p:spTree>
+    <p:extLst>
+      <p:ext uri="{BB962C8B-B14F-4D97-AF65-F5344CB8AC3E}">
+        <p14:creationId xmlns:p14="http://schemas.microsoft.com/office/powerpoint/2010/main" val="304285924"/>
+      </p:ext>
+    </p:extLst>
+  </p:cSld>
+  <p:clrMapOvr>
+    <a:masterClrMapping/>
+  </p:clrMapOvr>
+</p:sld>
+</file>
+
+<file path=ppt/slides/slide13.xml><?xml version="1.0" encoding="utf-8"?>
+<p:sld xmlns:a="http://schemas.openxmlformats.org/drawingml/2006/main" xmlns:r="http://schemas.openxmlformats.org/officeDocument/2006/relationships" xmlns:p="http://schemas.openxmlformats.org/presentationml/2006/main">
+  <p:cSld>
+    <p:spTree>
+      <p:nvGrpSpPr>
+        <p:cNvPr id="1" name=""/>
+        <p:cNvGrpSpPr/>
+        <p:nvPr/>
+      </p:nvGrpSpPr>
+      <p:grpSpPr>
+        <a:xfrm>
+          <a:off x="0" y="0"/>
+          <a:ext cx="0" cy="0"/>
+          <a:chOff x="0" y="0"/>
+          <a:chExt cx="0" cy="0"/>
+        </a:xfrm>
+      </p:grpSpPr>
+      <p:sp>
+        <p:nvSpPr>
+          <p:cNvPr id="2" name="Заголовок 1">
+            <a:extLst>
+              <a:ext uri="{FF2B5EF4-FFF2-40B4-BE49-F238E27FC236}">
+                <a16:creationId xmlns:a16="http://schemas.microsoft.com/office/drawing/2014/main" id="{C2DC8C3E-9673-4996-B8AB-DD3FFAB4E460}"/>
+              </a:ext>
+            </a:extLst>
+          </p:cNvPr>
+          <p:cNvSpPr>
+            <a:spLocks noGrp="1"/>
+          </p:cNvSpPr>
+          <p:nvPr>
+            <p:ph type="title"/>
+          </p:nvPr>
+        </p:nvSpPr>
+        <p:spPr>
+          <a:xfrm>
+            <a:off x="699247" y="0"/>
+            <a:ext cx="9601200" cy="1485900"/>
+          </a:xfrm>
+        </p:spPr>
+        <p:txBody>
+          <a:bodyPr/>
+          <a:lstStyle/>
+          <a:p>
+            <a:r>
+              <a:rPr lang="ru-RU" dirty="0"/>
+              <a:t>Пользователи системы и роли</a:t>
+            </a:r>
+          </a:p>
+        </p:txBody>
+      </p:sp>
+      <p:pic>
+        <p:nvPicPr>
+          <p:cNvPr id="7" name="Рисунок 6">
+            <a:extLst>
+              <a:ext uri="{FF2B5EF4-FFF2-40B4-BE49-F238E27FC236}">
+                <a16:creationId xmlns:a16="http://schemas.microsoft.com/office/drawing/2014/main" id="{44BCD8FB-0EC3-490C-830B-A5E4CB30C803}"/>
+              </a:ext>
+            </a:extLst>
+          </p:cNvPr>
+          <p:cNvPicPr>
+            <a:picLocks noChangeAspect="1"/>
+          </p:cNvPicPr>
+          <p:nvPr/>
+        </p:nvPicPr>
+        <p:blipFill>
+          <a:blip r:embed="rId2"/>
+          <a:stretch>
+            <a:fillRect/>
+          </a:stretch>
+        </p:blipFill>
+        <p:spPr>
+          <a:xfrm>
+            <a:off x="2795588" y="748552"/>
+            <a:ext cx="5980859" cy="5980859"/>
+          </a:xfrm>
+          <a:prstGeom prst="rect">
+            <a:avLst/>
+          </a:prstGeom>
+        </p:spPr>
+      </p:pic>
+    </p:spTree>
+    <p:extLst>
+      <p:ext uri="{BB962C8B-B14F-4D97-AF65-F5344CB8AC3E}">
+        <p14:creationId xmlns:p14="http://schemas.microsoft.com/office/powerpoint/2010/main" val="2268653600"/>
+      </p:ext>
+    </p:extLst>
+  </p:cSld>
+  <p:clrMapOvr>
+    <a:masterClrMapping/>
+  </p:clrMapOvr>
+</p:sld>
+</file>
+
+<file path=ppt/slides/slide14.xml><?xml version="1.0" encoding="utf-8"?>
+<p:sld xmlns:a="http://schemas.openxmlformats.org/drawingml/2006/main" xmlns:r="http://schemas.openxmlformats.org/officeDocument/2006/relationships" xmlns:p="http://schemas.openxmlformats.org/presentationml/2006/main">
+  <p:cSld>
+    <p:spTree>
+      <p:nvGrpSpPr>
+        <p:cNvPr id="1" name=""/>
+        <p:cNvGrpSpPr/>
+        <p:nvPr/>
+      </p:nvGrpSpPr>
+      <p:grpSpPr>
+        <a:xfrm>
+          <a:off x="0" y="0"/>
+          <a:ext cx="0" cy="0"/>
+          <a:chOff x="0" y="0"/>
+          <a:chExt cx="0" cy="0"/>
+        </a:xfrm>
+      </p:grpSpPr>
+      <p:sp>
+        <p:nvSpPr>
+          <p:cNvPr id="2" name="Заголовок 1">
+            <a:extLst>
+              <a:ext uri="{FF2B5EF4-FFF2-40B4-BE49-F238E27FC236}">
+                <a16:creationId xmlns:a16="http://schemas.microsoft.com/office/drawing/2014/main" id="{5E152202-6F1E-416A-BCFA-BBBF8E5DF1DA}"/>
+              </a:ext>
+            </a:extLst>
+          </p:cNvPr>
+          <p:cNvSpPr>
+            <a:spLocks noGrp="1"/>
+          </p:cNvSpPr>
+          <p:nvPr>
+            <p:ph type="title"/>
+          </p:nvPr>
+        </p:nvSpPr>
+        <p:spPr>
+          <a:xfrm>
+            <a:off x="770964" y="76200"/>
+            <a:ext cx="9601200" cy="1485900"/>
+          </a:xfrm>
+        </p:spPr>
+        <p:txBody>
+          <a:bodyPr/>
+          <a:lstStyle/>
+          <a:p>
+            <a:r>
+              <a:rPr lang="ru-RU" dirty="0"/>
+              <a:t>Описание пользователей</a:t>
+            </a:r>
+          </a:p>
+        </p:txBody>
+      </p:sp>
+      <p:sp>
+        <p:nvSpPr>
+          <p:cNvPr id="3" name="Объект 2">
+            <a:extLst>
+              <a:ext uri="{FF2B5EF4-FFF2-40B4-BE49-F238E27FC236}">
+                <a16:creationId xmlns:a16="http://schemas.microsoft.com/office/drawing/2014/main" id="{AC89C0AD-896F-430F-8DFA-362D8DAD15C9}"/>
+              </a:ext>
+            </a:extLst>
+          </p:cNvPr>
+          <p:cNvSpPr>
+            <a:spLocks noGrp="1"/>
+          </p:cNvSpPr>
+          <p:nvPr>
+            <p:ph idx="1"/>
+          </p:nvPr>
+        </p:nvSpPr>
+        <p:spPr>
+          <a:xfrm>
+            <a:off x="770964" y="819150"/>
+            <a:ext cx="9601200" cy="5962650"/>
+          </a:xfrm>
+        </p:spPr>
+        <p:txBody>
+          <a:bodyPr>
+            <a:normAutofit/>
+          </a:bodyPr>
+          <a:lstStyle/>
+          <a:p>
+            <a:r>
+              <a:rPr lang="ru-RU" dirty="0"/>
+              <a:t>Пациент</a:t>
+            </a:r>
+          </a:p>
+          <a:p>
+            <a:pPr lvl="1"/>
+            <a:r>
+              <a:rPr lang="ru-RU" dirty="0"/>
+              <a:t>Количество</a:t>
+            </a:r>
+            <a:r>
+              <a:rPr lang="en-US" dirty="0"/>
+              <a:t>: </a:t>
+            </a:r>
+            <a:r>
+              <a:rPr lang="ru-RU" dirty="0"/>
+              <a:t>от 1 до</a:t>
+            </a:r>
+            <a:r>
+              <a:rPr lang="ru-RU" b="0" i="0" dirty="0">
+                <a:solidFill>
+                  <a:srgbClr val="4D5156"/>
+                </a:solidFill>
+                <a:effectLst/>
+                <a:latin typeface="arial" panose="020B0604020202020204" pitchFamily="34" charset="0"/>
+              </a:rPr>
+              <a:t> ∞</a:t>
+            </a:r>
+            <a:endParaRPr lang="ru-RU" dirty="0"/>
+          </a:p>
+          <a:p>
+            <a:pPr lvl="1"/>
+            <a:r>
+              <a:rPr lang="ru-RU" dirty="0"/>
+              <a:t>Возраст от 18 до 60 лет </a:t>
+            </a:r>
+          </a:p>
+          <a:p>
+            <a:pPr lvl="1"/>
+            <a:r>
+              <a:rPr lang="ru-RU" dirty="0"/>
+              <a:t>З</a:t>
+            </a:r>
+            <a:r>
+              <a:rPr lang="en-US" dirty="0"/>
+              <a:t>/</a:t>
+            </a:r>
+            <a:r>
+              <a:rPr lang="ru-RU" dirty="0"/>
+              <a:t>п</a:t>
+            </a:r>
+            <a:r>
+              <a:rPr lang="en-US" dirty="0"/>
+              <a:t>: </a:t>
+            </a:r>
+            <a:r>
+              <a:rPr lang="ru-RU" dirty="0"/>
+              <a:t>от 0 до </a:t>
+            </a:r>
+            <a:r>
+              <a:rPr lang="en-US" dirty="0"/>
+              <a:t>&gt;</a:t>
+            </a:r>
+            <a:r>
+              <a:rPr lang="ru-RU" dirty="0"/>
+              <a:t>1 000 000 рублей</a:t>
+            </a:r>
+          </a:p>
+          <a:p>
+            <a:pPr lvl="1"/>
+            <a:r>
+              <a:rPr lang="ru-RU" dirty="0"/>
+              <a:t>Пол</a:t>
+            </a:r>
+            <a:r>
+              <a:rPr lang="en-US" dirty="0"/>
+              <a:t>: </a:t>
+            </a:r>
+            <a:r>
+              <a:rPr lang="ru-RU" dirty="0"/>
+              <a:t>оба пола в равном количестве</a:t>
+            </a:r>
+          </a:p>
+          <a:p>
+            <a:pPr lvl="1"/>
+            <a:r>
+              <a:rPr lang="ru-RU" dirty="0"/>
+              <a:t>Общий уровень владения ПК</a:t>
+            </a:r>
+            <a:r>
+              <a:rPr lang="en-US" dirty="0"/>
+              <a:t>: </a:t>
+            </a:r>
+            <a:r>
+              <a:rPr lang="ru-RU" dirty="0"/>
+              <a:t>от абсолютного новичка до продвинутого пользователя</a:t>
+            </a:r>
+          </a:p>
+          <a:p>
+            <a:pPr lvl="1"/>
+            <a:r>
+              <a:rPr lang="ru-RU" dirty="0"/>
+              <a:t>Факторы затрудняющие работу с приложением</a:t>
+            </a:r>
+            <a:r>
+              <a:rPr lang="en-US" dirty="0"/>
+              <a:t>: </a:t>
+            </a:r>
+            <a:r>
+              <a:rPr lang="ru-RU" dirty="0"/>
+              <a:t>слепота</a:t>
+            </a:r>
+            <a:r>
+              <a:rPr lang="en-US" dirty="0"/>
+              <a:t>/</a:t>
+            </a:r>
+            <a:r>
+              <a:rPr lang="ru-RU" dirty="0"/>
+              <a:t>частичная слепота</a:t>
+            </a:r>
+            <a:r>
+              <a:rPr lang="en-US" dirty="0"/>
+              <a:t>, </a:t>
+            </a:r>
+            <a:r>
+              <a:rPr lang="ru-RU" dirty="0"/>
+              <a:t>дальтонизм, инвалидность(отсутствие конечностей), дислексия.</a:t>
+            </a:r>
+          </a:p>
+          <a:p>
+            <a:pPr lvl="1"/>
+            <a:endParaRPr lang="ru-RU" dirty="0"/>
+          </a:p>
+          <a:p>
+            <a:pPr lvl="1"/>
+            <a:endParaRPr lang="ru-RU" dirty="0"/>
+          </a:p>
+          <a:p>
+            <a:pPr lvl="1"/>
+            <a:endParaRPr lang="ru-RU" dirty="0"/>
+          </a:p>
+        </p:txBody>
+      </p:sp>
+      <p:graphicFrame>
+        <p:nvGraphicFramePr>
+          <p:cNvPr id="6" name="Таблица 7">
+            <a:extLst>
+              <a:ext uri="{FF2B5EF4-FFF2-40B4-BE49-F238E27FC236}">
+                <a16:creationId xmlns:a16="http://schemas.microsoft.com/office/drawing/2014/main" id="{0F489E68-4344-4D7A-BA15-7DC445F66AE1}"/>
+              </a:ext>
+            </a:extLst>
+          </p:cNvPr>
+          <p:cNvGraphicFramePr>
+            <a:graphicFrameLocks noGrp="1"/>
+          </p:cNvGraphicFramePr>
+          <p:nvPr>
+            <p:extLst>
+              <p:ext uri="{D42A27DB-BD31-4B8C-83A1-F6EECF244321}">
+                <p14:modId xmlns:p14="http://schemas.microsoft.com/office/powerpoint/2010/main" val="904510131"/>
+              </p:ext>
+            </p:extLst>
+          </p:nvPr>
+        </p:nvGraphicFramePr>
+        <p:xfrm>
+          <a:off x="1676401" y="4081630"/>
+          <a:ext cx="6454588" cy="2377440"/>
+        </p:xfrm>
+        <a:graphic>
+          <a:graphicData uri="http://schemas.openxmlformats.org/drawingml/2006/table">
+            <a:tbl>
+              <a:tblPr firstRow="1" bandRow="1">
+                <a:tableStyleId>{5C22544A-7EE6-4342-B048-85BDC9FD1C3A}</a:tableStyleId>
+              </a:tblPr>
+              <a:tblGrid>
+                <a:gridCol w="3438075">
+                  <a:extLst>
+                    <a:ext uri="{9D8B030D-6E8A-4147-A177-3AD203B41FA5}">
+                      <a16:colId xmlns:a16="http://schemas.microsoft.com/office/drawing/2014/main" val="1121572206"/>
+                    </a:ext>
+                  </a:extLst>
+                </a:gridCol>
+                <a:gridCol w="3016513">
+                  <a:extLst>
+                    <a:ext uri="{9D8B030D-6E8A-4147-A177-3AD203B41FA5}">
+                      <a16:colId xmlns:a16="http://schemas.microsoft.com/office/drawing/2014/main" val="1699846996"/>
+                    </a:ext>
+                  </a:extLst>
+                </a:gridCol>
+              </a:tblGrid>
+              <a:tr h="823072">
+                <a:tc>
+                  <a:txBody>
+                    <a:bodyPr/>
+                    <a:lstStyle/>
+                    <a:p>
+                      <a:r>
+                        <a:rPr lang="ru-RU" dirty="0"/>
+                        <a:t>Необходимость просмотреть информацию о наличии направлений на обследование</a:t>
+                      </a:r>
+                      <a:r>
+                        <a:rPr lang="en-US" dirty="0"/>
+                        <a:t>/</a:t>
+                      </a:r>
+                      <a:r>
+                        <a:rPr lang="ru-RU" dirty="0"/>
+                        <a:t>анализ</a:t>
+                      </a:r>
+                      <a:r>
+                        <a:rPr lang="en-US" dirty="0"/>
+                        <a:t>/</a:t>
+                      </a:r>
+                      <a:r>
+                        <a:rPr lang="ru-RU" dirty="0"/>
+                        <a:t>прием у специалиста</a:t>
+                      </a:r>
+                    </a:p>
+                  </a:txBody>
+                  <a:tcPr/>
+                </a:tc>
+                <a:tc>
+                  <a:txBody>
+                    <a:bodyPr/>
+                    <a:lstStyle/>
+                    <a:p>
+                      <a:r>
+                        <a:rPr lang="ru-RU" dirty="0"/>
+                        <a:t>Функция просмотра информации о текущих направлениях</a:t>
+                      </a:r>
+                    </a:p>
+                  </a:txBody>
+                  <a:tcPr/>
+                </a:tc>
+                <a:extLst>
+                  <a:ext uri="{0D108BD9-81ED-4DB2-BD59-A6C34878D82A}">
+                    <a16:rowId xmlns:a16="http://schemas.microsoft.com/office/drawing/2014/main" val="4235443009"/>
+                  </a:ext>
+                </a:extLst>
+              </a:tr>
+              <a:tr h="823072">
+                <a:tc>
+                  <a:txBody>
+                    <a:bodyPr/>
+                    <a:lstStyle/>
+                    <a:p>
+                      <a:r>
+                        <a:rPr lang="ru-RU" dirty="0"/>
+                        <a:t>Получить направление на прием у терапевта</a:t>
+                      </a:r>
+                    </a:p>
+                  </a:txBody>
+                  <a:tcPr/>
+                </a:tc>
+                <a:tc>
+                  <a:txBody>
+                    <a:bodyPr/>
+                    <a:lstStyle/>
+                    <a:p>
+                      <a:r>
+                        <a:rPr lang="ru-RU" dirty="0"/>
+                        <a:t>Функция подачи заявки на получение направления на прием у терапевта</a:t>
+                      </a:r>
+                    </a:p>
+                  </a:txBody>
+                  <a:tcPr/>
+                </a:tc>
+                <a:extLst>
+                  <a:ext uri="{0D108BD9-81ED-4DB2-BD59-A6C34878D82A}">
+                    <a16:rowId xmlns:a16="http://schemas.microsoft.com/office/drawing/2014/main" val="2218733457"/>
+                  </a:ext>
+                </a:extLst>
+              </a:tr>
+            </a:tbl>
+          </a:graphicData>
+        </a:graphic>
+      </p:graphicFrame>
+    </p:spTree>
+    <p:extLst>
+      <p:ext uri="{BB962C8B-B14F-4D97-AF65-F5344CB8AC3E}">
+        <p14:creationId xmlns:p14="http://schemas.microsoft.com/office/powerpoint/2010/main" val="2003731701"/>
+      </p:ext>
+    </p:extLst>
+  </p:cSld>
+  <p:clrMapOvr>
+    <a:masterClrMapping/>
+  </p:clrMapOvr>
+</p:sld>
+</file>
+
+<file path=ppt/slides/slide15.xml><?xml version="1.0" encoding="utf-8"?>
+<p:sld xmlns:a="http://schemas.openxmlformats.org/drawingml/2006/main" xmlns:r="http://schemas.openxmlformats.org/officeDocument/2006/relationships" xmlns:p="http://schemas.openxmlformats.org/presentationml/2006/main">
+  <p:cSld>
+    <p:spTree>
+      <p:nvGrpSpPr>
+        <p:cNvPr id="1" name=""/>
+        <p:cNvGrpSpPr/>
+        <p:nvPr/>
+      </p:nvGrpSpPr>
+      <p:grpSpPr>
+        <a:xfrm>
+          <a:off x="0" y="0"/>
+          <a:ext cx="0" cy="0"/>
+          <a:chOff x="0" y="0"/>
+          <a:chExt cx="0" cy="0"/>
+        </a:xfrm>
+      </p:grpSpPr>
+      <p:sp>
+        <p:nvSpPr>
+          <p:cNvPr id="2" name="Заголовок 1">
+            <a:extLst>
+              <a:ext uri="{FF2B5EF4-FFF2-40B4-BE49-F238E27FC236}">
+                <a16:creationId xmlns:a16="http://schemas.microsoft.com/office/drawing/2014/main" id="{5E152202-6F1E-416A-BCFA-BBBF8E5DF1DA}"/>
+              </a:ext>
+            </a:extLst>
+          </p:cNvPr>
+          <p:cNvSpPr>
+            <a:spLocks noGrp="1"/>
+          </p:cNvSpPr>
+          <p:nvPr>
+            <p:ph type="title"/>
+          </p:nvPr>
+        </p:nvSpPr>
+        <p:spPr>
+          <a:xfrm>
+            <a:off x="770964" y="76200"/>
+            <a:ext cx="9601200" cy="1485900"/>
+          </a:xfrm>
+        </p:spPr>
+        <p:txBody>
+          <a:bodyPr/>
+          <a:lstStyle/>
+          <a:p>
+            <a:r>
+              <a:rPr lang="ru-RU" dirty="0"/>
+              <a:t>Описание пользователей</a:t>
+            </a:r>
+          </a:p>
+        </p:txBody>
+      </p:sp>
+      <p:sp>
+        <p:nvSpPr>
+          <p:cNvPr id="3" name="Объект 2">
+            <a:extLst>
+              <a:ext uri="{FF2B5EF4-FFF2-40B4-BE49-F238E27FC236}">
+                <a16:creationId xmlns:a16="http://schemas.microsoft.com/office/drawing/2014/main" id="{AC89C0AD-896F-430F-8DFA-362D8DAD15C9}"/>
+              </a:ext>
+            </a:extLst>
+          </p:cNvPr>
+          <p:cNvSpPr>
+            <a:spLocks noGrp="1"/>
+          </p:cNvSpPr>
+          <p:nvPr>
+            <p:ph idx="1"/>
+          </p:nvPr>
+        </p:nvSpPr>
+        <p:spPr>
+          <a:xfrm>
+            <a:off x="770964" y="819150"/>
+            <a:ext cx="9601200" cy="5962650"/>
+          </a:xfrm>
+        </p:spPr>
+        <p:txBody>
+          <a:bodyPr>
+            <a:normAutofit/>
+          </a:bodyPr>
+          <a:lstStyle/>
+          <a:p>
+            <a:r>
+              <a:rPr lang="ru-RU" dirty="0"/>
+              <a:t>Медицинский регистратор</a:t>
+            </a:r>
+          </a:p>
+          <a:p>
+            <a:pPr lvl="1"/>
+            <a:r>
+              <a:rPr lang="ru-RU" dirty="0"/>
+              <a:t>Количество</a:t>
+            </a:r>
+            <a:r>
+              <a:rPr lang="en-US" dirty="0"/>
+              <a:t>: </a:t>
+            </a:r>
+            <a:r>
+              <a:rPr lang="ru-RU" dirty="0"/>
+              <a:t>от 1 до 4</a:t>
+            </a:r>
+          </a:p>
+          <a:p>
+            <a:pPr lvl="1"/>
+            <a:r>
+              <a:rPr lang="ru-RU" dirty="0"/>
+              <a:t>Возраст от 30 до 70 лет </a:t>
+            </a:r>
+          </a:p>
+          <a:p>
+            <a:pPr lvl="1"/>
+            <a:r>
+              <a:rPr lang="ru-RU" dirty="0"/>
+              <a:t>З</a:t>
+            </a:r>
+            <a:r>
+              <a:rPr lang="en-US" dirty="0"/>
+              <a:t>/</a:t>
+            </a:r>
+            <a:r>
+              <a:rPr lang="ru-RU" dirty="0"/>
+              <a:t>п</a:t>
+            </a:r>
+            <a:r>
+              <a:rPr lang="en-US" dirty="0"/>
+              <a:t>: </a:t>
+            </a:r>
+            <a:r>
+              <a:rPr lang="ru-RU" dirty="0"/>
+              <a:t>от 25 000 до 35 000 рублей</a:t>
+            </a:r>
+          </a:p>
+          <a:p>
+            <a:pPr lvl="1"/>
+            <a:r>
+              <a:rPr lang="ru-RU" dirty="0"/>
+              <a:t>Пол</a:t>
+            </a:r>
+            <a:r>
+              <a:rPr lang="en-US" dirty="0"/>
+              <a:t>:</a:t>
+            </a:r>
+            <a:r>
+              <a:rPr lang="ru-RU" dirty="0"/>
+              <a:t> преимущественно женщины</a:t>
+            </a:r>
+          </a:p>
+          <a:p>
+            <a:pPr lvl="1"/>
+            <a:r>
+              <a:rPr lang="ru-RU" dirty="0"/>
+              <a:t>Общий уровень владения ПК</a:t>
+            </a:r>
+            <a:r>
+              <a:rPr lang="en-US" dirty="0"/>
+              <a:t>:</a:t>
+            </a:r>
+            <a:r>
+              <a:rPr lang="ru-RU" dirty="0"/>
+              <a:t> от начинающего уровня до среднего.</a:t>
+            </a:r>
+          </a:p>
+          <a:p>
+            <a:pPr lvl="1"/>
+            <a:r>
+              <a:rPr lang="ru-RU" dirty="0"/>
+              <a:t>Факторы затрудняющие работу с приложением</a:t>
+            </a:r>
+            <a:r>
+              <a:rPr lang="en-US" dirty="0"/>
+              <a:t>: </a:t>
+            </a:r>
+            <a:r>
+              <a:rPr lang="ru-RU" dirty="0"/>
+              <a:t>плохое зрение.</a:t>
+            </a:r>
+          </a:p>
+          <a:p>
+            <a:pPr marL="0" indent="0">
+              <a:buNone/>
+            </a:pPr>
+            <a:endParaRPr lang="ru-RU" dirty="0"/>
+          </a:p>
+          <a:p>
+            <a:pPr lvl="1"/>
+            <a:endParaRPr lang="ru-RU" dirty="0"/>
+          </a:p>
+          <a:p>
+            <a:pPr lvl="1"/>
+            <a:endParaRPr lang="ru-RU" dirty="0"/>
+          </a:p>
+          <a:p>
+            <a:pPr lvl="1"/>
+            <a:endParaRPr lang="ru-RU" dirty="0"/>
+          </a:p>
+        </p:txBody>
+      </p:sp>
+      <p:graphicFrame>
+        <p:nvGraphicFramePr>
+          <p:cNvPr id="7" name="Таблица 7">
+            <a:extLst>
+              <a:ext uri="{FF2B5EF4-FFF2-40B4-BE49-F238E27FC236}">
+                <a16:creationId xmlns:a16="http://schemas.microsoft.com/office/drawing/2014/main" id="{AC78AA6D-6363-4E48-B56B-A886BA102050}"/>
+              </a:ext>
+            </a:extLst>
+          </p:cNvPr>
+          <p:cNvGraphicFramePr>
+            <a:graphicFrameLocks noGrp="1"/>
+          </p:cNvGraphicFramePr>
+          <p:nvPr>
+            <p:extLst>
+              <p:ext uri="{D42A27DB-BD31-4B8C-83A1-F6EECF244321}">
+                <p14:modId xmlns:p14="http://schemas.microsoft.com/office/powerpoint/2010/main" val="2296950507"/>
+              </p:ext>
+            </p:extLst>
+          </p:nvPr>
+        </p:nvGraphicFramePr>
+        <p:xfrm>
+          <a:off x="1281953" y="3576022"/>
+          <a:ext cx="6615954" cy="2743200"/>
+        </p:xfrm>
+        <a:graphic>
+          <a:graphicData uri="http://schemas.openxmlformats.org/drawingml/2006/table">
+            <a:tbl>
+              <a:tblPr firstRow="1" bandRow="1">
+                <a:tableStyleId>{5C22544A-7EE6-4342-B048-85BDC9FD1C3A}</a:tableStyleId>
+              </a:tblPr>
+              <a:tblGrid>
+                <a:gridCol w="3524028">
+                  <a:extLst>
+                    <a:ext uri="{9D8B030D-6E8A-4147-A177-3AD203B41FA5}">
+                      <a16:colId xmlns:a16="http://schemas.microsoft.com/office/drawing/2014/main" val="1121572206"/>
+                    </a:ext>
+                  </a:extLst>
+                </a:gridCol>
+                <a:gridCol w="3091926">
+                  <a:extLst>
+                    <a:ext uri="{9D8B030D-6E8A-4147-A177-3AD203B41FA5}">
+                      <a16:colId xmlns:a16="http://schemas.microsoft.com/office/drawing/2014/main" val="1699846996"/>
+                    </a:ext>
+                  </a:extLst>
+                </a:gridCol>
+              </a:tblGrid>
+              <a:tr h="823072">
+                <a:tc>
+                  <a:txBody>
+                    <a:bodyPr/>
+                    <a:lstStyle/>
+                    <a:p>
+                      <a:r>
+                        <a:rPr lang="ru-RU" dirty="0"/>
+                        <a:t>Найти пациента в системе</a:t>
+                      </a:r>
+                    </a:p>
+                  </a:txBody>
+                  <a:tcPr/>
+                </a:tc>
+                <a:tc>
+                  <a:txBody>
+                    <a:bodyPr/>
+                    <a:lstStyle/>
+                    <a:p>
+                      <a:r>
+                        <a:rPr lang="ru-RU" dirty="0"/>
+                        <a:t>Функция поиска информации о пациенте в системе</a:t>
+                      </a:r>
+                    </a:p>
+                  </a:txBody>
+                  <a:tcPr/>
+                </a:tc>
+                <a:extLst>
+                  <a:ext uri="{0D108BD9-81ED-4DB2-BD59-A6C34878D82A}">
+                    <a16:rowId xmlns:a16="http://schemas.microsoft.com/office/drawing/2014/main" val="4235443009"/>
+                  </a:ext>
+                </a:extLst>
+              </a:tr>
+              <a:tr h="823072">
+                <a:tc>
+                  <a:txBody>
+                    <a:bodyPr/>
+                    <a:lstStyle/>
+                    <a:p>
+                      <a:r>
+                        <a:rPr lang="ru-RU" sz="1800" b="1" kern="1200" dirty="0">
+                          <a:solidFill>
+                            <a:schemeClr val="lt1"/>
+                          </a:solidFill>
+                          <a:latin typeface="+mn-lt"/>
+                          <a:ea typeface="+mn-ea"/>
+                          <a:cs typeface="+mn-cs"/>
+                        </a:rPr>
+                        <a:t>Создать запись о новом пациенте в системе</a:t>
+                      </a:r>
+                    </a:p>
+                  </a:txBody>
+                  <a:tcPr>
+                    <a:solidFill>
+                      <a:schemeClr val="accent1"/>
+                    </a:solidFill>
+                  </a:tcPr>
+                </a:tc>
+                <a:tc>
+                  <a:txBody>
+                    <a:bodyPr/>
+                    <a:lstStyle/>
+                    <a:p>
+                      <a:pPr marL="0" marR="0" lvl="0" indent="0" algn="l" defTabSz="914400" rtl="0" eaLnBrk="1" fontAlgn="auto" latinLnBrk="0" hangingPunct="1">
+                        <a:lnSpc>
+                          <a:spcPct val="100000"/>
+                        </a:lnSpc>
+                        <a:spcBef>
+                          <a:spcPts val="0"/>
+                        </a:spcBef>
+                        <a:spcAft>
+                          <a:spcPts val="0"/>
+                        </a:spcAft>
+                        <a:buClrTx/>
+                        <a:buSzTx/>
+                        <a:buFontTx/>
+                        <a:buNone/>
+                        <a:tabLst/>
+                        <a:defRPr/>
+                      </a:pPr>
+                      <a:r>
+                        <a:rPr lang="ru-RU" sz="1800" b="1" kern="1200" dirty="0">
+                          <a:solidFill>
+                            <a:schemeClr val="lt1"/>
+                          </a:solidFill>
+                          <a:latin typeface="+mn-lt"/>
+                          <a:ea typeface="+mn-ea"/>
+                          <a:cs typeface="+mn-cs"/>
+                        </a:rPr>
+                        <a:t>Функция создания записи с информацией о новом пациенте в системе</a:t>
+                      </a:r>
+                    </a:p>
+                  </a:txBody>
+                  <a:tcPr>
+                    <a:solidFill>
+                      <a:schemeClr val="accent1"/>
+                    </a:solidFill>
+                  </a:tcPr>
+                </a:tc>
+                <a:extLst>
+                  <a:ext uri="{0D108BD9-81ED-4DB2-BD59-A6C34878D82A}">
+                    <a16:rowId xmlns:a16="http://schemas.microsoft.com/office/drawing/2014/main" val="2218733457"/>
+                  </a:ext>
+                </a:extLst>
+              </a:tr>
+              <a:tr h="823072">
+                <a:tc>
+                  <a:txBody>
+                    <a:bodyPr/>
+                    <a:lstStyle/>
+                    <a:p>
+                      <a:r>
+                        <a:rPr lang="ru-RU" sz="1800" b="1" kern="1200" dirty="0">
+                          <a:solidFill>
+                            <a:schemeClr val="lt1"/>
+                          </a:solidFill>
+                          <a:latin typeface="+mn-lt"/>
+                          <a:ea typeface="+mn-ea"/>
+                          <a:cs typeface="+mn-cs"/>
+                        </a:rPr>
+                        <a:t>Оформить направление на прием к терапевту</a:t>
+                      </a:r>
+                    </a:p>
+                  </a:txBody>
+                  <a:tcPr>
+                    <a:solidFill>
+                      <a:schemeClr val="accent1"/>
+                    </a:solidFill>
+                  </a:tcPr>
+                </a:tc>
+                <a:tc>
+                  <a:txBody>
+                    <a:bodyPr/>
+                    <a:lstStyle/>
+                    <a:p>
+                      <a:pPr marL="0" marR="0" lvl="0" indent="0" algn="l" defTabSz="914400" rtl="0" eaLnBrk="1" fontAlgn="auto" latinLnBrk="0" hangingPunct="1">
+                        <a:lnSpc>
+                          <a:spcPct val="100000"/>
+                        </a:lnSpc>
+                        <a:spcBef>
+                          <a:spcPts val="0"/>
+                        </a:spcBef>
+                        <a:spcAft>
+                          <a:spcPts val="0"/>
+                        </a:spcAft>
+                        <a:buClrTx/>
+                        <a:buSzTx/>
+                        <a:buFontTx/>
+                        <a:buNone/>
+                        <a:tabLst/>
+                        <a:defRPr/>
+                      </a:pPr>
+                      <a:r>
+                        <a:rPr lang="ru-RU" sz="1800" b="1" kern="1200" dirty="0">
+                          <a:solidFill>
+                            <a:schemeClr val="lt1"/>
+                          </a:solidFill>
+                          <a:latin typeface="+mn-lt"/>
+                          <a:ea typeface="+mn-ea"/>
+                          <a:cs typeface="+mn-cs"/>
+                        </a:rPr>
+                        <a:t>Функция создания записи о направлении к терапевту в системе</a:t>
+                      </a:r>
+                    </a:p>
+                  </a:txBody>
+                  <a:tcPr>
+                    <a:solidFill>
+                      <a:schemeClr val="accent1"/>
+                    </a:solidFill>
+                  </a:tcPr>
+                </a:tc>
+                <a:extLst>
+                  <a:ext uri="{0D108BD9-81ED-4DB2-BD59-A6C34878D82A}">
+                    <a16:rowId xmlns:a16="http://schemas.microsoft.com/office/drawing/2014/main" val="1706626283"/>
+                  </a:ext>
+                </a:extLst>
+              </a:tr>
+            </a:tbl>
+          </a:graphicData>
+        </a:graphic>
+      </p:graphicFrame>
+    </p:spTree>
+    <p:extLst>
+      <p:ext uri="{BB962C8B-B14F-4D97-AF65-F5344CB8AC3E}">
+        <p14:creationId xmlns:p14="http://schemas.microsoft.com/office/powerpoint/2010/main" val="492840188"/>
+      </p:ext>
+    </p:extLst>
+  </p:cSld>
+  <p:clrMapOvr>
+    <a:masterClrMapping/>
+  </p:clrMapOvr>
+</p:sld>
+</file>
+
+<file path=ppt/slides/slide16.xml><?xml version="1.0" encoding="utf-8"?>
+<p:sld xmlns:a="http://schemas.openxmlformats.org/drawingml/2006/main" xmlns:r="http://schemas.openxmlformats.org/officeDocument/2006/relationships" xmlns:p="http://schemas.openxmlformats.org/presentationml/2006/main">
+  <p:cSld>
+    <p:spTree>
+      <p:nvGrpSpPr>
+        <p:cNvPr id="1" name=""/>
+        <p:cNvGrpSpPr/>
+        <p:nvPr/>
+      </p:nvGrpSpPr>
+      <p:grpSpPr>
+        <a:xfrm>
+          <a:off x="0" y="0"/>
+          <a:ext cx="0" cy="0"/>
+          <a:chOff x="0" y="0"/>
+          <a:chExt cx="0" cy="0"/>
+        </a:xfrm>
+      </p:grpSpPr>
+      <p:sp>
+        <p:nvSpPr>
+          <p:cNvPr id="2" name="Заголовок 1">
+            <a:extLst>
+              <a:ext uri="{FF2B5EF4-FFF2-40B4-BE49-F238E27FC236}">
+                <a16:creationId xmlns:a16="http://schemas.microsoft.com/office/drawing/2014/main" id="{5E152202-6F1E-416A-BCFA-BBBF8E5DF1DA}"/>
+              </a:ext>
+            </a:extLst>
+          </p:cNvPr>
+          <p:cNvSpPr>
+            <a:spLocks noGrp="1"/>
+          </p:cNvSpPr>
+          <p:nvPr>
+            <p:ph type="title"/>
+          </p:nvPr>
+        </p:nvSpPr>
+        <p:spPr>
+          <a:xfrm>
+            <a:off x="770964" y="76200"/>
+            <a:ext cx="9601200" cy="1485900"/>
+          </a:xfrm>
+        </p:spPr>
+        <p:txBody>
+          <a:bodyPr/>
+          <a:lstStyle/>
+          <a:p>
+            <a:r>
+              <a:rPr lang="ru-RU" dirty="0"/>
+              <a:t>Описание пользователей</a:t>
+            </a:r>
+          </a:p>
+        </p:txBody>
+      </p:sp>
+      <p:sp>
+        <p:nvSpPr>
+          <p:cNvPr id="3" name="Объект 2">
+            <a:extLst>
+              <a:ext uri="{FF2B5EF4-FFF2-40B4-BE49-F238E27FC236}">
+                <a16:creationId xmlns:a16="http://schemas.microsoft.com/office/drawing/2014/main" id="{AC89C0AD-896F-430F-8DFA-362D8DAD15C9}"/>
+              </a:ext>
+            </a:extLst>
+          </p:cNvPr>
+          <p:cNvSpPr>
+            <a:spLocks noGrp="1"/>
+          </p:cNvSpPr>
+          <p:nvPr>
+            <p:ph idx="1"/>
+          </p:nvPr>
+        </p:nvSpPr>
+        <p:spPr>
+          <a:xfrm>
+            <a:off x="770965" y="819150"/>
+            <a:ext cx="7055224" cy="5962650"/>
+          </a:xfrm>
+        </p:spPr>
+        <p:txBody>
+          <a:bodyPr>
+            <a:normAutofit/>
+          </a:bodyPr>
+          <a:lstStyle/>
+          <a:p>
+            <a:r>
+              <a:rPr lang="ru-RU" dirty="0"/>
+              <a:t>Администратор</a:t>
+            </a:r>
+          </a:p>
+          <a:p>
+            <a:pPr lvl="1"/>
+            <a:r>
+              <a:rPr lang="ru-RU" dirty="0"/>
+              <a:t>Количество</a:t>
+            </a:r>
+            <a:r>
+              <a:rPr lang="en-US" dirty="0"/>
+              <a:t>: </a:t>
+            </a:r>
+            <a:r>
+              <a:rPr lang="ru-RU" dirty="0"/>
+              <a:t>от 1 до</a:t>
+            </a:r>
+            <a:r>
+              <a:rPr lang="ru-RU" b="0" i="0" dirty="0">
+                <a:solidFill>
+                  <a:srgbClr val="4D5156"/>
+                </a:solidFill>
+                <a:effectLst/>
+                <a:latin typeface="arial" panose="020B0604020202020204" pitchFamily="34" charset="0"/>
+              </a:rPr>
+              <a:t> 3</a:t>
+            </a:r>
+            <a:endParaRPr lang="ru-RU" dirty="0"/>
+          </a:p>
+          <a:p>
+            <a:pPr lvl="1"/>
+            <a:r>
+              <a:rPr lang="ru-RU" dirty="0"/>
+              <a:t>Возраст от 20 до 50 лет </a:t>
+            </a:r>
+          </a:p>
+          <a:p>
+            <a:pPr lvl="1"/>
+            <a:r>
+              <a:rPr lang="ru-RU" dirty="0"/>
+              <a:t>З</a:t>
+            </a:r>
+            <a:r>
+              <a:rPr lang="en-US" dirty="0"/>
+              <a:t>/</a:t>
+            </a:r>
+            <a:r>
+              <a:rPr lang="ru-RU" dirty="0"/>
+              <a:t>п</a:t>
+            </a:r>
+            <a:r>
+              <a:rPr lang="en-US" dirty="0"/>
+              <a:t>: </a:t>
+            </a:r>
+            <a:r>
+              <a:rPr lang="ru-RU" dirty="0"/>
+              <a:t>от 40 000 до 60 000 рублей</a:t>
+            </a:r>
+          </a:p>
+          <a:p>
+            <a:pPr lvl="1"/>
+            <a:r>
+              <a:rPr lang="ru-RU" dirty="0"/>
+              <a:t>Пол</a:t>
+            </a:r>
+            <a:r>
+              <a:rPr lang="en-US" dirty="0"/>
+              <a:t>:</a:t>
+            </a:r>
+            <a:r>
+              <a:rPr lang="ru-RU" dirty="0"/>
+              <a:t> преимущественно мужчины</a:t>
+            </a:r>
+          </a:p>
+          <a:p>
+            <a:pPr lvl="1"/>
+            <a:r>
+              <a:rPr lang="ru-RU" dirty="0"/>
+              <a:t>Общий уровень владения ПК</a:t>
+            </a:r>
+            <a:r>
+              <a:rPr lang="en-US" dirty="0"/>
+              <a:t>:</a:t>
+            </a:r>
+            <a:r>
+              <a:rPr lang="ru-RU" dirty="0"/>
+              <a:t> продвинутый.</a:t>
+            </a:r>
+          </a:p>
+          <a:p>
+            <a:pPr lvl="1"/>
+            <a:r>
+              <a:rPr lang="ru-RU" dirty="0"/>
+              <a:t>Факторы затрудняющие работу с приложением</a:t>
+            </a:r>
+            <a:r>
+              <a:rPr lang="en-US" dirty="0"/>
+              <a:t>:</a:t>
+            </a:r>
+            <a:r>
+              <a:rPr lang="ru-RU" dirty="0"/>
+              <a:t> нет.</a:t>
+            </a:r>
+          </a:p>
+          <a:p>
+            <a:r>
+              <a:rPr lang="ru-RU" dirty="0"/>
+              <a:t>Врач функциональной диагностики</a:t>
+            </a:r>
+          </a:p>
+          <a:p>
+            <a:pPr lvl="1"/>
+            <a:r>
+              <a:rPr lang="ru-RU" dirty="0"/>
+              <a:t>Количество</a:t>
+            </a:r>
+            <a:r>
+              <a:rPr lang="en-US" dirty="0"/>
+              <a:t>: </a:t>
+            </a:r>
+            <a:r>
+              <a:rPr lang="ru-RU" dirty="0"/>
+              <a:t>от 1 до 10.</a:t>
+            </a:r>
+          </a:p>
+          <a:p>
+            <a:pPr lvl="1"/>
+            <a:r>
+              <a:rPr lang="ru-RU" dirty="0"/>
+              <a:t>Возраст от 30 до 60 лет </a:t>
+            </a:r>
+          </a:p>
+          <a:p>
+            <a:pPr lvl="1"/>
+            <a:r>
+              <a:rPr lang="ru-RU" dirty="0"/>
+              <a:t>З</a:t>
+            </a:r>
+            <a:r>
+              <a:rPr lang="en-US" dirty="0"/>
+              <a:t>/</a:t>
+            </a:r>
+            <a:r>
+              <a:rPr lang="ru-RU" dirty="0"/>
+              <a:t>п</a:t>
+            </a:r>
+            <a:r>
+              <a:rPr lang="en-US" dirty="0"/>
+              <a:t>: </a:t>
+            </a:r>
+            <a:r>
+              <a:rPr lang="ru-RU" dirty="0"/>
+              <a:t>от 45 000 до 55 000 рублей</a:t>
+            </a:r>
+          </a:p>
+          <a:p>
+            <a:pPr lvl="1"/>
+            <a:r>
+              <a:rPr lang="ru-RU" dirty="0"/>
+              <a:t>Пол</a:t>
+            </a:r>
+            <a:r>
+              <a:rPr lang="en-US" dirty="0"/>
+              <a:t>:</a:t>
+            </a:r>
+            <a:r>
+              <a:rPr lang="ru-RU" dirty="0"/>
+              <a:t> преимущественно женщины</a:t>
+            </a:r>
+          </a:p>
+          <a:p>
+            <a:pPr lvl="1"/>
+            <a:r>
+              <a:rPr lang="ru-RU" dirty="0"/>
+              <a:t>Общий уровень владения ПК</a:t>
+            </a:r>
+            <a:r>
+              <a:rPr lang="en-US" dirty="0"/>
+              <a:t>:</a:t>
+            </a:r>
+            <a:r>
+              <a:rPr lang="ru-RU" dirty="0"/>
+              <a:t> от начинающего уровня до среднего </a:t>
+            </a:r>
+          </a:p>
+          <a:p>
+            <a:pPr lvl="1"/>
+            <a:r>
+              <a:rPr lang="ru-RU" dirty="0"/>
+              <a:t>Факторы затрудняющие работу с приложением</a:t>
+            </a:r>
+            <a:r>
+              <a:rPr lang="en-US" dirty="0"/>
+              <a:t>: </a:t>
+            </a:r>
+            <a:r>
+              <a:rPr lang="ru-RU" dirty="0"/>
+              <a:t>плохое зрение</a:t>
+            </a:r>
+          </a:p>
+        </p:txBody>
+      </p:sp>
+      <p:graphicFrame>
+        <p:nvGraphicFramePr>
+          <p:cNvPr id="7" name="Таблица 7">
+            <a:extLst>
+              <a:ext uri="{FF2B5EF4-FFF2-40B4-BE49-F238E27FC236}">
+                <a16:creationId xmlns:a16="http://schemas.microsoft.com/office/drawing/2014/main" id="{503D7645-85A3-4062-A41F-4BC7B4B7B663}"/>
+              </a:ext>
+            </a:extLst>
+          </p:cNvPr>
+          <p:cNvGraphicFramePr>
+            <a:graphicFrameLocks noGrp="1"/>
+          </p:cNvGraphicFramePr>
+          <p:nvPr>
+            <p:extLst>
+              <p:ext uri="{D42A27DB-BD31-4B8C-83A1-F6EECF244321}">
+                <p14:modId xmlns:p14="http://schemas.microsoft.com/office/powerpoint/2010/main" val="758391192"/>
+              </p:ext>
+            </p:extLst>
+          </p:nvPr>
+        </p:nvGraphicFramePr>
+        <p:xfrm>
+          <a:off x="5576047" y="898959"/>
+          <a:ext cx="6615954" cy="1828800"/>
+        </p:xfrm>
+        <a:graphic>
+          <a:graphicData uri="http://schemas.openxmlformats.org/drawingml/2006/table">
+            <a:tbl>
+              <a:tblPr firstRow="1" bandRow="1">
+                <a:tableStyleId>{5C22544A-7EE6-4342-B048-85BDC9FD1C3A}</a:tableStyleId>
+              </a:tblPr>
+              <a:tblGrid>
+                <a:gridCol w="3307977">
+                  <a:extLst>
+                    <a:ext uri="{9D8B030D-6E8A-4147-A177-3AD203B41FA5}">
+                      <a16:colId xmlns:a16="http://schemas.microsoft.com/office/drawing/2014/main" val="1121572206"/>
+                    </a:ext>
+                  </a:extLst>
+                </a:gridCol>
+                <a:gridCol w="3307977">
+                  <a:extLst>
+                    <a:ext uri="{9D8B030D-6E8A-4147-A177-3AD203B41FA5}">
+                      <a16:colId xmlns:a16="http://schemas.microsoft.com/office/drawing/2014/main" val="1699846996"/>
+                    </a:ext>
+                  </a:extLst>
+                </a:gridCol>
+              </a:tblGrid>
+              <a:tr h="827991">
+                <a:tc>
+                  <a:txBody>
+                    <a:bodyPr/>
+                    <a:lstStyle/>
+                    <a:p>
+                      <a:r>
+                        <a:rPr lang="ru-RU" dirty="0"/>
+                        <a:t>Необходимость удалить</a:t>
+                      </a:r>
+                      <a:r>
+                        <a:rPr lang="en-US" dirty="0"/>
+                        <a:t>/</a:t>
+                      </a:r>
+                      <a:r>
+                        <a:rPr lang="ru-RU" dirty="0"/>
+                        <a:t>добавить</a:t>
+                      </a:r>
+                      <a:r>
+                        <a:rPr lang="en-US" dirty="0"/>
+                        <a:t>/</a:t>
+                      </a:r>
+                      <a:r>
+                        <a:rPr lang="ru-RU" dirty="0"/>
+                        <a:t>изменить учетную запись</a:t>
+                      </a:r>
+                    </a:p>
+                  </a:txBody>
+                  <a:tcPr/>
+                </a:tc>
+                <a:tc>
+                  <a:txBody>
+                    <a:bodyPr/>
+                    <a:lstStyle/>
+                    <a:p>
+                      <a:r>
+                        <a:rPr lang="ru-RU" dirty="0"/>
+                        <a:t>Удаление</a:t>
+                      </a:r>
+                      <a:r>
+                        <a:rPr lang="en-US" dirty="0"/>
+                        <a:t>/</a:t>
+                      </a:r>
+                      <a:r>
+                        <a:rPr lang="ru-RU" dirty="0"/>
+                        <a:t>Добавление</a:t>
+                      </a:r>
+                      <a:r>
+                        <a:rPr lang="en-US" dirty="0"/>
+                        <a:t>/</a:t>
+                      </a:r>
+                      <a:r>
+                        <a:rPr lang="ru-RU" dirty="0"/>
+                        <a:t>Редактирование учетных записей</a:t>
+                      </a:r>
+                    </a:p>
+                  </a:txBody>
+                  <a:tcPr/>
+                </a:tc>
+                <a:extLst>
+                  <a:ext uri="{0D108BD9-81ED-4DB2-BD59-A6C34878D82A}">
+                    <a16:rowId xmlns:a16="http://schemas.microsoft.com/office/drawing/2014/main" val="4235443009"/>
+                  </a:ext>
+                </a:extLst>
+              </a:tr>
+              <a:tr h="827991">
+                <a:tc>
+                  <a:txBody>
+                    <a:bodyPr/>
+                    <a:lstStyle/>
+                    <a:p>
+                      <a:r>
+                        <a:rPr lang="ru-RU" dirty="0"/>
+                        <a:t>Необходимость проанализировать работу персонала поликлиники</a:t>
+                      </a:r>
+                    </a:p>
+                  </a:txBody>
+                  <a:tcPr/>
+                </a:tc>
+                <a:tc>
+                  <a:txBody>
+                    <a:bodyPr/>
+                    <a:lstStyle/>
+                    <a:p>
+                      <a:r>
+                        <a:rPr lang="ru-RU" dirty="0"/>
+                        <a:t>Генерация отчета о работе</a:t>
+                      </a:r>
+                    </a:p>
+                  </a:txBody>
+                  <a:tcPr/>
+                </a:tc>
+                <a:extLst>
+                  <a:ext uri="{0D108BD9-81ED-4DB2-BD59-A6C34878D82A}">
+                    <a16:rowId xmlns:a16="http://schemas.microsoft.com/office/drawing/2014/main" val="2218733457"/>
+                  </a:ext>
+                </a:extLst>
+              </a:tr>
+            </a:tbl>
+          </a:graphicData>
+        </a:graphic>
+      </p:graphicFrame>
+      <p:graphicFrame>
+        <p:nvGraphicFramePr>
+          <p:cNvPr id="8" name="Таблица 7">
+            <a:extLst>
+              <a:ext uri="{FF2B5EF4-FFF2-40B4-BE49-F238E27FC236}">
+                <a16:creationId xmlns:a16="http://schemas.microsoft.com/office/drawing/2014/main" id="{6CF1F69F-C998-420A-AACE-43089A5CFFEC}"/>
+              </a:ext>
+            </a:extLst>
+          </p:cNvPr>
+          <p:cNvGraphicFramePr>
+            <a:graphicFrameLocks noGrp="1"/>
+          </p:cNvGraphicFramePr>
+          <p:nvPr>
+            <p:extLst>
+              <p:ext uri="{D42A27DB-BD31-4B8C-83A1-F6EECF244321}">
+                <p14:modId xmlns:p14="http://schemas.microsoft.com/office/powerpoint/2010/main" val="44494556"/>
+              </p:ext>
+            </p:extLst>
+          </p:nvPr>
+        </p:nvGraphicFramePr>
+        <p:xfrm>
+          <a:off x="5638800" y="3491128"/>
+          <a:ext cx="6553200" cy="1701210"/>
+        </p:xfrm>
+        <a:graphic>
+          <a:graphicData uri="http://schemas.openxmlformats.org/drawingml/2006/table">
+            <a:tbl>
+              <a:tblPr firstRow="1" bandRow="1">
+                <a:tableStyleId>{5C22544A-7EE6-4342-B048-85BDC9FD1C3A}</a:tableStyleId>
+              </a:tblPr>
+              <a:tblGrid>
+                <a:gridCol w="3276600">
+                  <a:extLst>
+                    <a:ext uri="{9D8B030D-6E8A-4147-A177-3AD203B41FA5}">
+                      <a16:colId xmlns:a16="http://schemas.microsoft.com/office/drawing/2014/main" val="1121572206"/>
+                    </a:ext>
+                  </a:extLst>
+                </a:gridCol>
+                <a:gridCol w="3276600">
+                  <a:extLst>
+                    <a:ext uri="{9D8B030D-6E8A-4147-A177-3AD203B41FA5}">
+                      <a16:colId xmlns:a16="http://schemas.microsoft.com/office/drawing/2014/main" val="1699846996"/>
+                    </a:ext>
+                  </a:extLst>
+                </a:gridCol>
+              </a:tblGrid>
+              <a:tr h="891111">
+                <a:tc>
+                  <a:txBody>
+                    <a:bodyPr/>
+                    <a:lstStyle/>
+                    <a:p>
+                      <a:r>
+                        <a:rPr lang="ru-RU" dirty="0"/>
+                        <a:t>Записать результаты обследования</a:t>
+                      </a:r>
+                    </a:p>
+                  </a:txBody>
+                  <a:tcPr/>
+                </a:tc>
+                <a:tc>
+                  <a:txBody>
+                    <a:bodyPr/>
+                    <a:lstStyle/>
+                    <a:p>
+                      <a:r>
+                        <a:rPr lang="ru-RU" dirty="0"/>
+                        <a:t>Функция добавления и редактирования соответствующей записи в системе</a:t>
+                      </a:r>
+                    </a:p>
+                  </a:txBody>
+                  <a:tcPr/>
+                </a:tc>
+                <a:extLst>
+                  <a:ext uri="{0D108BD9-81ED-4DB2-BD59-A6C34878D82A}">
+                    <a16:rowId xmlns:a16="http://schemas.microsoft.com/office/drawing/2014/main" val="4235443009"/>
+                  </a:ext>
+                </a:extLst>
+              </a:tr>
+              <a:tr h="512490">
+                <a:tc>
+                  <a:txBody>
+                    <a:bodyPr/>
+                    <a:lstStyle/>
+                    <a:p>
+                      <a:pPr marL="0" algn="l" defTabSz="914400" rtl="0" eaLnBrk="1" latinLnBrk="0" hangingPunct="1"/>
+                      <a:r>
+                        <a:rPr lang="ru-RU" sz="1800" b="1" kern="1200" dirty="0">
+                          <a:solidFill>
+                            <a:schemeClr val="lt1"/>
+                          </a:solidFill>
+                          <a:latin typeface="+mn-lt"/>
+                          <a:ea typeface="+mn-ea"/>
+                          <a:cs typeface="+mn-cs"/>
+                        </a:rPr>
+                        <a:t>Найти пациента в системе</a:t>
+                      </a:r>
+                    </a:p>
+                  </a:txBody>
+                  <a:tcPr>
+                    <a:solidFill>
+                      <a:schemeClr val="accent1"/>
+                    </a:solidFill>
+                  </a:tcPr>
+                </a:tc>
+                <a:tc>
+                  <a:txBody>
+                    <a:bodyPr/>
+                    <a:lstStyle/>
+                    <a:p>
+                      <a:pPr marL="0" marR="0" lvl="0" indent="0" algn="l" defTabSz="914400" rtl="0" eaLnBrk="1" fontAlgn="auto" latinLnBrk="0" hangingPunct="1">
+                        <a:lnSpc>
+                          <a:spcPct val="100000"/>
+                        </a:lnSpc>
+                        <a:spcBef>
+                          <a:spcPts val="0"/>
+                        </a:spcBef>
+                        <a:spcAft>
+                          <a:spcPts val="0"/>
+                        </a:spcAft>
+                        <a:buClrTx/>
+                        <a:buSzTx/>
+                        <a:buFontTx/>
+                        <a:buNone/>
+                        <a:tabLst/>
+                        <a:defRPr/>
+                      </a:pPr>
+                      <a:r>
+                        <a:rPr lang="ru-RU" sz="1800" b="1" kern="1200" dirty="0">
+                          <a:solidFill>
+                            <a:schemeClr val="lt1"/>
+                          </a:solidFill>
+                          <a:latin typeface="+mn-lt"/>
+                          <a:ea typeface="+mn-ea"/>
+                          <a:cs typeface="+mn-cs"/>
+                        </a:rPr>
+                        <a:t>Поиск пациента в системе</a:t>
+                      </a:r>
+                    </a:p>
+                  </a:txBody>
+                  <a:tcPr>
+                    <a:solidFill>
+                      <a:schemeClr val="accent1"/>
+                    </a:solidFill>
+                  </a:tcPr>
+                </a:tc>
+                <a:extLst>
+                  <a:ext uri="{0D108BD9-81ED-4DB2-BD59-A6C34878D82A}">
+                    <a16:rowId xmlns:a16="http://schemas.microsoft.com/office/drawing/2014/main" val="2218733457"/>
+                  </a:ext>
+                </a:extLst>
+              </a:tr>
+            </a:tbl>
+          </a:graphicData>
+        </a:graphic>
+      </p:graphicFrame>
+    </p:spTree>
+    <p:extLst>
+      <p:ext uri="{BB962C8B-B14F-4D97-AF65-F5344CB8AC3E}">
+        <p14:creationId xmlns:p14="http://schemas.microsoft.com/office/powerpoint/2010/main" val="2364249764"/>
+      </p:ext>
+    </p:extLst>
+  </p:cSld>
+  <p:clrMapOvr>
+    <a:masterClrMapping/>
+  </p:clrMapOvr>
+</p:sld>
+</file>
+
+<file path=ppt/slides/slide17.xml><?xml version="1.0" encoding="utf-8"?>
+<p:sld xmlns:a="http://schemas.openxmlformats.org/drawingml/2006/main" xmlns:r="http://schemas.openxmlformats.org/officeDocument/2006/relationships" xmlns:p="http://schemas.openxmlformats.org/presentationml/2006/main">
+  <p:cSld>
+    <p:spTree>
+      <p:nvGrpSpPr>
+        <p:cNvPr id="1" name=""/>
+        <p:cNvGrpSpPr/>
+        <p:nvPr/>
+      </p:nvGrpSpPr>
+      <p:grpSpPr>
+        <a:xfrm>
+          <a:off x="0" y="0"/>
+          <a:ext cx="0" cy="0"/>
+          <a:chOff x="0" y="0"/>
+          <a:chExt cx="0" cy="0"/>
+        </a:xfrm>
+      </p:grpSpPr>
+      <p:sp>
+        <p:nvSpPr>
+          <p:cNvPr id="2" name="Заголовок 1">
+            <a:extLst>
+              <a:ext uri="{FF2B5EF4-FFF2-40B4-BE49-F238E27FC236}">
+                <a16:creationId xmlns:a16="http://schemas.microsoft.com/office/drawing/2014/main" id="{5E152202-6F1E-416A-BCFA-BBBF8E5DF1DA}"/>
+              </a:ext>
+            </a:extLst>
+          </p:cNvPr>
+          <p:cNvSpPr>
+            <a:spLocks noGrp="1"/>
+          </p:cNvSpPr>
+          <p:nvPr>
+            <p:ph type="title"/>
+          </p:nvPr>
+        </p:nvSpPr>
+        <p:spPr>
+          <a:xfrm>
+            <a:off x="770964" y="76200"/>
+            <a:ext cx="9601200" cy="1485900"/>
+          </a:xfrm>
+        </p:spPr>
+        <p:txBody>
+          <a:bodyPr/>
+          <a:lstStyle/>
+          <a:p>
+            <a:r>
+              <a:rPr lang="ru-RU" dirty="0"/>
+              <a:t>Описание пользователей</a:t>
+            </a:r>
+          </a:p>
+        </p:txBody>
+      </p:sp>
+      <p:sp>
+        <p:nvSpPr>
+          <p:cNvPr id="3" name="Объект 2">
+            <a:extLst>
+              <a:ext uri="{FF2B5EF4-FFF2-40B4-BE49-F238E27FC236}">
+                <a16:creationId xmlns:a16="http://schemas.microsoft.com/office/drawing/2014/main" id="{AC89C0AD-896F-430F-8DFA-362D8DAD15C9}"/>
+              </a:ext>
+            </a:extLst>
+          </p:cNvPr>
+          <p:cNvSpPr>
+            <a:spLocks noGrp="1"/>
+          </p:cNvSpPr>
+          <p:nvPr>
+            <p:ph idx="1"/>
+          </p:nvPr>
+        </p:nvSpPr>
+        <p:spPr>
+          <a:xfrm>
+            <a:off x="770964" y="819150"/>
+            <a:ext cx="8390965" cy="5962650"/>
+          </a:xfrm>
+        </p:spPr>
+        <p:txBody>
+          <a:bodyPr>
+            <a:normAutofit/>
+          </a:bodyPr>
+          <a:lstStyle/>
+          <a:p>
+            <a:r>
+              <a:rPr lang="ru-RU" dirty="0"/>
+              <a:t>Лаборант</a:t>
+            </a:r>
+          </a:p>
+          <a:p>
+            <a:pPr lvl="1"/>
+            <a:r>
+              <a:rPr lang="ru-RU" dirty="0"/>
+              <a:t>Количество</a:t>
+            </a:r>
+            <a:r>
+              <a:rPr lang="en-US" dirty="0"/>
+              <a:t>: </a:t>
+            </a:r>
+            <a:r>
+              <a:rPr lang="ru-RU" dirty="0"/>
+              <a:t>от 1 до</a:t>
+            </a:r>
+            <a:r>
+              <a:rPr lang="ru-RU" b="0" i="0" dirty="0">
+                <a:solidFill>
+                  <a:srgbClr val="4D5156"/>
+                </a:solidFill>
+                <a:effectLst/>
+                <a:latin typeface="arial" panose="020B0604020202020204" pitchFamily="34" charset="0"/>
+              </a:rPr>
+              <a:t> 10</a:t>
+            </a:r>
+            <a:endParaRPr lang="ru-RU" dirty="0"/>
+          </a:p>
+          <a:p>
+            <a:pPr lvl="1"/>
+            <a:r>
+              <a:rPr lang="ru-RU" dirty="0"/>
+              <a:t>Возраст от 30 до 60 лет </a:t>
+            </a:r>
+          </a:p>
+          <a:p>
+            <a:pPr lvl="1"/>
+            <a:r>
+              <a:rPr lang="ru-RU" dirty="0"/>
+              <a:t>З</a:t>
+            </a:r>
+            <a:r>
+              <a:rPr lang="en-US" dirty="0"/>
+              <a:t>/</a:t>
+            </a:r>
+            <a:r>
+              <a:rPr lang="ru-RU" dirty="0"/>
+              <a:t>п</a:t>
+            </a:r>
+            <a:r>
+              <a:rPr lang="en-US" dirty="0"/>
+              <a:t>: </a:t>
+            </a:r>
+            <a:r>
+              <a:rPr lang="ru-RU" dirty="0"/>
+              <a:t>от 30 000 до 35 000 рублей</a:t>
+            </a:r>
+          </a:p>
+          <a:p>
+            <a:pPr lvl="1"/>
+            <a:r>
+              <a:rPr lang="ru-RU" dirty="0"/>
+              <a:t>Пол</a:t>
+            </a:r>
+            <a:r>
+              <a:rPr lang="en-US" dirty="0"/>
+              <a:t>:</a:t>
+            </a:r>
+            <a:r>
+              <a:rPr lang="ru-RU" dirty="0"/>
+              <a:t> преимущественно женщины</a:t>
+            </a:r>
+          </a:p>
+          <a:p>
+            <a:pPr lvl="1"/>
+            <a:r>
+              <a:rPr lang="ru-RU" dirty="0"/>
+              <a:t>Общий уровень владения ПК</a:t>
+            </a:r>
+            <a:r>
+              <a:rPr lang="en-US" dirty="0"/>
+              <a:t>:</a:t>
+            </a:r>
+            <a:r>
+              <a:rPr lang="ru-RU" dirty="0"/>
+              <a:t> от начинающего уровня до среднего </a:t>
+            </a:r>
+          </a:p>
+          <a:p>
+            <a:pPr lvl="1"/>
+            <a:r>
+              <a:rPr lang="ru-RU" dirty="0"/>
+              <a:t>Факторы затрудняющие работу с приложением</a:t>
+            </a:r>
+            <a:r>
+              <a:rPr lang="en-US" dirty="0"/>
+              <a:t>:</a:t>
+            </a:r>
+            <a:r>
+              <a:rPr lang="ru-RU" dirty="0"/>
+              <a:t> плохое зрение</a:t>
+            </a:r>
+          </a:p>
+          <a:p>
+            <a:pPr marL="0" indent="0">
+              <a:buNone/>
+            </a:pPr>
+            <a:endParaRPr lang="ru-RU" dirty="0"/>
+          </a:p>
+          <a:p>
+            <a:pPr lvl="1"/>
+            <a:endParaRPr lang="ru-RU" dirty="0"/>
+          </a:p>
+          <a:p>
+            <a:pPr lvl="1"/>
+            <a:endParaRPr lang="ru-RU" dirty="0"/>
+          </a:p>
+          <a:p>
+            <a:pPr lvl="1"/>
+            <a:endParaRPr lang="ru-RU" dirty="0"/>
+          </a:p>
+        </p:txBody>
+      </p:sp>
+      <p:graphicFrame>
+        <p:nvGraphicFramePr>
+          <p:cNvPr id="4" name="Таблица 3">
+            <a:extLst>
+              <a:ext uri="{FF2B5EF4-FFF2-40B4-BE49-F238E27FC236}">
+                <a16:creationId xmlns:a16="http://schemas.microsoft.com/office/drawing/2014/main" id="{DA5AF00C-4086-4165-B7B3-6C2E1F31F40A}"/>
+              </a:ext>
+            </a:extLst>
+          </p:cNvPr>
+          <p:cNvGraphicFramePr>
+            <a:graphicFrameLocks noGrp="1"/>
+          </p:cNvGraphicFramePr>
+          <p:nvPr>
+            <p:extLst>
+              <p:ext uri="{D42A27DB-BD31-4B8C-83A1-F6EECF244321}">
+                <p14:modId xmlns:p14="http://schemas.microsoft.com/office/powerpoint/2010/main" val="2668469857"/>
+              </p:ext>
+            </p:extLst>
+          </p:nvPr>
+        </p:nvGraphicFramePr>
+        <p:xfrm>
+          <a:off x="5638800" y="884172"/>
+          <a:ext cx="6553200" cy="1701210"/>
+        </p:xfrm>
+        <a:graphic>
+          <a:graphicData uri="http://schemas.openxmlformats.org/drawingml/2006/table">
+            <a:tbl>
+              <a:tblPr firstRow="1" bandRow="1">
+                <a:tableStyleId>{5C22544A-7EE6-4342-B048-85BDC9FD1C3A}</a:tableStyleId>
+              </a:tblPr>
+              <a:tblGrid>
+                <a:gridCol w="3276600">
+                  <a:extLst>
+                    <a:ext uri="{9D8B030D-6E8A-4147-A177-3AD203B41FA5}">
+                      <a16:colId xmlns:a16="http://schemas.microsoft.com/office/drawing/2014/main" val="1121572206"/>
+                    </a:ext>
+                  </a:extLst>
+                </a:gridCol>
+                <a:gridCol w="3276600">
+                  <a:extLst>
+                    <a:ext uri="{9D8B030D-6E8A-4147-A177-3AD203B41FA5}">
+                      <a16:colId xmlns:a16="http://schemas.microsoft.com/office/drawing/2014/main" val="1699846996"/>
+                    </a:ext>
+                  </a:extLst>
+                </a:gridCol>
+              </a:tblGrid>
+              <a:tr h="891111">
+                <a:tc>
+                  <a:txBody>
+                    <a:bodyPr/>
+                    <a:lstStyle/>
+                    <a:p>
+                      <a:r>
+                        <a:rPr lang="ru-RU" dirty="0"/>
+                        <a:t>Записать результаты проведения анализа</a:t>
+                      </a:r>
+                    </a:p>
+                  </a:txBody>
+                  <a:tcPr/>
+                </a:tc>
+                <a:tc>
+                  <a:txBody>
+                    <a:bodyPr/>
+                    <a:lstStyle/>
+                    <a:p>
+                      <a:r>
+                        <a:rPr lang="ru-RU" dirty="0"/>
+                        <a:t>Функция добавления и редактирования соответствующей записи в системе</a:t>
+                      </a:r>
+                    </a:p>
+                  </a:txBody>
+                  <a:tcPr/>
+                </a:tc>
+                <a:extLst>
+                  <a:ext uri="{0D108BD9-81ED-4DB2-BD59-A6C34878D82A}">
+                    <a16:rowId xmlns:a16="http://schemas.microsoft.com/office/drawing/2014/main" val="4235443009"/>
+                  </a:ext>
+                </a:extLst>
+              </a:tr>
+              <a:tr h="512490">
+                <a:tc>
+                  <a:txBody>
+                    <a:bodyPr/>
+                    <a:lstStyle/>
+                    <a:p>
+                      <a:pPr marL="0" algn="l" defTabSz="914400" rtl="0" eaLnBrk="1" latinLnBrk="0" hangingPunct="1"/>
+                      <a:r>
+                        <a:rPr lang="ru-RU" sz="1800" b="1" kern="1200" dirty="0">
+                          <a:solidFill>
+                            <a:schemeClr val="lt1"/>
+                          </a:solidFill>
+                          <a:latin typeface="+mn-lt"/>
+                          <a:ea typeface="+mn-ea"/>
+                          <a:cs typeface="+mn-cs"/>
+                        </a:rPr>
+                        <a:t>Найти пациента в системе</a:t>
+                      </a:r>
+                    </a:p>
+                  </a:txBody>
+                  <a:tcPr>
+                    <a:solidFill>
+                      <a:schemeClr val="accent1"/>
+                    </a:solidFill>
+                  </a:tcPr>
+                </a:tc>
+                <a:tc>
+                  <a:txBody>
+                    <a:bodyPr/>
+                    <a:lstStyle/>
+                    <a:p>
+                      <a:pPr marL="0" marR="0" lvl="0" indent="0" algn="l" defTabSz="914400" rtl="0" eaLnBrk="1" fontAlgn="auto" latinLnBrk="0" hangingPunct="1">
+                        <a:lnSpc>
+                          <a:spcPct val="100000"/>
+                        </a:lnSpc>
+                        <a:spcBef>
+                          <a:spcPts val="0"/>
+                        </a:spcBef>
+                        <a:spcAft>
+                          <a:spcPts val="0"/>
+                        </a:spcAft>
+                        <a:buClrTx/>
+                        <a:buSzTx/>
+                        <a:buFontTx/>
+                        <a:buNone/>
+                        <a:tabLst/>
+                        <a:defRPr/>
+                      </a:pPr>
+                      <a:r>
+                        <a:rPr lang="ru-RU" sz="1800" b="1" kern="1200" dirty="0">
+                          <a:solidFill>
+                            <a:schemeClr val="lt1"/>
+                          </a:solidFill>
+                          <a:latin typeface="+mn-lt"/>
+                          <a:ea typeface="+mn-ea"/>
+                          <a:cs typeface="+mn-cs"/>
+                        </a:rPr>
+                        <a:t>Поиск пациента в системе</a:t>
+                      </a:r>
+                    </a:p>
+                  </a:txBody>
+                  <a:tcPr>
+                    <a:solidFill>
+                      <a:schemeClr val="accent1"/>
+                    </a:solidFill>
+                  </a:tcPr>
+                </a:tc>
+                <a:extLst>
+                  <a:ext uri="{0D108BD9-81ED-4DB2-BD59-A6C34878D82A}">
+                    <a16:rowId xmlns:a16="http://schemas.microsoft.com/office/drawing/2014/main" val="2218733457"/>
+                  </a:ext>
+                </a:extLst>
+              </a:tr>
+            </a:tbl>
+          </a:graphicData>
+        </a:graphic>
+      </p:graphicFrame>
+    </p:spTree>
+    <p:extLst>
+      <p:ext uri="{BB962C8B-B14F-4D97-AF65-F5344CB8AC3E}">
+        <p14:creationId xmlns:p14="http://schemas.microsoft.com/office/powerpoint/2010/main" val="1992686384"/>
+      </p:ext>
+    </p:extLst>
+  </p:cSld>
+  <p:clrMapOvr>
+    <a:masterClrMapping/>
+  </p:clrMapOvr>
+</p:sld>
+</file>
+
+<file path=ppt/slides/slide18.xml><?xml version="1.0" encoding="utf-8"?>
+<p:sld xmlns:a="http://schemas.openxmlformats.org/drawingml/2006/main" xmlns:r="http://schemas.openxmlformats.org/officeDocument/2006/relationships" xmlns:p="http://schemas.openxmlformats.org/presentationml/2006/main">
+  <p:cSld>
+    <p:spTree>
+      <p:nvGrpSpPr>
+        <p:cNvPr id="1" name=""/>
+        <p:cNvGrpSpPr/>
+        <p:nvPr/>
+      </p:nvGrpSpPr>
+      <p:grpSpPr>
+        <a:xfrm>
+          <a:off x="0" y="0"/>
+          <a:ext cx="0" cy="0"/>
+          <a:chOff x="0" y="0"/>
+          <a:chExt cx="0" cy="0"/>
+        </a:xfrm>
+      </p:grpSpPr>
+      <p:sp>
+        <p:nvSpPr>
+          <p:cNvPr id="2" name="Заголовок 1">
+            <a:extLst>
+              <a:ext uri="{FF2B5EF4-FFF2-40B4-BE49-F238E27FC236}">
+                <a16:creationId xmlns:a16="http://schemas.microsoft.com/office/drawing/2014/main" id="{5E152202-6F1E-416A-BCFA-BBBF8E5DF1DA}"/>
+              </a:ext>
+            </a:extLst>
+          </p:cNvPr>
+          <p:cNvSpPr>
+            <a:spLocks noGrp="1"/>
+          </p:cNvSpPr>
+          <p:nvPr>
+            <p:ph type="title"/>
+          </p:nvPr>
+        </p:nvSpPr>
+        <p:spPr>
+          <a:xfrm>
+            <a:off x="770964" y="76200"/>
+            <a:ext cx="9601200" cy="1485900"/>
+          </a:xfrm>
+        </p:spPr>
+        <p:txBody>
+          <a:bodyPr/>
+          <a:lstStyle/>
+          <a:p>
+            <a:r>
+              <a:rPr lang="ru-RU" dirty="0"/>
+              <a:t>Описание пользователей</a:t>
+            </a:r>
+          </a:p>
+        </p:txBody>
+      </p:sp>
+      <p:sp>
+        <p:nvSpPr>
+          <p:cNvPr id="3" name="Объект 2">
+            <a:extLst>
+              <a:ext uri="{FF2B5EF4-FFF2-40B4-BE49-F238E27FC236}">
+                <a16:creationId xmlns:a16="http://schemas.microsoft.com/office/drawing/2014/main" id="{AC89C0AD-896F-430F-8DFA-362D8DAD15C9}"/>
+              </a:ext>
+            </a:extLst>
+          </p:cNvPr>
+          <p:cNvSpPr>
+            <a:spLocks noGrp="1"/>
+          </p:cNvSpPr>
+          <p:nvPr>
+            <p:ph idx="1"/>
+          </p:nvPr>
+        </p:nvSpPr>
+        <p:spPr>
+          <a:xfrm>
+            <a:off x="770964" y="819150"/>
+            <a:ext cx="4607860" cy="5962650"/>
+          </a:xfrm>
+        </p:spPr>
+        <p:txBody>
+          <a:bodyPr>
+            <a:normAutofit/>
+          </a:bodyPr>
+          <a:lstStyle/>
+          <a:p>
+            <a:r>
+              <a:rPr lang="ru-RU" dirty="0"/>
+              <a:t>Терапевт</a:t>
+            </a:r>
+          </a:p>
+          <a:p>
+            <a:pPr lvl="1"/>
+            <a:r>
+              <a:rPr lang="ru-RU" dirty="0"/>
+              <a:t>Количество</a:t>
+            </a:r>
+            <a:r>
+              <a:rPr lang="en-US" dirty="0"/>
+              <a:t>: </a:t>
+            </a:r>
+            <a:r>
+              <a:rPr lang="ru-RU" dirty="0"/>
+              <a:t>от 1 до 3</a:t>
+            </a:r>
+          </a:p>
+          <a:p>
+            <a:pPr lvl="1"/>
+            <a:r>
+              <a:rPr lang="ru-RU" dirty="0"/>
+              <a:t>Возраст от 30 до 60 лет </a:t>
+            </a:r>
+          </a:p>
+          <a:p>
+            <a:pPr lvl="1"/>
+            <a:r>
+              <a:rPr lang="ru-RU" dirty="0"/>
+              <a:t>З</a:t>
+            </a:r>
+            <a:r>
+              <a:rPr lang="en-US" dirty="0"/>
+              <a:t>/</a:t>
+            </a:r>
+            <a:r>
+              <a:rPr lang="ru-RU" dirty="0"/>
+              <a:t>п</a:t>
+            </a:r>
+            <a:r>
+              <a:rPr lang="en-US" dirty="0"/>
+              <a:t>: </a:t>
+            </a:r>
+            <a:r>
+              <a:rPr lang="ru-RU" dirty="0"/>
+              <a:t>от 35 000  до 60 000 рублей</a:t>
+            </a:r>
+          </a:p>
+          <a:p>
+            <a:pPr lvl="1"/>
+            <a:r>
+              <a:rPr lang="ru-RU" dirty="0"/>
+              <a:t>Пол</a:t>
+            </a:r>
+            <a:r>
+              <a:rPr lang="en-US" dirty="0"/>
+              <a:t>:</a:t>
+            </a:r>
+            <a:r>
+              <a:rPr lang="ru-RU" dirty="0"/>
+              <a:t> преимущественно женщины</a:t>
+            </a:r>
+          </a:p>
+          <a:p>
+            <a:pPr lvl="1"/>
+            <a:r>
+              <a:rPr lang="ru-RU" dirty="0"/>
+              <a:t>Общий уровень владения ПК</a:t>
+            </a:r>
+            <a:r>
+              <a:rPr lang="en-US" dirty="0"/>
+              <a:t>:</a:t>
+            </a:r>
+            <a:r>
+              <a:rPr lang="ru-RU" dirty="0"/>
+              <a:t> от начинающего уровня до среднего </a:t>
+            </a:r>
+          </a:p>
+          <a:p>
+            <a:pPr lvl="1"/>
+            <a:r>
+              <a:rPr lang="ru-RU" dirty="0"/>
+              <a:t>Факторы затрудняющие работу с приложением</a:t>
+            </a:r>
+            <a:r>
+              <a:rPr lang="en-US" dirty="0"/>
+              <a:t>: </a:t>
+            </a:r>
+            <a:r>
+              <a:rPr lang="ru-RU" dirty="0"/>
+              <a:t>плохое зрение</a:t>
+            </a:r>
+          </a:p>
+          <a:p>
+            <a:pPr marL="0" indent="0">
+              <a:buNone/>
+            </a:pPr>
+            <a:endParaRPr lang="ru-RU" dirty="0"/>
+          </a:p>
+          <a:p>
+            <a:pPr lvl="1"/>
+            <a:endParaRPr lang="ru-RU" dirty="0"/>
+          </a:p>
+          <a:p>
+            <a:pPr lvl="1"/>
+            <a:endParaRPr lang="ru-RU" dirty="0"/>
+          </a:p>
+          <a:p>
+            <a:pPr lvl="1"/>
+            <a:endParaRPr lang="ru-RU" dirty="0"/>
+          </a:p>
+        </p:txBody>
+      </p:sp>
+      <p:graphicFrame>
+        <p:nvGraphicFramePr>
+          <p:cNvPr id="5" name="Таблица 4">
+            <a:extLst>
+              <a:ext uri="{FF2B5EF4-FFF2-40B4-BE49-F238E27FC236}">
+                <a16:creationId xmlns:a16="http://schemas.microsoft.com/office/drawing/2014/main" id="{5833B1E5-370B-42C3-AA6D-A019C5B4D04C}"/>
+              </a:ext>
+            </a:extLst>
+          </p:cNvPr>
+          <p:cNvGraphicFramePr>
+            <a:graphicFrameLocks noGrp="1"/>
+          </p:cNvGraphicFramePr>
+          <p:nvPr>
+            <p:extLst>
+              <p:ext uri="{D42A27DB-BD31-4B8C-83A1-F6EECF244321}">
+                <p14:modId xmlns:p14="http://schemas.microsoft.com/office/powerpoint/2010/main" val="3731956188"/>
+              </p:ext>
+            </p:extLst>
+          </p:nvPr>
+        </p:nvGraphicFramePr>
+        <p:xfrm>
+          <a:off x="5378824" y="819150"/>
+          <a:ext cx="6813176" cy="4572000"/>
+        </p:xfrm>
+        <a:graphic>
+          <a:graphicData uri="http://schemas.openxmlformats.org/drawingml/2006/table">
+            <a:tbl>
+              <a:tblPr firstRow="1" bandRow="1">
+                <a:tableStyleId>{5C22544A-7EE6-4342-B048-85BDC9FD1C3A}</a:tableStyleId>
+              </a:tblPr>
+              <a:tblGrid>
+                <a:gridCol w="3406588">
+                  <a:extLst>
+                    <a:ext uri="{9D8B030D-6E8A-4147-A177-3AD203B41FA5}">
+                      <a16:colId xmlns:a16="http://schemas.microsoft.com/office/drawing/2014/main" val="1121572206"/>
+                    </a:ext>
+                  </a:extLst>
+                </a:gridCol>
+                <a:gridCol w="3406588">
+                  <a:extLst>
+                    <a:ext uri="{9D8B030D-6E8A-4147-A177-3AD203B41FA5}">
+                      <a16:colId xmlns:a16="http://schemas.microsoft.com/office/drawing/2014/main" val="1699846996"/>
+                    </a:ext>
+                  </a:extLst>
+                </a:gridCol>
+              </a:tblGrid>
+              <a:tr h="891111">
+                <a:tc>
+                  <a:txBody>
+                    <a:bodyPr/>
+                    <a:lstStyle/>
+                    <a:p>
+                      <a:r>
+                        <a:rPr lang="ru-RU" dirty="0"/>
+                        <a:t>Записать результаты проведения первичного осмотра пациента</a:t>
+                      </a:r>
+                    </a:p>
+                  </a:txBody>
+                  <a:tcPr/>
+                </a:tc>
+                <a:tc>
+                  <a:txBody>
+                    <a:bodyPr/>
+                    <a:lstStyle/>
+                    <a:p>
+                      <a:r>
+                        <a:rPr lang="ru-RU" dirty="0"/>
+                        <a:t>Функция добавления и редактирования соответствующей записи в системе</a:t>
+                      </a:r>
+                    </a:p>
+                  </a:txBody>
+                  <a:tcPr/>
+                </a:tc>
+                <a:extLst>
+                  <a:ext uri="{0D108BD9-81ED-4DB2-BD59-A6C34878D82A}">
+                    <a16:rowId xmlns:a16="http://schemas.microsoft.com/office/drawing/2014/main" val="4235443009"/>
+                  </a:ext>
+                </a:extLst>
+              </a:tr>
+              <a:tr h="512490">
+                <a:tc>
+                  <a:txBody>
+                    <a:bodyPr/>
+                    <a:lstStyle/>
+                    <a:p>
+                      <a:r>
+                        <a:rPr lang="ru-RU" sz="1800" b="1" kern="1200" dirty="0">
+                          <a:solidFill>
+                            <a:schemeClr val="lt1"/>
+                          </a:solidFill>
+                          <a:latin typeface="+mn-lt"/>
+                          <a:ea typeface="+mn-ea"/>
+                          <a:cs typeface="+mn-cs"/>
+                        </a:rPr>
+                        <a:t>Найти пациента в системе</a:t>
+                      </a:r>
+                    </a:p>
+                  </a:txBody>
+                  <a:tcPr>
+                    <a:solidFill>
+                      <a:schemeClr val="accent1"/>
+                    </a:solidFill>
+                  </a:tcPr>
+                </a:tc>
+                <a:tc>
+                  <a:txBody>
+                    <a:bodyPr/>
+                    <a:lstStyle/>
+                    <a:p>
+                      <a:pPr marL="0" marR="0" lvl="0" indent="0" algn="l" defTabSz="914400" rtl="0" eaLnBrk="1" fontAlgn="auto" latinLnBrk="0" hangingPunct="1">
+                        <a:lnSpc>
+                          <a:spcPct val="100000"/>
+                        </a:lnSpc>
+                        <a:spcBef>
+                          <a:spcPts val="0"/>
+                        </a:spcBef>
+                        <a:spcAft>
+                          <a:spcPts val="0"/>
+                        </a:spcAft>
+                        <a:buClrTx/>
+                        <a:buSzTx/>
+                        <a:buFontTx/>
+                        <a:buNone/>
+                        <a:tabLst/>
+                        <a:defRPr/>
+                      </a:pPr>
+                      <a:r>
+                        <a:rPr lang="ru-RU" sz="1800" b="1" kern="1200" dirty="0">
+                          <a:solidFill>
+                            <a:schemeClr val="lt1"/>
+                          </a:solidFill>
+                          <a:latin typeface="+mn-lt"/>
+                          <a:ea typeface="+mn-ea"/>
+                          <a:cs typeface="+mn-cs"/>
+                        </a:rPr>
+                        <a:t>Поиск пациента в системе</a:t>
+                      </a:r>
+                    </a:p>
+                    <a:p>
+                      <a:endParaRPr lang="ru-RU" sz="1800" b="1" kern="1200" dirty="0">
+                        <a:solidFill>
+                          <a:schemeClr val="lt1"/>
+                        </a:solidFill>
+                        <a:latin typeface="+mn-lt"/>
+                        <a:ea typeface="+mn-ea"/>
+                        <a:cs typeface="+mn-cs"/>
+                      </a:endParaRPr>
+                    </a:p>
+                  </a:txBody>
+                  <a:tcPr>
+                    <a:solidFill>
+                      <a:schemeClr val="accent1"/>
+                    </a:solidFill>
+                  </a:tcPr>
+                </a:tc>
+                <a:extLst>
+                  <a:ext uri="{0D108BD9-81ED-4DB2-BD59-A6C34878D82A}">
+                    <a16:rowId xmlns:a16="http://schemas.microsoft.com/office/drawing/2014/main" val="2218733457"/>
+                  </a:ext>
+                </a:extLst>
+              </a:tr>
+              <a:tr h="512490">
+                <a:tc>
+                  <a:txBody>
+                    <a:bodyPr/>
+                    <a:lstStyle/>
+                    <a:p>
+                      <a:r>
+                        <a:rPr lang="ru-RU" dirty="0"/>
+                        <a:t>Выписать направление на дополнительное обследование</a:t>
+                      </a:r>
+                    </a:p>
+                  </a:txBody>
+                  <a:tcPr/>
+                </a:tc>
+                <a:tc>
+                  <a:txBody>
+                    <a:bodyPr/>
+                    <a:lstStyle/>
+                    <a:p>
+                      <a:r>
+                        <a:rPr lang="ru-RU" dirty="0"/>
+                        <a:t>Функция добавления записи о назначении обследования в систему</a:t>
+                      </a:r>
+                    </a:p>
+                  </a:txBody>
+                  <a:tcPr/>
+                </a:tc>
+                <a:extLst>
+                  <a:ext uri="{0D108BD9-81ED-4DB2-BD59-A6C34878D82A}">
+                    <a16:rowId xmlns:a16="http://schemas.microsoft.com/office/drawing/2014/main" val="2877696148"/>
+                  </a:ext>
+                </a:extLst>
+              </a:tr>
+              <a:tr h="512490">
+                <a:tc>
+                  <a:txBody>
+                    <a:bodyPr/>
+                    <a:lstStyle/>
+                    <a:p>
+                      <a:r>
+                        <a:rPr lang="ru-RU" dirty="0"/>
+                        <a:t>Выписать направление на анализ</a:t>
+                      </a:r>
+                    </a:p>
+                  </a:txBody>
+                  <a:tcPr/>
+                </a:tc>
+                <a:tc>
+                  <a:txBody>
+                    <a:bodyPr/>
+                    <a:lstStyle/>
+                    <a:p>
+                      <a:pPr marL="0" marR="0" lvl="0" indent="0" algn="l" defTabSz="914400" rtl="0" eaLnBrk="1" fontAlgn="auto" latinLnBrk="0" hangingPunct="1">
+                        <a:lnSpc>
+                          <a:spcPct val="100000"/>
+                        </a:lnSpc>
+                        <a:spcBef>
+                          <a:spcPts val="0"/>
+                        </a:spcBef>
+                        <a:spcAft>
+                          <a:spcPts val="0"/>
+                        </a:spcAft>
+                        <a:buClrTx/>
+                        <a:buSzTx/>
+                        <a:buFontTx/>
+                        <a:buNone/>
+                        <a:tabLst/>
+                        <a:defRPr/>
+                      </a:pPr>
+                      <a:r>
+                        <a:rPr lang="ru-RU" dirty="0"/>
+                        <a:t>Функция добавления записи о назначении анализа в систему</a:t>
+                      </a:r>
+                    </a:p>
+                  </a:txBody>
+                  <a:tcPr/>
+                </a:tc>
+                <a:extLst>
+                  <a:ext uri="{0D108BD9-81ED-4DB2-BD59-A6C34878D82A}">
+                    <a16:rowId xmlns:a16="http://schemas.microsoft.com/office/drawing/2014/main" val="3380648288"/>
+                  </a:ext>
+                </a:extLst>
+              </a:tr>
+              <a:tr h="512490">
+                <a:tc>
+                  <a:txBody>
+                    <a:bodyPr/>
+                    <a:lstStyle/>
+                    <a:p>
+                      <a:r>
+                        <a:rPr lang="ru-RU" dirty="0"/>
+                        <a:t>Выписать направление к узкому специалисту</a:t>
+                      </a:r>
+                    </a:p>
+                  </a:txBody>
+                  <a:tcPr/>
+                </a:tc>
+                <a:tc>
+                  <a:txBody>
+                    <a:bodyPr/>
+                    <a:lstStyle/>
+                    <a:p>
+                      <a:pPr marL="0" marR="0" lvl="0" indent="0" algn="l" defTabSz="914400" rtl="0" eaLnBrk="1" fontAlgn="auto" latinLnBrk="0" hangingPunct="1">
+                        <a:lnSpc>
+                          <a:spcPct val="100000"/>
+                        </a:lnSpc>
+                        <a:spcBef>
+                          <a:spcPts val="0"/>
+                        </a:spcBef>
+                        <a:spcAft>
+                          <a:spcPts val="0"/>
+                        </a:spcAft>
+                        <a:buClrTx/>
+                        <a:buSzTx/>
+                        <a:buFontTx/>
+                        <a:buNone/>
+                        <a:tabLst/>
+                        <a:defRPr/>
+                      </a:pPr>
+                      <a:r>
+                        <a:rPr lang="ru-RU" dirty="0"/>
+                        <a:t>Функция добавления записи о назначении дополнительного обследования у узкого специалиста в систему</a:t>
+                      </a:r>
+                    </a:p>
+                  </a:txBody>
+                  <a:tcPr/>
+                </a:tc>
+                <a:extLst>
+                  <a:ext uri="{0D108BD9-81ED-4DB2-BD59-A6C34878D82A}">
+                    <a16:rowId xmlns:a16="http://schemas.microsoft.com/office/drawing/2014/main" val="2858714038"/>
+                  </a:ext>
+                </a:extLst>
+              </a:tr>
+            </a:tbl>
+          </a:graphicData>
+        </a:graphic>
+      </p:graphicFrame>
+    </p:spTree>
+    <p:extLst>
+      <p:ext uri="{BB962C8B-B14F-4D97-AF65-F5344CB8AC3E}">
+        <p14:creationId xmlns:p14="http://schemas.microsoft.com/office/powerpoint/2010/main" val="2376788508"/>
+      </p:ext>
+    </p:extLst>
+  </p:cSld>
+  <p:clrMapOvr>
+    <a:masterClrMapping/>
+  </p:clrMapOvr>
+</p:sld>
+</file>
+
+<file path=ppt/slides/slide19.xml><?xml version="1.0" encoding="utf-8"?>
+<p:sld xmlns:a="http://schemas.openxmlformats.org/drawingml/2006/main" xmlns:r="http://schemas.openxmlformats.org/officeDocument/2006/relationships" xmlns:p="http://schemas.openxmlformats.org/presentationml/2006/main">
+  <p:cSld>
+    <p:spTree>
+      <p:nvGrpSpPr>
+        <p:cNvPr id="1" name=""/>
+        <p:cNvGrpSpPr/>
+        <p:nvPr/>
+      </p:nvGrpSpPr>
+      <p:grpSpPr>
+        <a:xfrm>
+          <a:off x="0" y="0"/>
+          <a:ext cx="0" cy="0"/>
+          <a:chOff x="0" y="0"/>
+          <a:chExt cx="0" cy="0"/>
+        </a:xfrm>
+      </p:grpSpPr>
+      <p:sp>
+        <p:nvSpPr>
+          <p:cNvPr id="2" name="Заголовок 1">
+            <a:extLst>
+              <a:ext uri="{FF2B5EF4-FFF2-40B4-BE49-F238E27FC236}">
+                <a16:creationId xmlns:a16="http://schemas.microsoft.com/office/drawing/2014/main" id="{5E152202-6F1E-416A-BCFA-BBBF8E5DF1DA}"/>
+              </a:ext>
+            </a:extLst>
+          </p:cNvPr>
+          <p:cNvSpPr>
+            <a:spLocks noGrp="1"/>
+          </p:cNvSpPr>
+          <p:nvPr>
+            <p:ph type="title"/>
+          </p:nvPr>
+        </p:nvSpPr>
+        <p:spPr>
+          <a:xfrm>
+            <a:off x="770964" y="76200"/>
+            <a:ext cx="9601200" cy="1485900"/>
+          </a:xfrm>
+        </p:spPr>
+        <p:txBody>
+          <a:bodyPr/>
+          <a:lstStyle/>
+          <a:p>
+            <a:r>
+              <a:rPr lang="ru-RU" dirty="0"/>
+              <a:t>Описание пользователей</a:t>
+            </a:r>
+          </a:p>
+        </p:txBody>
+      </p:sp>
+      <p:sp>
+        <p:nvSpPr>
+          <p:cNvPr id="3" name="Объект 2">
+            <a:extLst>
+              <a:ext uri="{FF2B5EF4-FFF2-40B4-BE49-F238E27FC236}">
+                <a16:creationId xmlns:a16="http://schemas.microsoft.com/office/drawing/2014/main" id="{AC89C0AD-896F-430F-8DFA-362D8DAD15C9}"/>
+              </a:ext>
+            </a:extLst>
+          </p:cNvPr>
+          <p:cNvSpPr>
+            <a:spLocks noGrp="1"/>
+          </p:cNvSpPr>
+          <p:nvPr>
+            <p:ph idx="1"/>
+          </p:nvPr>
+        </p:nvSpPr>
+        <p:spPr>
+          <a:xfrm>
+            <a:off x="770964" y="819150"/>
+            <a:ext cx="3899648" cy="5962650"/>
+          </a:xfrm>
+        </p:spPr>
+        <p:txBody>
+          <a:bodyPr>
+            <a:normAutofit/>
+          </a:bodyPr>
+          <a:lstStyle/>
+          <a:p>
+            <a:r>
+              <a:rPr lang="ru-RU" dirty="0"/>
+              <a:t>Врач (узкий специалист)</a:t>
+            </a:r>
+          </a:p>
+          <a:p>
+            <a:pPr lvl="1"/>
+            <a:r>
+              <a:rPr lang="ru-RU" dirty="0"/>
+              <a:t>Количество</a:t>
+            </a:r>
+            <a:r>
+              <a:rPr lang="en-US" dirty="0"/>
+              <a:t>: </a:t>
+            </a:r>
+            <a:r>
+              <a:rPr lang="ru-RU" dirty="0"/>
+              <a:t>от 1 до 100.</a:t>
+            </a:r>
+            <a:r>
+              <a:rPr lang="ru-RU" b="0" i="0" dirty="0">
+                <a:solidFill>
+                  <a:srgbClr val="4D5156"/>
+                </a:solidFill>
+                <a:effectLst/>
+                <a:latin typeface="arial" panose="020B0604020202020204" pitchFamily="34" charset="0"/>
+              </a:rPr>
+              <a:t> </a:t>
+            </a:r>
+            <a:endParaRPr lang="ru-RU" dirty="0"/>
+          </a:p>
+          <a:p>
+            <a:pPr lvl="1"/>
+            <a:r>
+              <a:rPr lang="ru-RU" dirty="0"/>
+              <a:t>Возраст от 30 до 65 лет </a:t>
+            </a:r>
+          </a:p>
+          <a:p>
+            <a:pPr lvl="1"/>
+            <a:r>
+              <a:rPr lang="ru-RU" dirty="0"/>
+              <a:t>З</a:t>
+            </a:r>
+            <a:r>
+              <a:rPr lang="en-US" dirty="0"/>
+              <a:t>/</a:t>
+            </a:r>
+            <a:r>
+              <a:rPr lang="ru-RU" dirty="0"/>
+              <a:t>п</a:t>
+            </a:r>
+            <a:r>
+              <a:rPr lang="en-US" dirty="0"/>
+              <a:t>: </a:t>
+            </a:r>
+            <a:r>
+              <a:rPr lang="ru-RU" dirty="0"/>
+              <a:t>от 40 000 до 80 000 рублей</a:t>
+            </a:r>
+          </a:p>
+          <a:p>
+            <a:pPr lvl="1"/>
+            <a:r>
+              <a:rPr lang="ru-RU" dirty="0"/>
+              <a:t>Пол</a:t>
+            </a:r>
+            <a:r>
+              <a:rPr lang="en-US" dirty="0"/>
+              <a:t>:</a:t>
+            </a:r>
+            <a:r>
+              <a:rPr lang="ru-RU" dirty="0"/>
+              <a:t> оба пола в равном количестве</a:t>
+            </a:r>
+          </a:p>
+          <a:p>
+            <a:pPr lvl="1"/>
+            <a:r>
+              <a:rPr lang="ru-RU" dirty="0"/>
+              <a:t>Общий уровень владения ПК</a:t>
+            </a:r>
+            <a:r>
+              <a:rPr lang="en-US" dirty="0"/>
+              <a:t>:</a:t>
+            </a:r>
+            <a:r>
+              <a:rPr lang="ru-RU" dirty="0"/>
+              <a:t> от начинающего уровня до среднего </a:t>
+            </a:r>
+          </a:p>
+          <a:p>
+            <a:pPr lvl="1"/>
+            <a:r>
+              <a:rPr lang="ru-RU" dirty="0"/>
+              <a:t>Факторы затрудняющие работу с приложением</a:t>
+            </a:r>
+            <a:r>
+              <a:rPr lang="en-US" dirty="0"/>
+              <a:t>:</a:t>
+            </a:r>
+            <a:r>
+              <a:rPr lang="ru-RU" dirty="0"/>
+              <a:t> плохое зрение.</a:t>
+            </a:r>
+          </a:p>
+        </p:txBody>
+      </p:sp>
+      <p:graphicFrame>
+        <p:nvGraphicFramePr>
+          <p:cNvPr id="4" name="Таблица 3">
+            <a:extLst>
+              <a:ext uri="{FF2B5EF4-FFF2-40B4-BE49-F238E27FC236}">
+                <a16:creationId xmlns:a16="http://schemas.microsoft.com/office/drawing/2014/main" id="{CCB01C35-AB56-4B1A-9670-A008DDCE798F}"/>
+              </a:ext>
+            </a:extLst>
+          </p:cNvPr>
+          <p:cNvGraphicFramePr>
+            <a:graphicFrameLocks noGrp="1"/>
+          </p:cNvGraphicFramePr>
+          <p:nvPr>
+            <p:extLst>
+              <p:ext uri="{D42A27DB-BD31-4B8C-83A1-F6EECF244321}">
+                <p14:modId xmlns:p14="http://schemas.microsoft.com/office/powerpoint/2010/main" val="4071434596"/>
+              </p:ext>
+            </p:extLst>
+          </p:nvPr>
+        </p:nvGraphicFramePr>
+        <p:xfrm>
+          <a:off x="4607860" y="819150"/>
+          <a:ext cx="7584140" cy="2716687"/>
+        </p:xfrm>
+        <a:graphic>
+          <a:graphicData uri="http://schemas.openxmlformats.org/drawingml/2006/table">
+            <a:tbl>
+              <a:tblPr firstRow="1" bandRow="1">
+                <a:tableStyleId>{5C22544A-7EE6-4342-B048-85BDC9FD1C3A}</a:tableStyleId>
+              </a:tblPr>
+              <a:tblGrid>
+                <a:gridCol w="3792070">
+                  <a:extLst>
+                    <a:ext uri="{9D8B030D-6E8A-4147-A177-3AD203B41FA5}">
+                      <a16:colId xmlns:a16="http://schemas.microsoft.com/office/drawing/2014/main" val="1121572206"/>
+                    </a:ext>
+                  </a:extLst>
+                </a:gridCol>
+                <a:gridCol w="3792070">
+                  <a:extLst>
+                    <a:ext uri="{9D8B030D-6E8A-4147-A177-3AD203B41FA5}">
+                      <a16:colId xmlns:a16="http://schemas.microsoft.com/office/drawing/2014/main" val="1699846996"/>
+                    </a:ext>
+                  </a:extLst>
+                </a:gridCol>
+              </a:tblGrid>
+              <a:tr h="1162207">
+                <a:tc>
+                  <a:txBody>
+                    <a:bodyPr/>
+                    <a:lstStyle/>
+                    <a:p>
+                      <a:r>
+                        <a:rPr lang="ru-RU" dirty="0"/>
+                        <a:t>Записать результаты проведения осмотра и консультации пациента. Поставить диагноз</a:t>
+                      </a:r>
+                    </a:p>
+                  </a:txBody>
+                  <a:tcPr/>
+                </a:tc>
+                <a:tc>
+                  <a:txBody>
+                    <a:bodyPr/>
+                    <a:lstStyle/>
+                    <a:p>
+                      <a:r>
+                        <a:rPr lang="ru-RU" dirty="0"/>
+                        <a:t>Функция добавления и редактирования соответствующей записи в системе</a:t>
+                      </a:r>
+                    </a:p>
+                  </a:txBody>
+                  <a:tcPr/>
+                </a:tc>
+                <a:extLst>
+                  <a:ext uri="{0D108BD9-81ED-4DB2-BD59-A6C34878D82A}">
+                    <a16:rowId xmlns:a16="http://schemas.microsoft.com/office/drawing/2014/main" val="4235443009"/>
+                  </a:ext>
+                </a:extLst>
+              </a:tr>
+              <a:tr h="625804">
+                <a:tc>
+                  <a:txBody>
+                    <a:bodyPr/>
+                    <a:lstStyle/>
+                    <a:p>
+                      <a:r>
+                        <a:rPr lang="ru-RU" sz="1800" b="1" kern="1200" dirty="0">
+                          <a:solidFill>
+                            <a:schemeClr val="lt1"/>
+                          </a:solidFill>
+                          <a:latin typeface="+mn-lt"/>
+                          <a:ea typeface="+mn-ea"/>
+                          <a:cs typeface="+mn-cs"/>
+                        </a:rPr>
+                        <a:t>Найти пациента в системе</a:t>
+                      </a:r>
+                    </a:p>
+                  </a:txBody>
+                  <a:tcPr>
+                    <a:solidFill>
+                      <a:schemeClr val="accent1"/>
+                    </a:solidFill>
+                  </a:tcPr>
+                </a:tc>
+                <a:tc>
+                  <a:txBody>
+                    <a:bodyPr/>
+                    <a:lstStyle/>
+                    <a:p>
+                      <a:pPr marL="0" marR="0" lvl="0" indent="0" algn="l" defTabSz="914400" rtl="0" eaLnBrk="1" fontAlgn="auto" latinLnBrk="0" hangingPunct="1">
+                        <a:lnSpc>
+                          <a:spcPct val="100000"/>
+                        </a:lnSpc>
+                        <a:spcBef>
+                          <a:spcPts val="0"/>
+                        </a:spcBef>
+                        <a:spcAft>
+                          <a:spcPts val="0"/>
+                        </a:spcAft>
+                        <a:buClrTx/>
+                        <a:buSzTx/>
+                        <a:buFontTx/>
+                        <a:buNone/>
+                        <a:tabLst/>
+                        <a:defRPr/>
+                      </a:pPr>
+                      <a:r>
+                        <a:rPr lang="ru-RU" sz="1800" b="1" kern="1200" dirty="0">
+                          <a:solidFill>
+                            <a:schemeClr val="lt1"/>
+                          </a:solidFill>
+                          <a:latin typeface="+mn-lt"/>
+                          <a:ea typeface="+mn-ea"/>
+                          <a:cs typeface="+mn-cs"/>
+                        </a:rPr>
+                        <a:t>Поиск пациента в системе</a:t>
+                      </a:r>
+                    </a:p>
+                    <a:p>
+                      <a:endParaRPr lang="ru-RU" sz="1800" b="1" kern="1200" dirty="0">
+                        <a:solidFill>
+                          <a:schemeClr val="lt1"/>
+                        </a:solidFill>
+                        <a:latin typeface="+mn-lt"/>
+                        <a:ea typeface="+mn-ea"/>
+                        <a:cs typeface="+mn-cs"/>
+                      </a:endParaRPr>
+                    </a:p>
+                  </a:txBody>
+                  <a:tcPr>
+                    <a:solidFill>
+                      <a:schemeClr val="accent1"/>
+                    </a:solidFill>
+                  </a:tcPr>
+                </a:tc>
+                <a:extLst>
+                  <a:ext uri="{0D108BD9-81ED-4DB2-BD59-A6C34878D82A}">
+                    <a16:rowId xmlns:a16="http://schemas.microsoft.com/office/drawing/2014/main" val="2218733457"/>
+                  </a:ext>
+                </a:extLst>
+              </a:tr>
+              <a:tr h="894005">
+                <a:tc>
+                  <a:txBody>
+                    <a:bodyPr/>
+                    <a:lstStyle/>
+                    <a:p>
+                      <a:r>
+                        <a:rPr lang="ru-RU" dirty="0"/>
+                        <a:t>Выписать рецепт на медикаменты</a:t>
+                      </a:r>
+                    </a:p>
+                  </a:txBody>
+                  <a:tcPr/>
+                </a:tc>
+                <a:tc>
+                  <a:txBody>
+                    <a:bodyPr/>
+                    <a:lstStyle/>
+                    <a:p>
+                      <a:r>
+                        <a:rPr lang="ru-RU" dirty="0"/>
+                        <a:t>Функция добавления записи о назначенных медикаментах в систему</a:t>
+                      </a:r>
+                    </a:p>
+                  </a:txBody>
+                  <a:tcPr/>
+                </a:tc>
+                <a:extLst>
+                  <a:ext uri="{0D108BD9-81ED-4DB2-BD59-A6C34878D82A}">
+                    <a16:rowId xmlns:a16="http://schemas.microsoft.com/office/drawing/2014/main" val="2877696148"/>
+                  </a:ext>
+                </a:extLst>
+              </a:tr>
+            </a:tbl>
+          </a:graphicData>
+        </a:graphic>
+      </p:graphicFrame>
+    </p:spTree>
+    <p:extLst>
+      <p:ext uri="{BB962C8B-B14F-4D97-AF65-F5344CB8AC3E}">
+        <p14:creationId xmlns:p14="http://schemas.microsoft.com/office/powerpoint/2010/main" val="3259931525"/>
+      </p:ext>
+    </p:extLst>
+  </p:cSld>
+  <p:clrMapOvr>
+    <a:masterClrMapping/>
+  </p:clrMapOvr>
+</p:sld>
+</file>
+
 <file path=ppt/slides/slide2.xml><?xml version="1.0" encoding="utf-8"?>
 <p:sld xmlns:a="http://schemas.openxmlformats.org/drawingml/2006/main" xmlns:r="http://schemas.openxmlformats.org/officeDocument/2006/relationships" xmlns:p="http://schemas.openxmlformats.org/presentationml/2006/main">
   <p:cSld>
@@ -5749,6 +8676,194 @@
     <p:extLst>
       <p:ext uri="{BB962C8B-B14F-4D97-AF65-F5344CB8AC3E}">
         <p14:creationId xmlns:p14="http://schemas.microsoft.com/office/powerpoint/2010/main" val="723788343"/>
+      </p:ext>
+    </p:extLst>
+  </p:cSld>
+  <p:clrMapOvr>
+    <a:masterClrMapping/>
+  </p:clrMapOvr>
+</p:sld>
+</file>
+
+<file path=ppt/slides/slide20.xml><?xml version="1.0" encoding="utf-8"?>
+<p:sld xmlns:a="http://schemas.openxmlformats.org/drawingml/2006/main" xmlns:r="http://schemas.openxmlformats.org/officeDocument/2006/relationships" xmlns:p="http://schemas.openxmlformats.org/presentationml/2006/main">
+  <p:cSld>
+    <p:spTree>
+      <p:nvGrpSpPr>
+        <p:cNvPr id="1" name=""/>
+        <p:cNvGrpSpPr/>
+        <p:nvPr/>
+      </p:nvGrpSpPr>
+      <p:grpSpPr>
+        <a:xfrm>
+          <a:off x="0" y="0"/>
+          <a:ext cx="0" cy="0"/>
+          <a:chOff x="0" y="0"/>
+          <a:chExt cx="0" cy="0"/>
+        </a:xfrm>
+      </p:grpSpPr>
+      <p:sp>
+        <p:nvSpPr>
+          <p:cNvPr id="2" name="Заголовок 1">
+            <a:extLst>
+              <a:ext uri="{FF2B5EF4-FFF2-40B4-BE49-F238E27FC236}">
+                <a16:creationId xmlns:a16="http://schemas.microsoft.com/office/drawing/2014/main" id="{8C34ADFC-6A7C-4E03-8B29-62E92FCA5C15}"/>
+              </a:ext>
+            </a:extLst>
+          </p:cNvPr>
+          <p:cNvSpPr>
+            <a:spLocks noGrp="1"/>
+          </p:cNvSpPr>
+          <p:nvPr>
+            <p:ph type="title"/>
+          </p:nvPr>
+        </p:nvSpPr>
+        <p:spPr>
+          <a:xfrm>
+            <a:off x="717176" y="0"/>
+            <a:ext cx="9601200" cy="1485900"/>
+          </a:xfrm>
+        </p:spPr>
+        <p:txBody>
+          <a:bodyPr/>
+          <a:lstStyle/>
+          <a:p>
+            <a:r>
+              <a:rPr lang="en-US" dirty="0"/>
+              <a:t>USE CASE</a:t>
+            </a:r>
+            <a:endParaRPr lang="ru-RU" dirty="0"/>
+          </a:p>
+        </p:txBody>
+      </p:sp>
+      <p:pic>
+        <p:nvPicPr>
+          <p:cNvPr id="5" name="Рисунок 4">
+            <a:extLst>
+              <a:ext uri="{FF2B5EF4-FFF2-40B4-BE49-F238E27FC236}">
+                <a16:creationId xmlns:a16="http://schemas.microsoft.com/office/drawing/2014/main" id="{89506293-01B7-4763-87C3-FCB502FF7175}"/>
+              </a:ext>
+            </a:extLst>
+          </p:cNvPr>
+          <p:cNvPicPr>
+            <a:picLocks noChangeAspect="1"/>
+          </p:cNvPicPr>
+          <p:nvPr/>
+        </p:nvPicPr>
+        <p:blipFill>
+          <a:blip r:embed="rId2"/>
+          <a:stretch>
+            <a:fillRect/>
+          </a:stretch>
+        </p:blipFill>
+        <p:spPr>
+          <a:xfrm>
+            <a:off x="717175" y="515471"/>
+            <a:ext cx="11412071" cy="5991337"/>
+          </a:xfrm>
+          <a:prstGeom prst="rect">
+            <a:avLst/>
+          </a:prstGeom>
+        </p:spPr>
+      </p:pic>
+    </p:spTree>
+    <p:extLst>
+      <p:ext uri="{BB962C8B-B14F-4D97-AF65-F5344CB8AC3E}">
+        <p14:creationId xmlns:p14="http://schemas.microsoft.com/office/powerpoint/2010/main" val="1894011737"/>
+      </p:ext>
+    </p:extLst>
+  </p:cSld>
+  <p:clrMapOvr>
+    <a:masterClrMapping/>
+  </p:clrMapOvr>
+</p:sld>
+</file>
+
+<file path=ppt/slides/slide21.xml><?xml version="1.0" encoding="utf-8"?>
+<p:sld xmlns:a="http://schemas.openxmlformats.org/drawingml/2006/main" xmlns:r="http://schemas.openxmlformats.org/officeDocument/2006/relationships" xmlns:p="http://schemas.openxmlformats.org/presentationml/2006/main">
+  <p:cSld>
+    <p:spTree>
+      <p:nvGrpSpPr>
+        <p:cNvPr id="1" name=""/>
+        <p:cNvGrpSpPr/>
+        <p:nvPr/>
+      </p:nvGrpSpPr>
+      <p:grpSpPr>
+        <a:xfrm>
+          <a:off x="0" y="0"/>
+          <a:ext cx="0" cy="0"/>
+          <a:chOff x="0" y="0"/>
+          <a:chExt cx="0" cy="0"/>
+        </a:xfrm>
+      </p:grpSpPr>
+      <p:sp>
+        <p:nvSpPr>
+          <p:cNvPr id="2" name="Заголовок 1">
+            <a:extLst>
+              <a:ext uri="{FF2B5EF4-FFF2-40B4-BE49-F238E27FC236}">
+                <a16:creationId xmlns:a16="http://schemas.microsoft.com/office/drawing/2014/main" id="{B80BD763-9BC7-4B75-9E99-A63E318F1BB1}"/>
+              </a:ext>
+            </a:extLst>
+          </p:cNvPr>
+          <p:cNvSpPr>
+            <a:spLocks noGrp="1"/>
+          </p:cNvSpPr>
+          <p:nvPr>
+            <p:ph type="title"/>
+          </p:nvPr>
+        </p:nvSpPr>
+        <p:spPr>
+          <a:xfrm>
+            <a:off x="726142" y="0"/>
+            <a:ext cx="9601200" cy="1485900"/>
+          </a:xfrm>
+        </p:spPr>
+        <p:txBody>
+          <a:bodyPr/>
+          <a:lstStyle/>
+          <a:p>
+            <a:r>
+              <a:rPr lang="en-US" dirty="0"/>
+              <a:t>CLASSES</a:t>
+            </a:r>
+            <a:endParaRPr lang="ru-RU" dirty="0"/>
+          </a:p>
+        </p:txBody>
+      </p:sp>
+      <p:pic>
+        <p:nvPicPr>
+          <p:cNvPr id="5" name="Рисунок 4">
+            <a:extLst>
+              <a:ext uri="{FF2B5EF4-FFF2-40B4-BE49-F238E27FC236}">
+                <a16:creationId xmlns:a16="http://schemas.microsoft.com/office/drawing/2014/main" id="{FBFB6CEC-EFEC-47E6-A3A1-C7584557DC5B}"/>
+              </a:ext>
+            </a:extLst>
+          </p:cNvPr>
+          <p:cNvPicPr>
+            <a:picLocks noChangeAspect="1"/>
+          </p:cNvPicPr>
+          <p:nvPr/>
+        </p:nvPicPr>
+        <p:blipFill>
+          <a:blip r:embed="rId2"/>
+          <a:stretch>
+            <a:fillRect/>
+          </a:stretch>
+        </p:blipFill>
+        <p:spPr>
+          <a:xfrm>
+            <a:off x="2501152" y="263451"/>
+            <a:ext cx="9690847" cy="6594549"/>
+          </a:xfrm>
+          <a:prstGeom prst="rect">
+            <a:avLst/>
+          </a:prstGeom>
+        </p:spPr>
+      </p:pic>
+    </p:spTree>
+    <p:extLst>
+      <p:ext uri="{BB962C8B-B14F-4D97-AF65-F5344CB8AC3E}">
+        <p14:creationId xmlns:p14="http://schemas.microsoft.com/office/powerpoint/2010/main" val="902537571"/>
       </p:ext>
     </p:extLst>
   </p:cSld>
@@ -10124,7 +13239,7 @@
                     <a:lstStyle/>
                     <a:p>
                       <a:r>
-                        <a:rPr lang="en-US"/>
+                        <a:rPr lang="en-US" dirty="0"/>
                         <a:t>10.2</a:t>
                       </a:r>
                       <a:endParaRPr lang="ru-RU" dirty="0"/>
@@ -10229,7 +13344,7 @@
           <a:p>
             <a:r>
               <a:rPr lang="ru-RU" dirty="0"/>
-              <a:t>Крылов Егор – весь функционал.</a:t>
+              <a:t>Крылов Егор – все.</a:t>
             </a:r>
           </a:p>
         </p:txBody>
@@ -10310,8 +13425,8 @@
         </p:nvSpPr>
         <p:spPr>
           <a:xfrm>
-            <a:off x="8366510" y="1367527"/>
-            <a:ext cx="3825489" cy="5490473"/>
+            <a:off x="8366510" y="5634037"/>
+            <a:ext cx="3825489" cy="1223963"/>
           </a:xfrm>
         </p:spPr>
         <p:txBody>
@@ -10330,7 +13445,7 @@
       </p:sp>
       <p:graphicFrame>
         <p:nvGraphicFramePr>
-          <p:cNvPr id="4" name="Диаграмма 3">
+          <p:cNvPr id="6" name="Диаграмма 5">
             <a:extLst>
               <a:ext uri="{FF2B5EF4-FFF2-40B4-BE49-F238E27FC236}">
                 <a16:creationId xmlns:a16="http://schemas.microsoft.com/office/drawing/2014/main" id="{89FC19FF-5E79-4847-A1A1-F7070038FE4D}"/>
@@ -10340,17 +13455,11 @@
           <p:cNvGraphicFramePr>
             <a:graphicFrameLocks/>
           </p:cNvGraphicFramePr>
-          <p:nvPr>
-            <p:extLst>
-              <p:ext uri="{D42A27DB-BD31-4B8C-83A1-F6EECF244321}">
-                <p14:modId xmlns:p14="http://schemas.microsoft.com/office/powerpoint/2010/main" val="1565363499"/>
-              </p:ext>
-            </p:extLst>
-          </p:nvPr>
+          <p:nvPr/>
         </p:nvGraphicFramePr>
         <p:xfrm>
-          <a:off x="937011" y="1504259"/>
-          <a:ext cx="7429500" cy="3986214"/>
+          <a:off x="1004059" y="1223963"/>
+          <a:ext cx="10183882" cy="4410074"/>
         </p:xfrm>
         <a:graphic>
           <a:graphicData uri="http://schemas.openxmlformats.org/drawingml/2006/chart">

--- a/docs/Крылов Егор ИСТ-220 Проект Этап 1.pptx
+++ b/docs/Крылов Егор ИСТ-220 Проект Этап 1.pptx
@@ -1186,7 +1186,7 @@
           <a:p>
             <a:fld id="{B28A30B8-AD89-40EE-9084-8E9B9867FB6F}" type="datetimeFigureOut">
               <a:rPr lang="ru-RU" smtClean="0"/>
-              <a:t>04.10.2022</a:t>
+              <a:t>05.10.2022</a:t>
             </a:fld>
             <a:endParaRPr lang="ru-RU"/>
           </a:p>
@@ -1791,7 +1791,7 @@
             <a:fld id="{87DE6118-2437-4B30-8E3C-4D2BE6020583}" type="datetimeFigureOut">
               <a:rPr lang="en-US" dirty="0"/>
               <a:pPr/>
-              <a:t>10/4/2022</a:t>
+              <a:t>10/5/2022</a:t>
             </a:fld>
             <a:endParaRPr lang="en-US" dirty="0"/>
           </a:p>
@@ -2117,7 +2117,7 @@
           <a:p>
             <a:fld id="{87DE6118-2437-4B30-8E3C-4D2BE6020583}" type="datetimeFigureOut">
               <a:rPr lang="en-US" dirty="0"/>
-              <a:t>10/4/2022</a:t>
+              <a:t>10/5/2022</a:t>
             </a:fld>
             <a:endParaRPr lang="en-US" dirty="0"/>
           </a:p>
@@ -2292,7 +2292,7 @@
           <a:p>
             <a:fld id="{87DE6118-2437-4B30-8E3C-4D2BE6020583}" type="datetimeFigureOut">
               <a:rPr lang="en-US" dirty="0"/>
-              <a:t>10/4/2022</a:t>
+              <a:t>10/5/2022</a:t>
             </a:fld>
             <a:endParaRPr lang="en-US" dirty="0"/>
           </a:p>
@@ -2457,7 +2457,7 @@
           <a:p>
             <a:fld id="{87DE6118-2437-4B30-8E3C-4D2BE6020583}" type="datetimeFigureOut">
               <a:rPr lang="en-US" dirty="0"/>
-              <a:t>10/4/2022</a:t>
+              <a:t>10/5/2022</a:t>
             </a:fld>
             <a:endParaRPr lang="en-US" dirty="0"/>
           </a:p>
@@ -2730,7 +2730,7 @@
             <a:fld id="{87DE6118-2437-4B30-8E3C-4D2BE6020583}" type="datetimeFigureOut">
               <a:rPr lang="en-US" dirty="0"/>
               <a:pPr/>
-              <a:t>10/4/2022</a:t>
+              <a:t>10/5/2022</a:t>
             </a:fld>
             <a:endParaRPr lang="en-US" dirty="0"/>
           </a:p>
@@ -3120,7 +3120,7 @@
           <a:p>
             <a:fld id="{87DE6118-2437-4B30-8E3C-4D2BE6020583}" type="datetimeFigureOut">
               <a:rPr lang="en-US" dirty="0"/>
-              <a:t>10/4/2022</a:t>
+              <a:t>10/5/2022</a:t>
             </a:fld>
             <a:endParaRPr lang="en-US" dirty="0"/>
           </a:p>
@@ -3592,7 +3592,7 @@
           <a:p>
             <a:fld id="{87DE6118-2437-4B30-8E3C-4D2BE6020583}" type="datetimeFigureOut">
               <a:rPr lang="en-US" dirty="0"/>
-              <a:t>10/4/2022</a:t>
+              <a:t>10/5/2022</a:t>
             </a:fld>
             <a:endParaRPr lang="en-US" dirty="0"/>
           </a:p>
@@ -3705,7 +3705,7 @@
           <a:p>
             <a:fld id="{87DE6118-2437-4B30-8E3C-4D2BE6020583}" type="datetimeFigureOut">
               <a:rPr lang="en-US" dirty="0"/>
-              <a:t>10/4/2022</a:t>
+              <a:t>10/5/2022</a:t>
             </a:fld>
             <a:endParaRPr lang="en-US" dirty="0"/>
           </a:p>
@@ -3795,7 +3795,7 @@
           <a:p>
             <a:fld id="{87DE6118-2437-4B30-8E3C-4D2BE6020583}" type="datetimeFigureOut">
               <a:rPr lang="en-US" dirty="0"/>
-              <a:t>10/4/2022</a:t>
+              <a:t>10/5/2022</a:t>
             </a:fld>
             <a:endParaRPr lang="en-US" dirty="0"/>
           </a:p>
@@ -4137,7 +4137,7 @@
             <a:fld id="{87DE6118-2437-4B30-8E3C-4D2BE6020583}" type="datetimeFigureOut">
               <a:rPr lang="en-US" dirty="0"/>
               <a:pPr/>
-              <a:t>10/4/2022</a:t>
+              <a:t>10/5/2022</a:t>
             </a:fld>
             <a:endParaRPr lang="en-US" dirty="0"/>
           </a:p>
@@ -4522,7 +4522,7 @@
             <a:fld id="{87DE6118-2437-4B30-8E3C-4D2BE6020583}" type="datetimeFigureOut">
               <a:rPr lang="en-US" dirty="0"/>
               <a:pPr/>
-              <a:t>10/4/2022</a:t>
+              <a:t>10/5/2022</a:t>
             </a:fld>
             <a:endParaRPr lang="en-US" dirty="0"/>
           </a:p>
@@ -4797,7 +4797,7 @@
             <a:fld id="{87DE6118-2437-4B30-8E3C-4D2BE6020583}" type="datetimeFigureOut">
               <a:rPr lang="en-US" dirty="0"/>
               <a:pPr/>
-              <a:t>10/4/2022</a:t>
+              <a:t>10/5/2022</a:t>
             </a:fld>
             <a:endParaRPr lang="en-US" dirty="0"/>
           </a:p>
@@ -13559,11 +13559,11 @@
           <a:p>
             <a:r>
               <a:rPr lang="en-US" dirty="0"/>
-              <a:t>Swing</a:t>
-            </a:r>
-            <a:r>
-              <a:rPr lang="ru-RU" dirty="0"/>
-              <a:t> – библиотека для создания графического интерфейса</a:t>
+              <a:t>Spring</a:t>
+            </a:r>
+            <a:r>
+              <a:rPr lang="ru-RU" dirty="0"/>
+              <a:t> – каркас для приложения</a:t>
             </a:r>
           </a:p>
           <a:p>

--- a/docs/Крылов Егор ИСТ-220 Проект Этап 1.pptx
+++ b/docs/Крылов Егор ИСТ-220 Проект Этап 1.pptx
@@ -5,7 +5,7 @@
     <p:sldMasterId id="2147483648" r:id="rId1"/>
   </p:sldMasterIdLst>
   <p:notesMasterIdLst>
-    <p:notesMasterId r:id="rId23"/>
+    <p:notesMasterId r:id="rId28"/>
   </p:notesMasterIdLst>
   <p:sldIdLst>
     <p:sldId id="256" r:id="rId2"/>
@@ -21,14 +21,19 @@
     <p:sldId id="265" r:id="rId12"/>
     <p:sldId id="267" r:id="rId13"/>
     <p:sldId id="268" r:id="rId14"/>
-    <p:sldId id="269" r:id="rId15"/>
-    <p:sldId id="274" r:id="rId16"/>
-    <p:sldId id="270" r:id="rId17"/>
-    <p:sldId id="271" r:id="rId18"/>
-    <p:sldId id="273" r:id="rId19"/>
-    <p:sldId id="272" r:id="rId20"/>
-    <p:sldId id="275" r:id="rId21"/>
-    <p:sldId id="276" r:id="rId22"/>
+    <p:sldId id="277" r:id="rId15"/>
+    <p:sldId id="269" r:id="rId16"/>
+    <p:sldId id="278" r:id="rId17"/>
+    <p:sldId id="279" r:id="rId18"/>
+    <p:sldId id="274" r:id="rId19"/>
+    <p:sldId id="270" r:id="rId20"/>
+    <p:sldId id="271" r:id="rId21"/>
+    <p:sldId id="273" r:id="rId22"/>
+    <p:sldId id="272" r:id="rId23"/>
+    <p:sldId id="275" r:id="rId24"/>
+    <p:sldId id="276" r:id="rId25"/>
+    <p:sldId id="280" r:id="rId26"/>
+    <p:sldId id="281" r:id="rId27"/>
   </p:sldIdLst>
   <p:sldSz cx="12192000" cy="6858000"/>
   <p:notesSz cx="6858000" cy="9144000"/>
@@ -145,7 +150,10 @@
             <p14:sldId id="265"/>
             <p14:sldId id="267"/>
             <p14:sldId id="268"/>
+            <p14:sldId id="277"/>
             <p14:sldId id="269"/>
+            <p14:sldId id="278"/>
+            <p14:sldId id="279"/>
             <p14:sldId id="274"/>
             <p14:sldId id="270"/>
             <p14:sldId id="271"/>
@@ -153,6 +161,8 @@
             <p14:sldId id="272"/>
             <p14:sldId id="275"/>
             <p14:sldId id="276"/>
+            <p14:sldId id="280"/>
+            <p14:sldId id="281"/>
           </p14:sldIdLst>
         </p14:section>
       </p14:sectionLst>
@@ -1186,7 +1196,7 @@
           <a:p>
             <a:fld id="{B28A30B8-AD89-40EE-9084-8E9B9867FB6F}" type="datetimeFigureOut">
               <a:rPr lang="ru-RU" smtClean="0"/>
-              <a:t>04.10.2022</a:t>
+              <a:t>18.10.2022</a:t>
             </a:fld>
             <a:endParaRPr lang="ru-RU"/>
           </a:p>
@@ -1621,6 +1631,90 @@
 </p:notes>
 </file>
 
+<file path=ppt/notesSlides/notesSlide3.xml><?xml version="1.0" encoding="utf-8"?>
+<p:notes xmlns:a="http://schemas.openxmlformats.org/drawingml/2006/main" xmlns:r="http://schemas.openxmlformats.org/officeDocument/2006/relationships" xmlns:p="http://schemas.openxmlformats.org/presentationml/2006/main">
+  <p:cSld>
+    <p:spTree>
+      <p:nvGrpSpPr>
+        <p:cNvPr id="1" name=""/>
+        <p:cNvGrpSpPr/>
+        <p:nvPr/>
+      </p:nvGrpSpPr>
+      <p:grpSpPr>
+        <a:xfrm>
+          <a:off x="0" y="0"/>
+          <a:ext cx="0" cy="0"/>
+          <a:chOff x="0" y="0"/>
+          <a:chExt cx="0" cy="0"/>
+        </a:xfrm>
+      </p:grpSpPr>
+      <p:sp>
+        <p:nvSpPr>
+          <p:cNvPr id="2" name="Образ слайда 1"/>
+          <p:cNvSpPr>
+            <a:spLocks noGrp="1" noRot="1" noChangeAspect="1"/>
+          </p:cNvSpPr>
+          <p:nvPr>
+            <p:ph type="sldImg"/>
+          </p:nvPr>
+        </p:nvSpPr>
+        <p:spPr/>
+      </p:sp>
+      <p:sp>
+        <p:nvSpPr>
+          <p:cNvPr id="3" name="Заметки 2"/>
+          <p:cNvSpPr>
+            <a:spLocks noGrp="1"/>
+          </p:cNvSpPr>
+          <p:nvPr>
+            <p:ph type="body" idx="1"/>
+          </p:nvPr>
+        </p:nvSpPr>
+        <p:spPr/>
+        <p:txBody>
+          <a:bodyPr/>
+          <a:lstStyle/>
+          <a:p>
+            <a:endParaRPr lang="ru-RU" dirty="0"/>
+          </a:p>
+        </p:txBody>
+      </p:sp>
+      <p:sp>
+        <p:nvSpPr>
+          <p:cNvPr id="4" name="Номер слайда 3"/>
+          <p:cNvSpPr>
+            <a:spLocks noGrp="1"/>
+          </p:cNvSpPr>
+          <p:nvPr>
+            <p:ph type="sldNum" sz="quarter" idx="5"/>
+          </p:nvPr>
+        </p:nvSpPr>
+        <p:spPr/>
+        <p:txBody>
+          <a:bodyPr/>
+          <a:lstStyle/>
+          <a:p>
+            <a:fld id="{9FB429E5-574D-4B6F-A9FA-F035E9874AED}" type="slidenum">
+              <a:rPr lang="ru-RU" smtClean="0"/>
+              <a:t>23</a:t>
+            </a:fld>
+            <a:endParaRPr lang="ru-RU"/>
+          </a:p>
+        </p:txBody>
+      </p:sp>
+    </p:spTree>
+    <p:extLst>
+      <p:ext uri="{BB962C8B-B14F-4D97-AF65-F5344CB8AC3E}">
+        <p14:creationId xmlns:p14="http://schemas.microsoft.com/office/powerpoint/2010/main" val="1264508952"/>
+      </p:ext>
+    </p:extLst>
+  </p:cSld>
+  <p:clrMapOvr>
+    <a:masterClrMapping/>
+  </p:clrMapOvr>
+</p:notes>
+</file>
+
 <file path=ppt/slideLayouts/slideLayout1.xml><?xml version="1.0" encoding="utf-8"?>
 <p:sldLayout xmlns:a="http://schemas.openxmlformats.org/drawingml/2006/main" xmlns:r="http://schemas.openxmlformats.org/officeDocument/2006/relationships" xmlns:p="http://schemas.openxmlformats.org/presentationml/2006/main" showMasterSp="0" type="title" preserve="1">
   <p:cSld name="Титульный слайд">
@@ -1791,7 +1885,7 @@
             <a:fld id="{87DE6118-2437-4B30-8E3C-4D2BE6020583}" type="datetimeFigureOut">
               <a:rPr lang="en-US" dirty="0"/>
               <a:pPr/>
-              <a:t>10/4/2022</a:t>
+              <a:t>10/18/2022</a:t>
             </a:fld>
             <a:endParaRPr lang="en-US" dirty="0"/>
           </a:p>
@@ -2117,7 +2211,7 @@
           <a:p>
             <a:fld id="{87DE6118-2437-4B30-8E3C-4D2BE6020583}" type="datetimeFigureOut">
               <a:rPr lang="en-US" dirty="0"/>
-              <a:t>10/4/2022</a:t>
+              <a:t>10/18/2022</a:t>
             </a:fld>
             <a:endParaRPr lang="en-US" dirty="0"/>
           </a:p>
@@ -2292,7 +2386,7 @@
           <a:p>
             <a:fld id="{87DE6118-2437-4B30-8E3C-4D2BE6020583}" type="datetimeFigureOut">
               <a:rPr lang="en-US" dirty="0"/>
-              <a:t>10/4/2022</a:t>
+              <a:t>10/18/2022</a:t>
             </a:fld>
             <a:endParaRPr lang="en-US" dirty="0"/>
           </a:p>
@@ -2457,7 +2551,7 @@
           <a:p>
             <a:fld id="{87DE6118-2437-4B30-8E3C-4D2BE6020583}" type="datetimeFigureOut">
               <a:rPr lang="en-US" dirty="0"/>
-              <a:t>10/4/2022</a:t>
+              <a:t>10/18/2022</a:t>
             </a:fld>
             <a:endParaRPr lang="en-US" dirty="0"/>
           </a:p>
@@ -2730,7 +2824,7 @@
             <a:fld id="{87DE6118-2437-4B30-8E3C-4D2BE6020583}" type="datetimeFigureOut">
               <a:rPr lang="en-US" dirty="0"/>
               <a:pPr/>
-              <a:t>10/4/2022</a:t>
+              <a:t>10/18/2022</a:t>
             </a:fld>
             <a:endParaRPr lang="en-US" dirty="0"/>
           </a:p>
@@ -3120,7 +3214,7 @@
           <a:p>
             <a:fld id="{87DE6118-2437-4B30-8E3C-4D2BE6020583}" type="datetimeFigureOut">
               <a:rPr lang="en-US" dirty="0"/>
-              <a:t>10/4/2022</a:t>
+              <a:t>10/18/2022</a:t>
             </a:fld>
             <a:endParaRPr lang="en-US" dirty="0"/>
           </a:p>
@@ -3592,7 +3686,7 @@
           <a:p>
             <a:fld id="{87DE6118-2437-4B30-8E3C-4D2BE6020583}" type="datetimeFigureOut">
               <a:rPr lang="en-US" dirty="0"/>
-              <a:t>10/4/2022</a:t>
+              <a:t>10/18/2022</a:t>
             </a:fld>
             <a:endParaRPr lang="en-US" dirty="0"/>
           </a:p>
@@ -3705,7 +3799,7 @@
           <a:p>
             <a:fld id="{87DE6118-2437-4B30-8E3C-4D2BE6020583}" type="datetimeFigureOut">
               <a:rPr lang="en-US" dirty="0"/>
-              <a:t>10/4/2022</a:t>
+              <a:t>10/18/2022</a:t>
             </a:fld>
             <a:endParaRPr lang="en-US" dirty="0"/>
           </a:p>
@@ -3795,7 +3889,7 @@
           <a:p>
             <a:fld id="{87DE6118-2437-4B30-8E3C-4D2BE6020583}" type="datetimeFigureOut">
               <a:rPr lang="en-US" dirty="0"/>
-              <a:t>10/4/2022</a:t>
+              <a:t>10/18/2022</a:t>
             </a:fld>
             <a:endParaRPr lang="en-US" dirty="0"/>
           </a:p>
@@ -4137,7 +4231,7 @@
             <a:fld id="{87DE6118-2437-4B30-8E3C-4D2BE6020583}" type="datetimeFigureOut">
               <a:rPr lang="en-US" dirty="0"/>
               <a:pPr/>
-              <a:t>10/4/2022</a:t>
+              <a:t>10/18/2022</a:t>
             </a:fld>
             <a:endParaRPr lang="en-US" dirty="0"/>
           </a:p>
@@ -4522,7 +4616,7 @@
             <a:fld id="{87DE6118-2437-4B30-8E3C-4D2BE6020583}" type="datetimeFigureOut">
               <a:rPr lang="en-US" dirty="0"/>
               <a:pPr/>
-              <a:t>10/4/2022</a:t>
+              <a:t>10/18/2022</a:t>
             </a:fld>
             <a:endParaRPr lang="en-US" dirty="0"/>
           </a:p>
@@ -4797,7 +4891,7 @@
             <a:fld id="{87DE6118-2437-4B30-8E3C-4D2BE6020583}" type="datetimeFigureOut">
               <a:rPr lang="en-US" dirty="0"/>
               <a:pPr/>
-              <a:t>10/4/2022</a:t>
+              <a:t>10/18/2022</a:t>
             </a:fld>
             <a:endParaRPr lang="en-US" dirty="0"/>
           </a:p>
@@ -6072,13 +6166,7 @@
           <p:cNvGraphicFramePr>
             <a:graphicFrameLocks noGrp="1"/>
           </p:cNvGraphicFramePr>
-          <p:nvPr>
-            <p:extLst>
-              <p:ext uri="{D42A27DB-BD31-4B8C-83A1-F6EECF244321}">
-                <p14:modId xmlns:p14="http://schemas.microsoft.com/office/powerpoint/2010/main" val="904510131"/>
-              </p:ext>
-            </p:extLst>
-          </p:nvPr>
+          <p:nvPr/>
         </p:nvGraphicFramePr>
         <p:xfrm>
           <a:off x="1676401" y="4081630"/>
@@ -6195,6 +6283,346 @@
     </p:spTree>
     <p:extLst>
       <p:ext uri="{BB962C8B-B14F-4D97-AF65-F5344CB8AC3E}">
+        <p14:creationId xmlns:p14="http://schemas.microsoft.com/office/powerpoint/2010/main" val="1339679053"/>
+      </p:ext>
+    </p:extLst>
+  </p:cSld>
+  <p:clrMapOvr>
+    <a:masterClrMapping/>
+  </p:clrMapOvr>
+</p:sld>
+</file>
+
+<file path=ppt/slides/slide15.xml><?xml version="1.0" encoding="utf-8"?>
+<p:sld xmlns:a="http://schemas.openxmlformats.org/drawingml/2006/main" xmlns:r="http://schemas.openxmlformats.org/officeDocument/2006/relationships" xmlns:p="http://schemas.openxmlformats.org/presentationml/2006/main">
+  <p:cSld>
+    <p:spTree>
+      <p:nvGrpSpPr>
+        <p:cNvPr id="1" name=""/>
+        <p:cNvGrpSpPr/>
+        <p:nvPr/>
+      </p:nvGrpSpPr>
+      <p:grpSpPr>
+        <a:xfrm>
+          <a:off x="0" y="0"/>
+          <a:ext cx="0" cy="0"/>
+          <a:chOff x="0" y="0"/>
+          <a:chExt cx="0" cy="0"/>
+        </a:xfrm>
+      </p:grpSpPr>
+      <p:sp>
+        <p:nvSpPr>
+          <p:cNvPr id="2" name="Заголовок 1">
+            <a:extLst>
+              <a:ext uri="{FF2B5EF4-FFF2-40B4-BE49-F238E27FC236}">
+                <a16:creationId xmlns:a16="http://schemas.microsoft.com/office/drawing/2014/main" id="{5E152202-6F1E-416A-BCFA-BBBF8E5DF1DA}"/>
+              </a:ext>
+            </a:extLst>
+          </p:cNvPr>
+          <p:cNvSpPr>
+            <a:spLocks noGrp="1"/>
+          </p:cNvSpPr>
+          <p:nvPr>
+            <p:ph type="title"/>
+          </p:nvPr>
+        </p:nvSpPr>
+        <p:spPr>
+          <a:xfrm>
+            <a:off x="770964" y="76200"/>
+            <a:ext cx="9601200" cy="1485900"/>
+          </a:xfrm>
+        </p:spPr>
+        <p:txBody>
+          <a:bodyPr/>
+          <a:lstStyle/>
+          <a:p>
+            <a:r>
+              <a:rPr lang="ru-RU" dirty="0"/>
+              <a:t>Описание пользователей</a:t>
+            </a:r>
+          </a:p>
+        </p:txBody>
+      </p:sp>
+      <p:sp>
+        <p:nvSpPr>
+          <p:cNvPr id="3" name="Объект 2">
+            <a:extLst>
+              <a:ext uri="{FF2B5EF4-FFF2-40B4-BE49-F238E27FC236}">
+                <a16:creationId xmlns:a16="http://schemas.microsoft.com/office/drawing/2014/main" id="{AC89C0AD-896F-430F-8DFA-362D8DAD15C9}"/>
+              </a:ext>
+            </a:extLst>
+          </p:cNvPr>
+          <p:cNvSpPr>
+            <a:spLocks noGrp="1"/>
+          </p:cNvSpPr>
+          <p:nvPr>
+            <p:ph idx="1"/>
+          </p:nvPr>
+        </p:nvSpPr>
+        <p:spPr>
+          <a:xfrm>
+            <a:off x="770964" y="819150"/>
+            <a:ext cx="9601200" cy="5962650"/>
+          </a:xfrm>
+        </p:spPr>
+        <p:txBody>
+          <a:bodyPr>
+            <a:normAutofit/>
+          </a:bodyPr>
+          <a:lstStyle/>
+          <a:p>
+            <a:r>
+              <a:rPr lang="ru-RU" dirty="0"/>
+              <a:t>Пациент</a:t>
+            </a:r>
+          </a:p>
+          <a:p>
+            <a:pPr marL="0" indent="0">
+              <a:buNone/>
+            </a:pPr>
+            <a:r>
+              <a:rPr lang="ru-RU" dirty="0"/>
+              <a:t>Описание пользователя</a:t>
+            </a:r>
+            <a:r>
+              <a:rPr lang="en-US" dirty="0"/>
+              <a:t>:</a:t>
+            </a:r>
+          </a:p>
+          <a:p>
+            <a:pPr marL="0" indent="0">
+              <a:buNone/>
+            </a:pPr>
+            <a:r>
+              <a:rPr lang="ru-RU" dirty="0"/>
+              <a:t>Молодой специалист, не имеет серьезных заболеваний. Необходимо пройти осмотр у врачей для работы.</a:t>
+            </a:r>
+          </a:p>
+          <a:p>
+            <a:pPr lvl="1"/>
+            <a:r>
+              <a:rPr lang="ru-RU" dirty="0"/>
+              <a:t>Количество</a:t>
+            </a:r>
+            <a:r>
+              <a:rPr lang="en-US" dirty="0"/>
+              <a:t>: </a:t>
+            </a:r>
+            <a:r>
+              <a:rPr lang="ru-RU" dirty="0"/>
+              <a:t>от 1 до</a:t>
+            </a:r>
+            <a:r>
+              <a:rPr lang="ru-RU" b="0" i="0" dirty="0">
+                <a:solidFill>
+                  <a:srgbClr val="4D5156"/>
+                </a:solidFill>
+                <a:effectLst/>
+                <a:latin typeface="arial" panose="020B0604020202020204" pitchFamily="34" charset="0"/>
+              </a:rPr>
+              <a:t> ∞</a:t>
+            </a:r>
+            <a:endParaRPr lang="ru-RU" dirty="0"/>
+          </a:p>
+          <a:p>
+            <a:pPr lvl="1"/>
+            <a:r>
+              <a:rPr lang="ru-RU" dirty="0"/>
+              <a:t>Возраст от 18 до 25 лет </a:t>
+            </a:r>
+          </a:p>
+          <a:p>
+            <a:pPr lvl="1"/>
+            <a:r>
+              <a:rPr lang="ru-RU" dirty="0"/>
+              <a:t>З</a:t>
+            </a:r>
+            <a:r>
+              <a:rPr lang="en-US" dirty="0"/>
+              <a:t>/</a:t>
+            </a:r>
+            <a:r>
+              <a:rPr lang="ru-RU" dirty="0"/>
+              <a:t>п</a:t>
+            </a:r>
+            <a:r>
+              <a:rPr lang="en-US" dirty="0"/>
+              <a:t>: </a:t>
+            </a:r>
+            <a:r>
+              <a:rPr lang="ru-RU" dirty="0"/>
+              <a:t>от 0 до </a:t>
+            </a:r>
+            <a:r>
+              <a:rPr lang="en-US" dirty="0"/>
+              <a:t>&gt;</a:t>
+            </a:r>
+            <a:r>
+              <a:rPr lang="ru-RU" dirty="0"/>
+              <a:t>1 000 000 рублей</a:t>
+            </a:r>
+          </a:p>
+          <a:p>
+            <a:pPr lvl="1"/>
+            <a:r>
+              <a:rPr lang="ru-RU" dirty="0"/>
+              <a:t>Пол</a:t>
+            </a:r>
+            <a:r>
+              <a:rPr lang="en-US" dirty="0"/>
+              <a:t>: </a:t>
+            </a:r>
+            <a:r>
+              <a:rPr lang="ru-RU" dirty="0"/>
+              <a:t>оба пола в равном количестве</a:t>
+            </a:r>
+          </a:p>
+          <a:p>
+            <a:pPr lvl="1"/>
+            <a:r>
+              <a:rPr lang="ru-RU" dirty="0"/>
+              <a:t>Общий уровень владения ПК</a:t>
+            </a:r>
+            <a:r>
+              <a:rPr lang="en-US" dirty="0"/>
+              <a:t>: </a:t>
+            </a:r>
+            <a:r>
+              <a:rPr lang="ru-RU" dirty="0"/>
+              <a:t>от абсолютного новичка до продвинутого пользователя</a:t>
+            </a:r>
+          </a:p>
+          <a:p>
+            <a:pPr lvl="1"/>
+            <a:r>
+              <a:rPr lang="ru-RU" dirty="0"/>
+              <a:t>Факторы затрудняющие работу с приложением</a:t>
+            </a:r>
+            <a:r>
+              <a:rPr lang="en-US" dirty="0"/>
+              <a:t>: </a:t>
+            </a:r>
+            <a:r>
+              <a:rPr lang="ru-RU" dirty="0"/>
+              <a:t>слепота</a:t>
+            </a:r>
+            <a:r>
+              <a:rPr lang="en-US" dirty="0"/>
+              <a:t>/</a:t>
+            </a:r>
+            <a:r>
+              <a:rPr lang="ru-RU" dirty="0"/>
+              <a:t>частичная слепота</a:t>
+            </a:r>
+            <a:r>
+              <a:rPr lang="en-US" dirty="0"/>
+              <a:t>, </a:t>
+            </a:r>
+            <a:r>
+              <a:rPr lang="ru-RU" dirty="0"/>
+              <a:t>дальтонизм, инвалидность(отсутствие конечностей), дислексия.</a:t>
+            </a:r>
+          </a:p>
+          <a:p>
+            <a:pPr lvl="1"/>
+            <a:endParaRPr lang="ru-RU" dirty="0"/>
+          </a:p>
+          <a:p>
+            <a:pPr lvl="1"/>
+            <a:endParaRPr lang="ru-RU" dirty="0"/>
+          </a:p>
+          <a:p>
+            <a:pPr lvl="1"/>
+            <a:endParaRPr lang="ru-RU" dirty="0"/>
+          </a:p>
+        </p:txBody>
+      </p:sp>
+      <p:graphicFrame>
+        <p:nvGraphicFramePr>
+          <p:cNvPr id="6" name="Таблица 7">
+            <a:extLst>
+              <a:ext uri="{FF2B5EF4-FFF2-40B4-BE49-F238E27FC236}">
+                <a16:creationId xmlns:a16="http://schemas.microsoft.com/office/drawing/2014/main" id="{0F489E68-4344-4D7A-BA15-7DC445F66AE1}"/>
+              </a:ext>
+            </a:extLst>
+          </p:cNvPr>
+          <p:cNvGraphicFramePr>
+            <a:graphicFrameLocks noGrp="1"/>
+          </p:cNvGraphicFramePr>
+          <p:nvPr>
+            <p:extLst>
+              <p:ext uri="{D42A27DB-BD31-4B8C-83A1-F6EECF244321}">
+                <p14:modId xmlns:p14="http://schemas.microsoft.com/office/powerpoint/2010/main" val="2802237842"/>
+              </p:ext>
+            </p:extLst>
+          </p:nvPr>
+        </p:nvGraphicFramePr>
+        <p:xfrm>
+          <a:off x="1443318" y="5363583"/>
+          <a:ext cx="5253317" cy="914400"/>
+        </p:xfrm>
+        <a:graphic>
+          <a:graphicData uri="http://schemas.openxmlformats.org/drawingml/2006/table">
+            <a:tbl>
+              <a:tblPr firstRow="1" bandRow="1">
+                <a:tableStyleId>{5C22544A-7EE6-4342-B048-85BDC9FD1C3A}</a:tableStyleId>
+              </a:tblPr>
+              <a:tblGrid>
+                <a:gridCol w="2739557">
+                  <a:extLst>
+                    <a:ext uri="{9D8B030D-6E8A-4147-A177-3AD203B41FA5}">
+                      <a16:colId xmlns:a16="http://schemas.microsoft.com/office/drawing/2014/main" val="1121572206"/>
+                    </a:ext>
+                  </a:extLst>
+                </a:gridCol>
+                <a:gridCol w="2513760">
+                  <a:extLst>
+                    <a:ext uri="{9D8B030D-6E8A-4147-A177-3AD203B41FA5}">
+                      <a16:colId xmlns:a16="http://schemas.microsoft.com/office/drawing/2014/main" val="1699846996"/>
+                    </a:ext>
+                  </a:extLst>
+                </a:gridCol>
+              </a:tblGrid>
+              <a:tr h="914400">
+                <a:tc>
+                  <a:txBody>
+                    <a:bodyPr/>
+                    <a:lstStyle/>
+                    <a:p>
+                      <a:r>
+                        <a:rPr lang="ru-RU" dirty="0"/>
+                        <a:t>Быстро пройти осмотр у врачей для работы</a:t>
+                      </a:r>
+                    </a:p>
+                  </a:txBody>
+                  <a:tcPr/>
+                </a:tc>
+                <a:tc>
+                  <a:txBody>
+                    <a:bodyPr/>
+                    <a:lstStyle/>
+                    <a:p>
+                      <a:r>
+                        <a:rPr lang="ru-RU" dirty="0"/>
+                        <a:t>Функция записи на осмотр</a:t>
+                      </a:r>
+                    </a:p>
+                  </a:txBody>
+                  <a:tcPr/>
+                </a:tc>
+                <a:extLst>
+                  <a:ext uri="{0D108BD9-81ED-4DB2-BD59-A6C34878D82A}">
+                    <a16:rowId xmlns:a16="http://schemas.microsoft.com/office/drawing/2014/main" val="4235443009"/>
+                  </a:ext>
+                </a:extLst>
+              </a:tr>
+            </a:tbl>
+          </a:graphicData>
+        </a:graphic>
+      </p:graphicFrame>
+    </p:spTree>
+    <p:extLst>
+      <p:ext uri="{BB962C8B-B14F-4D97-AF65-F5344CB8AC3E}">
         <p14:creationId xmlns:p14="http://schemas.microsoft.com/office/powerpoint/2010/main" val="2003731701"/>
       </p:ext>
     </p:extLst>
@@ -6205,7 +6633,732 @@
 </p:sld>
 </file>
 
-<file path=ppt/slides/slide15.xml><?xml version="1.0" encoding="utf-8"?>
+<file path=ppt/slides/slide16.xml><?xml version="1.0" encoding="utf-8"?>
+<p:sld xmlns:a="http://schemas.openxmlformats.org/drawingml/2006/main" xmlns:r="http://schemas.openxmlformats.org/officeDocument/2006/relationships" xmlns:p="http://schemas.openxmlformats.org/presentationml/2006/main">
+  <p:cSld>
+    <p:spTree>
+      <p:nvGrpSpPr>
+        <p:cNvPr id="1" name=""/>
+        <p:cNvGrpSpPr/>
+        <p:nvPr/>
+      </p:nvGrpSpPr>
+      <p:grpSpPr>
+        <a:xfrm>
+          <a:off x="0" y="0"/>
+          <a:ext cx="0" cy="0"/>
+          <a:chOff x="0" y="0"/>
+          <a:chExt cx="0" cy="0"/>
+        </a:xfrm>
+      </p:grpSpPr>
+      <p:sp>
+        <p:nvSpPr>
+          <p:cNvPr id="2" name="Заголовок 1">
+            <a:extLst>
+              <a:ext uri="{FF2B5EF4-FFF2-40B4-BE49-F238E27FC236}">
+                <a16:creationId xmlns:a16="http://schemas.microsoft.com/office/drawing/2014/main" id="{5E152202-6F1E-416A-BCFA-BBBF8E5DF1DA}"/>
+              </a:ext>
+            </a:extLst>
+          </p:cNvPr>
+          <p:cNvSpPr>
+            <a:spLocks noGrp="1"/>
+          </p:cNvSpPr>
+          <p:nvPr>
+            <p:ph type="title"/>
+          </p:nvPr>
+        </p:nvSpPr>
+        <p:spPr>
+          <a:xfrm>
+            <a:off x="770964" y="76200"/>
+            <a:ext cx="9601200" cy="1485900"/>
+          </a:xfrm>
+        </p:spPr>
+        <p:txBody>
+          <a:bodyPr/>
+          <a:lstStyle/>
+          <a:p>
+            <a:r>
+              <a:rPr lang="ru-RU" dirty="0"/>
+              <a:t>Описание пользователей</a:t>
+            </a:r>
+          </a:p>
+        </p:txBody>
+      </p:sp>
+      <p:sp>
+        <p:nvSpPr>
+          <p:cNvPr id="3" name="Объект 2">
+            <a:extLst>
+              <a:ext uri="{FF2B5EF4-FFF2-40B4-BE49-F238E27FC236}">
+                <a16:creationId xmlns:a16="http://schemas.microsoft.com/office/drawing/2014/main" id="{AC89C0AD-896F-430F-8DFA-362D8DAD15C9}"/>
+              </a:ext>
+            </a:extLst>
+          </p:cNvPr>
+          <p:cNvSpPr>
+            <a:spLocks noGrp="1"/>
+          </p:cNvSpPr>
+          <p:nvPr>
+            <p:ph idx="1"/>
+          </p:nvPr>
+        </p:nvSpPr>
+        <p:spPr>
+          <a:xfrm>
+            <a:off x="770963" y="819150"/>
+            <a:ext cx="11358283" cy="5962650"/>
+          </a:xfrm>
+        </p:spPr>
+        <p:txBody>
+          <a:bodyPr>
+            <a:normAutofit/>
+          </a:bodyPr>
+          <a:lstStyle/>
+          <a:p>
+            <a:r>
+              <a:rPr lang="ru-RU" dirty="0"/>
+              <a:t>Пациент</a:t>
+            </a:r>
+          </a:p>
+          <a:p>
+            <a:pPr marL="0" indent="0">
+              <a:buNone/>
+            </a:pPr>
+            <a:r>
+              <a:rPr lang="ru-RU" dirty="0"/>
+              <a:t>Описание пользователя</a:t>
+            </a:r>
+            <a:r>
+              <a:rPr lang="en-US" dirty="0"/>
+              <a:t>:</a:t>
+            </a:r>
+            <a:endParaRPr lang="ru-RU" dirty="0"/>
+          </a:p>
+          <a:p>
+            <a:pPr marL="0" indent="0">
+              <a:buNone/>
+            </a:pPr>
+            <a:r>
+              <a:rPr lang="ru-RU" dirty="0"/>
+              <a:t>Имеет заболевания средней тяжести. Важно к какому специалисту обратиться. Необходима профессиональная консультация.</a:t>
+            </a:r>
+            <a:endParaRPr lang="en-US" dirty="0"/>
+          </a:p>
+          <a:p>
+            <a:pPr lvl="1"/>
+            <a:r>
+              <a:rPr lang="ru-RU" dirty="0"/>
+              <a:t>Количество</a:t>
+            </a:r>
+            <a:r>
+              <a:rPr lang="en-US" dirty="0"/>
+              <a:t>: </a:t>
+            </a:r>
+            <a:r>
+              <a:rPr lang="ru-RU" dirty="0"/>
+              <a:t>от 1 до</a:t>
+            </a:r>
+            <a:r>
+              <a:rPr lang="ru-RU" b="0" i="0" dirty="0">
+                <a:solidFill>
+                  <a:srgbClr val="4D5156"/>
+                </a:solidFill>
+                <a:effectLst/>
+                <a:latin typeface="arial" panose="020B0604020202020204" pitchFamily="34" charset="0"/>
+              </a:rPr>
+              <a:t> ∞</a:t>
+            </a:r>
+            <a:endParaRPr lang="ru-RU" dirty="0"/>
+          </a:p>
+          <a:p>
+            <a:pPr lvl="1"/>
+            <a:r>
+              <a:rPr lang="ru-RU" dirty="0"/>
+              <a:t>Возраст от 25 до 55 лет </a:t>
+            </a:r>
+          </a:p>
+          <a:p>
+            <a:pPr lvl="1"/>
+            <a:r>
+              <a:rPr lang="ru-RU" dirty="0"/>
+              <a:t>З</a:t>
+            </a:r>
+            <a:r>
+              <a:rPr lang="en-US" dirty="0"/>
+              <a:t>/</a:t>
+            </a:r>
+            <a:r>
+              <a:rPr lang="ru-RU" dirty="0"/>
+              <a:t>п</a:t>
+            </a:r>
+            <a:r>
+              <a:rPr lang="en-US" dirty="0"/>
+              <a:t>: </a:t>
+            </a:r>
+            <a:r>
+              <a:rPr lang="ru-RU" dirty="0"/>
+              <a:t>от 20 000 до </a:t>
+            </a:r>
+            <a:r>
+              <a:rPr lang="en-US" dirty="0"/>
+              <a:t>&gt;</a:t>
+            </a:r>
+            <a:r>
+              <a:rPr lang="ru-RU" dirty="0"/>
+              <a:t>1 000 000 рублей</a:t>
+            </a:r>
+          </a:p>
+          <a:p>
+            <a:pPr lvl="1"/>
+            <a:r>
+              <a:rPr lang="ru-RU" dirty="0"/>
+              <a:t>Пол</a:t>
+            </a:r>
+            <a:r>
+              <a:rPr lang="en-US" dirty="0"/>
+              <a:t>: </a:t>
+            </a:r>
+            <a:r>
+              <a:rPr lang="ru-RU" dirty="0"/>
+              <a:t>оба пола в равном количестве</a:t>
+            </a:r>
+          </a:p>
+          <a:p>
+            <a:pPr lvl="1"/>
+            <a:r>
+              <a:rPr lang="ru-RU" dirty="0"/>
+              <a:t>Общий уровень владения ПК</a:t>
+            </a:r>
+            <a:r>
+              <a:rPr lang="en-US" dirty="0"/>
+              <a:t>: </a:t>
+            </a:r>
+            <a:r>
+              <a:rPr lang="ru-RU" dirty="0"/>
+              <a:t>от абсолютного новичка до продвинутого пользователя</a:t>
+            </a:r>
+          </a:p>
+          <a:p>
+            <a:pPr lvl="1"/>
+            <a:r>
+              <a:rPr lang="ru-RU" dirty="0"/>
+              <a:t>Факторы затрудняющие работу с приложением</a:t>
+            </a:r>
+            <a:r>
+              <a:rPr lang="en-US" dirty="0"/>
+              <a:t>: </a:t>
+            </a:r>
+            <a:r>
+              <a:rPr lang="ru-RU" dirty="0"/>
+              <a:t>слепота</a:t>
+            </a:r>
+            <a:r>
+              <a:rPr lang="en-US" dirty="0"/>
+              <a:t>/</a:t>
+            </a:r>
+            <a:r>
+              <a:rPr lang="ru-RU" dirty="0"/>
+              <a:t>частичная слепота</a:t>
+            </a:r>
+            <a:r>
+              <a:rPr lang="en-US" dirty="0"/>
+              <a:t>, </a:t>
+            </a:r>
+            <a:r>
+              <a:rPr lang="ru-RU" dirty="0"/>
+              <a:t>дальтонизм, инвалидность(отсутствие конечностей), дислексия.</a:t>
+            </a:r>
+          </a:p>
+          <a:p>
+            <a:pPr lvl="1"/>
+            <a:endParaRPr lang="ru-RU" dirty="0"/>
+          </a:p>
+          <a:p>
+            <a:pPr lvl="1"/>
+            <a:endParaRPr lang="ru-RU" dirty="0"/>
+          </a:p>
+          <a:p>
+            <a:pPr lvl="1"/>
+            <a:endParaRPr lang="ru-RU" dirty="0"/>
+          </a:p>
+        </p:txBody>
+      </p:sp>
+      <p:graphicFrame>
+        <p:nvGraphicFramePr>
+          <p:cNvPr id="5" name="Таблица 7">
+            <a:extLst>
+              <a:ext uri="{FF2B5EF4-FFF2-40B4-BE49-F238E27FC236}">
+                <a16:creationId xmlns:a16="http://schemas.microsoft.com/office/drawing/2014/main" id="{465BE8AC-1A7E-45E7-B76E-121AAF7E0D10}"/>
+              </a:ext>
+            </a:extLst>
+          </p:cNvPr>
+          <p:cNvGraphicFramePr>
+            <a:graphicFrameLocks noGrp="1"/>
+          </p:cNvGraphicFramePr>
+          <p:nvPr>
+            <p:extLst>
+              <p:ext uri="{D42A27DB-BD31-4B8C-83A1-F6EECF244321}">
+                <p14:modId xmlns:p14="http://schemas.microsoft.com/office/powerpoint/2010/main" val="1843753989"/>
+              </p:ext>
+            </p:extLst>
+          </p:nvPr>
+        </p:nvGraphicFramePr>
+        <p:xfrm>
+          <a:off x="1443319" y="4875903"/>
+          <a:ext cx="6454588" cy="1737472"/>
+        </p:xfrm>
+        <a:graphic>
+          <a:graphicData uri="http://schemas.openxmlformats.org/drawingml/2006/table">
+            <a:tbl>
+              <a:tblPr firstRow="1" bandRow="1">
+                <a:tableStyleId>{5C22544A-7EE6-4342-B048-85BDC9FD1C3A}</a:tableStyleId>
+              </a:tblPr>
+              <a:tblGrid>
+                <a:gridCol w="3438075">
+                  <a:extLst>
+                    <a:ext uri="{9D8B030D-6E8A-4147-A177-3AD203B41FA5}">
+                      <a16:colId xmlns:a16="http://schemas.microsoft.com/office/drawing/2014/main" val="1121572206"/>
+                    </a:ext>
+                  </a:extLst>
+                </a:gridCol>
+                <a:gridCol w="3016513">
+                  <a:extLst>
+                    <a:ext uri="{9D8B030D-6E8A-4147-A177-3AD203B41FA5}">
+                      <a16:colId xmlns:a16="http://schemas.microsoft.com/office/drawing/2014/main" val="1699846996"/>
+                    </a:ext>
+                  </a:extLst>
+                </a:gridCol>
+              </a:tblGrid>
+              <a:tr h="823072">
+                <a:tc>
+                  <a:txBody>
+                    <a:bodyPr/>
+                    <a:lstStyle/>
+                    <a:p>
+                      <a:r>
+                        <a:rPr lang="ru-RU" dirty="0"/>
+                        <a:t>Записаться к определенному врачу на осмотр</a:t>
+                      </a:r>
+                    </a:p>
+                  </a:txBody>
+                  <a:tcPr/>
+                </a:tc>
+                <a:tc>
+                  <a:txBody>
+                    <a:bodyPr/>
+                    <a:lstStyle/>
+                    <a:p>
+                      <a:r>
+                        <a:rPr lang="ru-RU" dirty="0"/>
+                        <a:t>Функция записи к определенному врачу на осмотр</a:t>
+                      </a:r>
+                    </a:p>
+                  </a:txBody>
+                  <a:tcPr/>
+                </a:tc>
+                <a:extLst>
+                  <a:ext uri="{0D108BD9-81ED-4DB2-BD59-A6C34878D82A}">
+                    <a16:rowId xmlns:a16="http://schemas.microsoft.com/office/drawing/2014/main" val="4235443009"/>
+                  </a:ext>
+                </a:extLst>
+              </a:tr>
+              <a:tr h="823072">
+                <a:tc>
+                  <a:txBody>
+                    <a:bodyPr/>
+                    <a:lstStyle/>
+                    <a:p>
+                      <a:r>
+                        <a:rPr lang="ru-RU" dirty="0"/>
+                        <a:t>Найти</a:t>
+                      </a:r>
+                      <a:r>
+                        <a:rPr lang="en-US" dirty="0"/>
+                        <a:t> </a:t>
+                      </a:r>
+                      <a:r>
+                        <a:rPr lang="ru-RU" dirty="0"/>
+                        <a:t>профессионального специалиста</a:t>
+                      </a:r>
+                    </a:p>
+                  </a:txBody>
+                  <a:tcPr/>
+                </a:tc>
+                <a:tc>
+                  <a:txBody>
+                    <a:bodyPr/>
+                    <a:lstStyle/>
+                    <a:p>
+                      <a:r>
+                        <a:rPr lang="ru-RU" dirty="0"/>
+                        <a:t>Функция поиска специалистов в системе</a:t>
+                      </a:r>
+                    </a:p>
+                  </a:txBody>
+                  <a:tcPr/>
+                </a:tc>
+                <a:extLst>
+                  <a:ext uri="{0D108BD9-81ED-4DB2-BD59-A6C34878D82A}">
+                    <a16:rowId xmlns:a16="http://schemas.microsoft.com/office/drawing/2014/main" val="2218733457"/>
+                  </a:ext>
+                </a:extLst>
+              </a:tr>
+            </a:tbl>
+          </a:graphicData>
+        </a:graphic>
+      </p:graphicFrame>
+    </p:spTree>
+    <p:extLst>
+      <p:ext uri="{BB962C8B-B14F-4D97-AF65-F5344CB8AC3E}">
+        <p14:creationId xmlns:p14="http://schemas.microsoft.com/office/powerpoint/2010/main" val="4173592095"/>
+      </p:ext>
+    </p:extLst>
+  </p:cSld>
+  <p:clrMapOvr>
+    <a:masterClrMapping/>
+  </p:clrMapOvr>
+</p:sld>
+</file>
+
+<file path=ppt/slides/slide17.xml><?xml version="1.0" encoding="utf-8"?>
+<p:sld xmlns:a="http://schemas.openxmlformats.org/drawingml/2006/main" xmlns:r="http://schemas.openxmlformats.org/officeDocument/2006/relationships" xmlns:p="http://schemas.openxmlformats.org/presentationml/2006/main">
+  <p:cSld>
+    <p:spTree>
+      <p:nvGrpSpPr>
+        <p:cNvPr id="1" name=""/>
+        <p:cNvGrpSpPr/>
+        <p:nvPr/>
+      </p:nvGrpSpPr>
+      <p:grpSpPr>
+        <a:xfrm>
+          <a:off x="0" y="0"/>
+          <a:ext cx="0" cy="0"/>
+          <a:chOff x="0" y="0"/>
+          <a:chExt cx="0" cy="0"/>
+        </a:xfrm>
+      </p:grpSpPr>
+      <p:sp>
+        <p:nvSpPr>
+          <p:cNvPr id="2" name="Заголовок 1">
+            <a:extLst>
+              <a:ext uri="{FF2B5EF4-FFF2-40B4-BE49-F238E27FC236}">
+                <a16:creationId xmlns:a16="http://schemas.microsoft.com/office/drawing/2014/main" id="{5E152202-6F1E-416A-BCFA-BBBF8E5DF1DA}"/>
+              </a:ext>
+            </a:extLst>
+          </p:cNvPr>
+          <p:cNvSpPr>
+            <a:spLocks noGrp="1"/>
+          </p:cNvSpPr>
+          <p:nvPr>
+            <p:ph type="title"/>
+          </p:nvPr>
+        </p:nvSpPr>
+        <p:spPr>
+          <a:xfrm>
+            <a:off x="770964" y="76200"/>
+            <a:ext cx="9601200" cy="1485900"/>
+          </a:xfrm>
+        </p:spPr>
+        <p:txBody>
+          <a:bodyPr/>
+          <a:lstStyle/>
+          <a:p>
+            <a:r>
+              <a:rPr lang="ru-RU" dirty="0"/>
+              <a:t>Описание пользователей</a:t>
+            </a:r>
+          </a:p>
+        </p:txBody>
+      </p:sp>
+      <p:sp>
+        <p:nvSpPr>
+          <p:cNvPr id="3" name="Объект 2">
+            <a:extLst>
+              <a:ext uri="{FF2B5EF4-FFF2-40B4-BE49-F238E27FC236}">
+                <a16:creationId xmlns:a16="http://schemas.microsoft.com/office/drawing/2014/main" id="{AC89C0AD-896F-430F-8DFA-362D8DAD15C9}"/>
+              </a:ext>
+            </a:extLst>
+          </p:cNvPr>
+          <p:cNvSpPr>
+            <a:spLocks noGrp="1"/>
+          </p:cNvSpPr>
+          <p:nvPr>
+            <p:ph idx="1"/>
+          </p:nvPr>
+        </p:nvSpPr>
+        <p:spPr>
+          <a:xfrm>
+            <a:off x="770963" y="819150"/>
+            <a:ext cx="11358283" cy="5962650"/>
+          </a:xfrm>
+        </p:spPr>
+        <p:txBody>
+          <a:bodyPr>
+            <a:normAutofit/>
+          </a:bodyPr>
+          <a:lstStyle/>
+          <a:p>
+            <a:r>
+              <a:rPr lang="ru-RU" dirty="0"/>
+              <a:t>Пациент</a:t>
+            </a:r>
+          </a:p>
+          <a:p>
+            <a:pPr marL="0" indent="0">
+              <a:buNone/>
+            </a:pPr>
+            <a:r>
+              <a:rPr lang="ru-RU" dirty="0"/>
+              <a:t>Описание пользователя</a:t>
+            </a:r>
+            <a:r>
+              <a:rPr lang="en-US" dirty="0"/>
+              <a:t>:</a:t>
+            </a:r>
+            <a:endParaRPr lang="ru-RU" dirty="0"/>
+          </a:p>
+          <a:p>
+            <a:pPr marL="0" indent="0">
+              <a:buNone/>
+            </a:pPr>
+            <a:r>
+              <a:rPr lang="ru-RU" dirty="0"/>
+              <a:t>Имеет заболевания как средней тяжести так и тяжелые. Необходимо часто ходить на осмотры и часто записываться ко врачам</a:t>
+            </a:r>
+            <a:endParaRPr lang="en-US" dirty="0"/>
+          </a:p>
+          <a:p>
+            <a:pPr lvl="1"/>
+            <a:r>
+              <a:rPr lang="ru-RU" dirty="0"/>
+              <a:t>Количество</a:t>
+            </a:r>
+            <a:r>
+              <a:rPr lang="en-US" dirty="0"/>
+              <a:t>: </a:t>
+            </a:r>
+            <a:r>
+              <a:rPr lang="ru-RU" dirty="0"/>
+              <a:t>от 1 до</a:t>
+            </a:r>
+            <a:r>
+              <a:rPr lang="ru-RU" b="0" i="0" dirty="0">
+                <a:solidFill>
+                  <a:srgbClr val="4D5156"/>
+                </a:solidFill>
+                <a:effectLst/>
+                <a:latin typeface="arial" panose="020B0604020202020204" pitchFamily="34" charset="0"/>
+              </a:rPr>
+              <a:t> ∞</a:t>
+            </a:r>
+            <a:endParaRPr lang="ru-RU" dirty="0"/>
+          </a:p>
+          <a:p>
+            <a:pPr lvl="1"/>
+            <a:r>
+              <a:rPr lang="ru-RU" dirty="0"/>
+              <a:t>Возраст от 55 до 70 лет </a:t>
+            </a:r>
+          </a:p>
+          <a:p>
+            <a:pPr lvl="1"/>
+            <a:r>
+              <a:rPr lang="ru-RU" dirty="0"/>
+              <a:t>З</a:t>
+            </a:r>
+            <a:r>
+              <a:rPr lang="en-US" dirty="0"/>
+              <a:t>/</a:t>
+            </a:r>
+            <a:r>
+              <a:rPr lang="ru-RU" dirty="0"/>
+              <a:t>п</a:t>
+            </a:r>
+            <a:r>
+              <a:rPr lang="en-US" dirty="0"/>
+              <a:t>: </a:t>
+            </a:r>
+            <a:r>
+              <a:rPr lang="ru-RU" dirty="0"/>
+              <a:t>от 20 000 до </a:t>
+            </a:r>
+            <a:r>
+              <a:rPr lang="en-US" dirty="0"/>
+              <a:t>&gt;</a:t>
+            </a:r>
+            <a:r>
+              <a:rPr lang="ru-RU" dirty="0"/>
+              <a:t>1 000 000 рублей</a:t>
+            </a:r>
+          </a:p>
+          <a:p>
+            <a:pPr lvl="1"/>
+            <a:r>
+              <a:rPr lang="ru-RU" dirty="0"/>
+              <a:t>Пол</a:t>
+            </a:r>
+            <a:r>
+              <a:rPr lang="en-US" dirty="0"/>
+              <a:t>: </a:t>
+            </a:r>
+            <a:r>
+              <a:rPr lang="ru-RU" dirty="0"/>
+              <a:t>оба пола в равном количестве</a:t>
+            </a:r>
+          </a:p>
+          <a:p>
+            <a:pPr lvl="1"/>
+            <a:r>
+              <a:rPr lang="ru-RU" dirty="0"/>
+              <a:t>Общий уровень владения ПК</a:t>
+            </a:r>
+            <a:r>
+              <a:rPr lang="en-US" dirty="0"/>
+              <a:t>: </a:t>
+            </a:r>
+            <a:r>
+              <a:rPr lang="ru-RU" dirty="0"/>
+              <a:t>от абсолютного новичка до продвинутого пользователя</a:t>
+            </a:r>
+          </a:p>
+          <a:p>
+            <a:pPr lvl="1"/>
+            <a:r>
+              <a:rPr lang="ru-RU" dirty="0"/>
+              <a:t>Факторы затрудняющие работу с приложением</a:t>
+            </a:r>
+            <a:r>
+              <a:rPr lang="en-US" dirty="0"/>
+              <a:t>: </a:t>
+            </a:r>
+            <a:r>
+              <a:rPr lang="ru-RU" dirty="0"/>
+              <a:t>слепота</a:t>
+            </a:r>
+            <a:r>
+              <a:rPr lang="en-US" dirty="0"/>
+              <a:t>/</a:t>
+            </a:r>
+            <a:r>
+              <a:rPr lang="ru-RU" dirty="0"/>
+              <a:t>частичная слепота</a:t>
+            </a:r>
+            <a:r>
+              <a:rPr lang="en-US" dirty="0"/>
+              <a:t>, </a:t>
+            </a:r>
+            <a:r>
+              <a:rPr lang="ru-RU" dirty="0"/>
+              <a:t>дальтонизм, инвалидность(отсутствие конечностей), дислексия.</a:t>
+            </a:r>
+          </a:p>
+          <a:p>
+            <a:pPr lvl="1"/>
+            <a:endParaRPr lang="ru-RU" dirty="0"/>
+          </a:p>
+          <a:p>
+            <a:pPr lvl="1"/>
+            <a:endParaRPr lang="ru-RU" dirty="0"/>
+          </a:p>
+          <a:p>
+            <a:pPr lvl="1"/>
+            <a:endParaRPr lang="ru-RU" dirty="0"/>
+          </a:p>
+        </p:txBody>
+      </p:sp>
+      <p:graphicFrame>
+        <p:nvGraphicFramePr>
+          <p:cNvPr id="6" name="Таблица 7">
+            <a:extLst>
+              <a:ext uri="{FF2B5EF4-FFF2-40B4-BE49-F238E27FC236}">
+                <a16:creationId xmlns:a16="http://schemas.microsoft.com/office/drawing/2014/main" id="{84193289-78CC-4E53-9F70-64516B9B2169}"/>
+              </a:ext>
+            </a:extLst>
+          </p:cNvPr>
+          <p:cNvGraphicFramePr>
+            <a:graphicFrameLocks noGrp="1"/>
+          </p:cNvGraphicFramePr>
+          <p:nvPr>
+            <p:extLst>
+              <p:ext uri="{D42A27DB-BD31-4B8C-83A1-F6EECF244321}">
+                <p14:modId xmlns:p14="http://schemas.microsoft.com/office/powerpoint/2010/main" val="3270739732"/>
+              </p:ext>
+            </p:extLst>
+          </p:nvPr>
+        </p:nvGraphicFramePr>
+        <p:xfrm>
+          <a:off x="986115" y="5215778"/>
+          <a:ext cx="6615954" cy="823072"/>
+        </p:xfrm>
+        <a:graphic>
+          <a:graphicData uri="http://schemas.openxmlformats.org/drawingml/2006/table">
+            <a:tbl>
+              <a:tblPr firstRow="1" bandRow="1">
+                <a:tableStyleId>{5C22544A-7EE6-4342-B048-85BDC9FD1C3A}</a:tableStyleId>
+              </a:tblPr>
+              <a:tblGrid>
+                <a:gridCol w="3524028">
+                  <a:extLst>
+                    <a:ext uri="{9D8B030D-6E8A-4147-A177-3AD203B41FA5}">
+                      <a16:colId xmlns:a16="http://schemas.microsoft.com/office/drawing/2014/main" val="1121572206"/>
+                    </a:ext>
+                  </a:extLst>
+                </a:gridCol>
+                <a:gridCol w="3091926">
+                  <a:extLst>
+                    <a:ext uri="{9D8B030D-6E8A-4147-A177-3AD203B41FA5}">
+                      <a16:colId xmlns:a16="http://schemas.microsoft.com/office/drawing/2014/main" val="1699846996"/>
+                    </a:ext>
+                  </a:extLst>
+                </a:gridCol>
+              </a:tblGrid>
+              <a:tr h="823072">
+                <a:tc>
+                  <a:txBody>
+                    <a:bodyPr/>
+                    <a:lstStyle/>
+                    <a:p>
+                      <a:r>
+                        <a:rPr lang="ru-RU" dirty="0"/>
+                        <a:t>Записаться на очередной прием</a:t>
+                      </a:r>
+                    </a:p>
+                  </a:txBody>
+                  <a:tcPr/>
+                </a:tc>
+                <a:tc>
+                  <a:txBody>
+                    <a:bodyPr/>
+                    <a:lstStyle/>
+                    <a:p>
+                      <a:r>
+                        <a:rPr lang="ru-RU" dirty="0"/>
+                        <a:t>Функция записи на прием у врача</a:t>
+                      </a:r>
+                    </a:p>
+                  </a:txBody>
+                  <a:tcPr/>
+                </a:tc>
+                <a:extLst>
+                  <a:ext uri="{0D108BD9-81ED-4DB2-BD59-A6C34878D82A}">
+                    <a16:rowId xmlns:a16="http://schemas.microsoft.com/office/drawing/2014/main" val="4235443009"/>
+                  </a:ext>
+                </a:extLst>
+              </a:tr>
+            </a:tbl>
+          </a:graphicData>
+        </a:graphic>
+      </p:graphicFrame>
+    </p:spTree>
+    <p:extLst>
+      <p:ext uri="{BB962C8B-B14F-4D97-AF65-F5344CB8AC3E}">
+        <p14:creationId xmlns:p14="http://schemas.microsoft.com/office/powerpoint/2010/main" val="78723407"/>
+      </p:ext>
+    </p:extLst>
+  </p:cSld>
+  <p:clrMapOvr>
+    <a:masterClrMapping/>
+  </p:clrMapOvr>
+</p:sld>
+</file>
+
+<file path=ppt/slides/slide18.xml><?xml version="1.0" encoding="utf-8"?>
 <p:sld xmlns:a="http://schemas.openxmlformats.org/drawingml/2006/main" xmlns:r="http://schemas.openxmlformats.org/officeDocument/2006/relationships" xmlns:p="http://schemas.openxmlformats.org/presentationml/2006/main">
   <p:cSld>
     <p:spTree>
@@ -6638,7 +7791,7 @@
 </p:sld>
 </file>
 
-<file path=ppt/slides/slide16.xml><?xml version="1.0" encoding="utf-8"?>
+<file path=ppt/slides/slide19.xml><?xml version="1.0" encoding="utf-8"?>
 <p:sld xmlns:a="http://schemas.openxmlformats.org/drawingml/2006/main" xmlns:r="http://schemas.openxmlformats.org/officeDocument/2006/relationships" xmlns:p="http://schemas.openxmlformats.org/presentationml/2006/main">
   <p:cSld>
     <p:spTree>
@@ -7237,7 +8390,181 @@
 </p:sld>
 </file>
 
-<file path=ppt/slides/slide17.xml><?xml version="1.0" encoding="utf-8"?>
+<file path=ppt/slides/slide2.xml><?xml version="1.0" encoding="utf-8"?>
+<p:sld xmlns:a="http://schemas.openxmlformats.org/drawingml/2006/main" xmlns:r="http://schemas.openxmlformats.org/officeDocument/2006/relationships" xmlns:p="http://schemas.openxmlformats.org/presentationml/2006/main">
+  <p:cSld>
+    <p:spTree>
+      <p:nvGrpSpPr>
+        <p:cNvPr id="1" name=""/>
+        <p:cNvGrpSpPr/>
+        <p:nvPr/>
+      </p:nvGrpSpPr>
+      <p:grpSpPr>
+        <a:xfrm>
+          <a:off x="0" y="0"/>
+          <a:ext cx="0" cy="0"/>
+          <a:chOff x="0" y="0"/>
+          <a:chExt cx="0" cy="0"/>
+        </a:xfrm>
+      </p:grpSpPr>
+      <p:sp>
+        <p:nvSpPr>
+          <p:cNvPr id="2" name="Заголовок 1">
+            <a:extLst>
+              <a:ext uri="{FF2B5EF4-FFF2-40B4-BE49-F238E27FC236}">
+                <a16:creationId xmlns:a16="http://schemas.microsoft.com/office/drawing/2014/main" id="{0AB35B5D-2761-46B1-97FA-83414C199ED3}"/>
+              </a:ext>
+            </a:extLst>
+          </p:cNvPr>
+          <p:cNvSpPr>
+            <a:spLocks noGrp="1"/>
+          </p:cNvSpPr>
+          <p:nvPr>
+            <p:ph type="title"/>
+          </p:nvPr>
+        </p:nvSpPr>
+        <p:spPr>
+          <a:xfrm>
+            <a:off x="1295400" y="324740"/>
+            <a:ext cx="9601200" cy="1240208"/>
+          </a:xfrm>
+        </p:spPr>
+        <p:txBody>
+          <a:bodyPr>
+            <a:normAutofit fontScale="90000"/>
+          </a:bodyPr>
+          <a:lstStyle/>
+          <a:p>
+            <a:r>
+              <a:rPr lang="ru-RU" dirty="0"/>
+              <a:t>Название проекта</a:t>
+            </a:r>
+            <a:r>
+              <a:rPr lang="en-US" dirty="0"/>
+              <a:t>:</a:t>
+            </a:r>
+            <a:r>
+              <a:rPr lang="ru-RU" sz="4400" dirty="0"/>
+              <a:t> </a:t>
+            </a:r>
+            <a:br>
+              <a:rPr lang="en-US" sz="4400" dirty="0"/>
+            </a:br>
+            <a:r>
+              <a:rPr lang="ru-RU" sz="3600" dirty="0"/>
+              <a:t>Система учета пациентов</a:t>
+            </a:r>
+            <a:br>
+              <a:rPr lang="ru-RU" dirty="0"/>
+            </a:br>
+            <a:endParaRPr lang="ru-RU" dirty="0"/>
+          </a:p>
+        </p:txBody>
+      </p:sp>
+      <p:sp>
+        <p:nvSpPr>
+          <p:cNvPr id="3" name="Объект 2">
+            <a:extLst>
+              <a:ext uri="{FF2B5EF4-FFF2-40B4-BE49-F238E27FC236}">
+                <a16:creationId xmlns:a16="http://schemas.microsoft.com/office/drawing/2014/main" id="{B1C1B389-4B4D-45B5-BCC6-6B5E1A2FEFBA}"/>
+              </a:ext>
+            </a:extLst>
+          </p:cNvPr>
+          <p:cNvSpPr>
+            <a:spLocks noGrp="1"/>
+          </p:cNvSpPr>
+          <p:nvPr>
+            <p:ph idx="1"/>
+          </p:nvPr>
+        </p:nvSpPr>
+        <p:spPr>
+          <a:xfrm>
+            <a:off x="709301" y="1845892"/>
+            <a:ext cx="11482699" cy="4854011"/>
+          </a:xfrm>
+        </p:spPr>
+        <p:txBody>
+          <a:bodyPr/>
+          <a:lstStyle/>
+          <a:p>
+            <a:pPr marL="0" indent="0">
+              <a:buNone/>
+            </a:pPr>
+            <a:r>
+              <a:rPr lang="ru-RU" dirty="0"/>
+              <a:t>Цель проекта</a:t>
+            </a:r>
+            <a:r>
+              <a:rPr lang="en-US" dirty="0"/>
+              <a:t>:</a:t>
+            </a:r>
+            <a:endParaRPr lang="ru-RU" dirty="0"/>
+          </a:p>
+          <a:p>
+            <a:pPr marL="0" indent="0">
+              <a:buNone/>
+            </a:pPr>
+            <a:r>
+              <a:rPr lang="ru-RU" dirty="0"/>
+              <a:t>Автоматизировать, ускорить и упростить работу с данными пациентов.</a:t>
+            </a:r>
+          </a:p>
+          <a:p>
+            <a:pPr marL="0" indent="0">
+              <a:buNone/>
+            </a:pPr>
+            <a:r>
+              <a:rPr lang="ru-RU" dirty="0"/>
+              <a:t>Задачи проекта</a:t>
+            </a:r>
+            <a:r>
+              <a:rPr lang="en-US" dirty="0"/>
+              <a:t>:</a:t>
+            </a:r>
+          </a:p>
+          <a:p>
+            <a:r>
+              <a:rPr lang="ru-RU" dirty="0"/>
+              <a:t>Автоматизация и ускорение процесса учета пациентов</a:t>
+            </a:r>
+          </a:p>
+          <a:p>
+            <a:r>
+              <a:rPr lang="ru-RU" dirty="0"/>
+              <a:t>Ускорение процесса документооборота </a:t>
+            </a:r>
+          </a:p>
+          <a:p>
+            <a:r>
+              <a:rPr lang="ru-RU" dirty="0"/>
+              <a:t>Уменьшение человеческих ошибок при работе с документами</a:t>
+            </a:r>
+          </a:p>
+          <a:p>
+            <a:pPr marL="0" indent="0">
+              <a:buNone/>
+            </a:pPr>
+            <a:endParaRPr lang="en-US" dirty="0"/>
+          </a:p>
+          <a:p>
+            <a:endParaRPr lang="ru-RU" dirty="0"/>
+          </a:p>
+        </p:txBody>
+      </p:sp>
+    </p:spTree>
+    <p:extLst>
+      <p:ext uri="{BB962C8B-B14F-4D97-AF65-F5344CB8AC3E}">
+        <p14:creationId xmlns:p14="http://schemas.microsoft.com/office/powerpoint/2010/main" val="723788343"/>
+      </p:ext>
+    </p:extLst>
+  </p:cSld>
+  <p:clrMapOvr>
+    <a:masterClrMapping/>
+  </p:clrMapOvr>
+</p:sld>
+</file>
+
+<file path=ppt/slides/slide20.xml><?xml version="1.0" encoding="utf-8"?>
 <p:sld xmlns:a="http://schemas.openxmlformats.org/drawingml/2006/main" xmlns:r="http://schemas.openxmlformats.org/officeDocument/2006/relationships" xmlns:p="http://schemas.openxmlformats.org/presentationml/2006/main">
   <p:cSld>
     <p:spTree>
@@ -7610,7 +8937,7 @@
 </p:sld>
 </file>
 
-<file path=ppt/slides/slide18.xml><?xml version="1.0" encoding="utf-8"?>
+<file path=ppt/slides/slide21.xml><?xml version="1.0" encoding="utf-8"?>
 <p:sld xmlns:a="http://schemas.openxmlformats.org/drawingml/2006/main" xmlns:r="http://schemas.openxmlformats.org/officeDocument/2006/relationships" xmlns:p="http://schemas.openxmlformats.org/presentationml/2006/main">
   <p:cSld>
     <p:spTree>
@@ -8114,7 +9441,7 @@
 </p:sld>
 </file>
 
-<file path=ppt/slides/slide19.xml><?xml version="1.0" encoding="utf-8"?>
+<file path=ppt/slides/slide22.xml><?xml version="1.0" encoding="utf-8"?>
 <p:sld xmlns:a="http://schemas.openxmlformats.org/drawingml/2006/main" xmlns:r="http://schemas.openxmlformats.org/officeDocument/2006/relationships" xmlns:p="http://schemas.openxmlformats.org/presentationml/2006/main">
   <p:cSld>
     <p:spTree>
@@ -8511,181 +9838,7 @@
 </p:sld>
 </file>
 
-<file path=ppt/slides/slide2.xml><?xml version="1.0" encoding="utf-8"?>
-<p:sld xmlns:a="http://schemas.openxmlformats.org/drawingml/2006/main" xmlns:r="http://schemas.openxmlformats.org/officeDocument/2006/relationships" xmlns:p="http://schemas.openxmlformats.org/presentationml/2006/main">
-  <p:cSld>
-    <p:spTree>
-      <p:nvGrpSpPr>
-        <p:cNvPr id="1" name=""/>
-        <p:cNvGrpSpPr/>
-        <p:nvPr/>
-      </p:nvGrpSpPr>
-      <p:grpSpPr>
-        <a:xfrm>
-          <a:off x="0" y="0"/>
-          <a:ext cx="0" cy="0"/>
-          <a:chOff x="0" y="0"/>
-          <a:chExt cx="0" cy="0"/>
-        </a:xfrm>
-      </p:grpSpPr>
-      <p:sp>
-        <p:nvSpPr>
-          <p:cNvPr id="2" name="Заголовок 1">
-            <a:extLst>
-              <a:ext uri="{FF2B5EF4-FFF2-40B4-BE49-F238E27FC236}">
-                <a16:creationId xmlns:a16="http://schemas.microsoft.com/office/drawing/2014/main" id="{0AB35B5D-2761-46B1-97FA-83414C199ED3}"/>
-              </a:ext>
-            </a:extLst>
-          </p:cNvPr>
-          <p:cNvSpPr>
-            <a:spLocks noGrp="1"/>
-          </p:cNvSpPr>
-          <p:nvPr>
-            <p:ph type="title"/>
-          </p:nvPr>
-        </p:nvSpPr>
-        <p:spPr>
-          <a:xfrm>
-            <a:off x="1295400" y="324740"/>
-            <a:ext cx="9601200" cy="1240208"/>
-          </a:xfrm>
-        </p:spPr>
-        <p:txBody>
-          <a:bodyPr>
-            <a:normAutofit fontScale="90000"/>
-          </a:bodyPr>
-          <a:lstStyle/>
-          <a:p>
-            <a:r>
-              <a:rPr lang="ru-RU" dirty="0"/>
-              <a:t>Название проекта</a:t>
-            </a:r>
-            <a:r>
-              <a:rPr lang="en-US" dirty="0"/>
-              <a:t>:</a:t>
-            </a:r>
-            <a:r>
-              <a:rPr lang="ru-RU" sz="4400" dirty="0"/>
-              <a:t> </a:t>
-            </a:r>
-            <a:br>
-              <a:rPr lang="en-US" sz="4400" dirty="0"/>
-            </a:br>
-            <a:r>
-              <a:rPr lang="ru-RU" sz="3600" dirty="0"/>
-              <a:t>Система учета пациентов</a:t>
-            </a:r>
-            <a:br>
-              <a:rPr lang="ru-RU" dirty="0"/>
-            </a:br>
-            <a:endParaRPr lang="ru-RU" dirty="0"/>
-          </a:p>
-        </p:txBody>
-      </p:sp>
-      <p:sp>
-        <p:nvSpPr>
-          <p:cNvPr id="3" name="Объект 2">
-            <a:extLst>
-              <a:ext uri="{FF2B5EF4-FFF2-40B4-BE49-F238E27FC236}">
-                <a16:creationId xmlns:a16="http://schemas.microsoft.com/office/drawing/2014/main" id="{B1C1B389-4B4D-45B5-BCC6-6B5E1A2FEFBA}"/>
-              </a:ext>
-            </a:extLst>
-          </p:cNvPr>
-          <p:cNvSpPr>
-            <a:spLocks noGrp="1"/>
-          </p:cNvSpPr>
-          <p:nvPr>
-            <p:ph idx="1"/>
-          </p:nvPr>
-        </p:nvSpPr>
-        <p:spPr>
-          <a:xfrm>
-            <a:off x="709301" y="1845892"/>
-            <a:ext cx="11482699" cy="4854011"/>
-          </a:xfrm>
-        </p:spPr>
-        <p:txBody>
-          <a:bodyPr/>
-          <a:lstStyle/>
-          <a:p>
-            <a:pPr marL="0" indent="0">
-              <a:buNone/>
-            </a:pPr>
-            <a:r>
-              <a:rPr lang="ru-RU" dirty="0"/>
-              <a:t>Цель проекта</a:t>
-            </a:r>
-            <a:r>
-              <a:rPr lang="en-US" dirty="0"/>
-              <a:t>:</a:t>
-            </a:r>
-            <a:endParaRPr lang="ru-RU" dirty="0"/>
-          </a:p>
-          <a:p>
-            <a:pPr marL="0" indent="0">
-              <a:buNone/>
-            </a:pPr>
-            <a:r>
-              <a:rPr lang="ru-RU" dirty="0"/>
-              <a:t>Автоматизировать, ускорить и упростить работу с данными пациентов.</a:t>
-            </a:r>
-          </a:p>
-          <a:p>
-            <a:pPr marL="0" indent="0">
-              <a:buNone/>
-            </a:pPr>
-            <a:r>
-              <a:rPr lang="ru-RU" dirty="0"/>
-              <a:t>Задачи проекта</a:t>
-            </a:r>
-            <a:r>
-              <a:rPr lang="en-US" dirty="0"/>
-              <a:t>:</a:t>
-            </a:r>
-          </a:p>
-          <a:p>
-            <a:r>
-              <a:rPr lang="ru-RU" dirty="0"/>
-              <a:t>Автоматизация и ускорение процесса учета пациентов</a:t>
-            </a:r>
-          </a:p>
-          <a:p>
-            <a:r>
-              <a:rPr lang="ru-RU" dirty="0"/>
-              <a:t>Ускорение процесса документооборота </a:t>
-            </a:r>
-          </a:p>
-          <a:p>
-            <a:r>
-              <a:rPr lang="ru-RU" dirty="0"/>
-              <a:t>Уменьшение человеческих ошибок при работе с документами</a:t>
-            </a:r>
-          </a:p>
-          <a:p>
-            <a:pPr marL="0" indent="0">
-              <a:buNone/>
-            </a:pPr>
-            <a:endParaRPr lang="en-US" dirty="0"/>
-          </a:p>
-          <a:p>
-            <a:endParaRPr lang="ru-RU" dirty="0"/>
-          </a:p>
-        </p:txBody>
-      </p:sp>
-    </p:spTree>
-    <p:extLst>
-      <p:ext uri="{BB962C8B-B14F-4D97-AF65-F5344CB8AC3E}">
-        <p14:creationId xmlns:p14="http://schemas.microsoft.com/office/powerpoint/2010/main" val="723788343"/>
-      </p:ext>
-    </p:extLst>
-  </p:cSld>
-  <p:clrMapOvr>
-    <a:masterClrMapping/>
-  </p:clrMapOvr>
-</p:sld>
-</file>
-
-<file path=ppt/slides/slide20.xml><?xml version="1.0" encoding="utf-8"?>
+<file path=ppt/slides/slide23.xml><?xml version="1.0" encoding="utf-8"?>
 <p:sld xmlns:a="http://schemas.openxmlformats.org/drawingml/2006/main" xmlns:r="http://schemas.openxmlformats.org/officeDocument/2006/relationships" xmlns:p="http://schemas.openxmlformats.org/presentationml/2006/main">
   <p:cSld>
     <p:spTree>
@@ -8738,10 +9891,10 @@
       </p:sp>
       <p:pic>
         <p:nvPicPr>
-          <p:cNvPr id="5" name="Рисунок 4">
+          <p:cNvPr id="4" name="Рисунок 3">
             <a:extLst>
               <a:ext uri="{FF2B5EF4-FFF2-40B4-BE49-F238E27FC236}">
-                <a16:creationId xmlns:a16="http://schemas.microsoft.com/office/drawing/2014/main" id="{89506293-01B7-4763-87C3-FCB502FF7175}"/>
+                <a16:creationId xmlns:a16="http://schemas.microsoft.com/office/drawing/2014/main" id="{FA97250A-9711-4616-B644-94D3BDD4A8FD}"/>
               </a:ext>
             </a:extLst>
           </p:cNvPr>
@@ -8751,15 +9904,15 @@
           <p:nvPr/>
         </p:nvPicPr>
         <p:blipFill>
-          <a:blip r:embed="rId2"/>
+          <a:blip r:embed="rId3"/>
           <a:stretch>
             <a:fillRect/>
           </a:stretch>
         </p:blipFill>
         <p:spPr>
           <a:xfrm>
-            <a:off x="717175" y="515471"/>
-            <a:ext cx="11412071" cy="5991337"/>
+            <a:off x="537882" y="578225"/>
+            <a:ext cx="11654117" cy="6118411"/>
           </a:xfrm>
           <a:prstGeom prst="rect">
             <a:avLst/>
@@ -8779,7 +9932,7 @@
 </p:sld>
 </file>
 
-<file path=ppt/slides/slide21.xml><?xml version="1.0" encoding="utf-8"?>
+<file path=ppt/slides/slide24.xml><?xml version="1.0" encoding="utf-8"?>
 <p:sld xmlns:a="http://schemas.openxmlformats.org/drawingml/2006/main" xmlns:r="http://schemas.openxmlformats.org/officeDocument/2006/relationships" xmlns:p="http://schemas.openxmlformats.org/presentationml/2006/main">
   <p:cSld>
     <p:spTree>
@@ -8832,10 +9985,10 @@
       </p:sp>
       <p:pic>
         <p:nvPicPr>
-          <p:cNvPr id="5" name="Рисунок 4">
+          <p:cNvPr id="4" name="Рисунок 3">
             <a:extLst>
               <a:ext uri="{FF2B5EF4-FFF2-40B4-BE49-F238E27FC236}">
-                <a16:creationId xmlns:a16="http://schemas.microsoft.com/office/drawing/2014/main" id="{FBFB6CEC-EFEC-47E6-A3A1-C7584557DC5B}"/>
+                <a16:creationId xmlns:a16="http://schemas.microsoft.com/office/drawing/2014/main" id="{6C78A9EA-CBC9-4BF5-BDAD-9AAC3B446425}"/>
               </a:ext>
             </a:extLst>
           </p:cNvPr>
@@ -8852,8 +10005,8 @@
         </p:blipFill>
         <p:spPr>
           <a:xfrm>
-            <a:off x="2501152" y="263451"/>
-            <a:ext cx="9690847" cy="6594549"/>
+            <a:off x="3244555" y="8967"/>
+            <a:ext cx="8446090" cy="6858000"/>
           </a:xfrm>
           <a:prstGeom prst="rect">
             <a:avLst/>
@@ -8864,6 +10017,200 @@
     <p:extLst>
       <p:ext uri="{BB962C8B-B14F-4D97-AF65-F5344CB8AC3E}">
         <p14:creationId xmlns:p14="http://schemas.microsoft.com/office/powerpoint/2010/main" val="902537571"/>
+      </p:ext>
+    </p:extLst>
+  </p:cSld>
+  <p:clrMapOvr>
+    <a:masterClrMapping/>
+  </p:clrMapOvr>
+</p:sld>
+</file>
+
+<file path=ppt/slides/slide25.xml><?xml version="1.0" encoding="utf-8"?>
+<p:sld xmlns:a="http://schemas.openxmlformats.org/drawingml/2006/main" xmlns:r="http://schemas.openxmlformats.org/officeDocument/2006/relationships" xmlns:p="http://schemas.openxmlformats.org/presentationml/2006/main">
+  <p:cSld>
+    <p:spTree>
+      <p:nvGrpSpPr>
+        <p:cNvPr id="1" name=""/>
+        <p:cNvGrpSpPr/>
+        <p:nvPr/>
+      </p:nvGrpSpPr>
+      <p:grpSpPr>
+        <a:xfrm>
+          <a:off x="0" y="0"/>
+          <a:ext cx="0" cy="0"/>
+          <a:chOff x="0" y="0"/>
+          <a:chExt cx="0" cy="0"/>
+        </a:xfrm>
+      </p:grpSpPr>
+      <p:sp>
+        <p:nvSpPr>
+          <p:cNvPr id="2" name="Заголовок 1">
+            <a:extLst>
+              <a:ext uri="{FF2B5EF4-FFF2-40B4-BE49-F238E27FC236}">
+                <a16:creationId xmlns:a16="http://schemas.microsoft.com/office/drawing/2014/main" id="{B23974FD-499C-4D26-8E38-84337752758B}"/>
+              </a:ext>
+            </a:extLst>
+          </p:cNvPr>
+          <p:cNvSpPr>
+            <a:spLocks noGrp="1"/>
+          </p:cNvSpPr>
+          <p:nvPr>
+            <p:ph type="title"/>
+          </p:nvPr>
+        </p:nvSpPr>
+        <p:spPr>
+          <a:xfrm>
+            <a:off x="723900" y="76200"/>
+            <a:ext cx="9601200" cy="1485900"/>
+          </a:xfrm>
+        </p:spPr>
+        <p:txBody>
+          <a:bodyPr/>
+          <a:lstStyle/>
+          <a:p>
+            <a:r>
+              <a:rPr lang="en-US" dirty="0"/>
+              <a:t>State Chart</a:t>
+            </a:r>
+            <a:br>
+              <a:rPr lang="en-US" dirty="0"/>
+            </a:br>
+            <a:r>
+              <a:rPr lang="ru-RU" dirty="0"/>
+              <a:t>Сущность «Направление»</a:t>
+            </a:r>
+          </a:p>
+        </p:txBody>
+      </p:sp>
+      <p:pic>
+        <p:nvPicPr>
+          <p:cNvPr id="5" name="Рисунок 4">
+            <a:extLst>
+              <a:ext uri="{FF2B5EF4-FFF2-40B4-BE49-F238E27FC236}">
+                <a16:creationId xmlns:a16="http://schemas.microsoft.com/office/drawing/2014/main" id="{73034691-1D71-4A8D-8089-6ABFC7E010D3}"/>
+              </a:ext>
+            </a:extLst>
+          </p:cNvPr>
+          <p:cNvPicPr>
+            <a:picLocks noChangeAspect="1"/>
+          </p:cNvPicPr>
+          <p:nvPr/>
+        </p:nvPicPr>
+        <p:blipFill>
+          <a:blip r:embed="rId2"/>
+          <a:stretch>
+            <a:fillRect/>
+          </a:stretch>
+        </p:blipFill>
+        <p:spPr>
+          <a:xfrm>
+            <a:off x="2281237" y="1438275"/>
+            <a:ext cx="7141631" cy="5343525"/>
+          </a:xfrm>
+          <a:prstGeom prst="rect">
+            <a:avLst/>
+          </a:prstGeom>
+        </p:spPr>
+      </p:pic>
+    </p:spTree>
+    <p:extLst>
+      <p:ext uri="{BB962C8B-B14F-4D97-AF65-F5344CB8AC3E}">
+        <p14:creationId xmlns:p14="http://schemas.microsoft.com/office/powerpoint/2010/main" val="3255883911"/>
+      </p:ext>
+    </p:extLst>
+  </p:cSld>
+  <p:clrMapOvr>
+    <a:masterClrMapping/>
+  </p:clrMapOvr>
+</p:sld>
+</file>
+
+<file path=ppt/slides/slide26.xml><?xml version="1.0" encoding="utf-8"?>
+<p:sld xmlns:a="http://schemas.openxmlformats.org/drawingml/2006/main" xmlns:r="http://schemas.openxmlformats.org/officeDocument/2006/relationships" xmlns:p="http://schemas.openxmlformats.org/presentationml/2006/main">
+  <p:cSld>
+    <p:spTree>
+      <p:nvGrpSpPr>
+        <p:cNvPr id="1" name=""/>
+        <p:cNvGrpSpPr/>
+        <p:nvPr/>
+      </p:nvGrpSpPr>
+      <p:grpSpPr>
+        <a:xfrm>
+          <a:off x="0" y="0"/>
+          <a:ext cx="0" cy="0"/>
+          <a:chOff x="0" y="0"/>
+          <a:chExt cx="0" cy="0"/>
+        </a:xfrm>
+      </p:grpSpPr>
+      <p:sp>
+        <p:nvSpPr>
+          <p:cNvPr id="2" name="Заголовок 1">
+            <a:extLst>
+              <a:ext uri="{FF2B5EF4-FFF2-40B4-BE49-F238E27FC236}">
+                <a16:creationId xmlns:a16="http://schemas.microsoft.com/office/drawing/2014/main" id="{3EFEFCF3-7649-42F3-8A65-8FDE6C1965BC}"/>
+              </a:ext>
+            </a:extLst>
+          </p:cNvPr>
+          <p:cNvSpPr>
+            <a:spLocks noGrp="1"/>
+          </p:cNvSpPr>
+          <p:nvPr>
+            <p:ph type="title"/>
+          </p:nvPr>
+        </p:nvSpPr>
+        <p:spPr>
+          <a:xfrm>
+            <a:off x="726141" y="62753"/>
+            <a:ext cx="9601200" cy="1485900"/>
+          </a:xfrm>
+        </p:spPr>
+        <p:txBody>
+          <a:bodyPr/>
+          <a:lstStyle/>
+          <a:p>
+            <a:r>
+              <a:rPr lang="en-US" dirty="0"/>
+              <a:t>Activity Diagram</a:t>
+            </a:r>
+            <a:endParaRPr lang="ru-RU" dirty="0"/>
+          </a:p>
+        </p:txBody>
+      </p:sp>
+      <p:pic>
+        <p:nvPicPr>
+          <p:cNvPr id="5" name="Рисунок 4">
+            <a:extLst>
+              <a:ext uri="{FF2B5EF4-FFF2-40B4-BE49-F238E27FC236}">
+                <a16:creationId xmlns:a16="http://schemas.microsoft.com/office/drawing/2014/main" id="{9C38FB40-7FC1-4B40-9C9A-B49F9FA362C5}"/>
+              </a:ext>
+            </a:extLst>
+          </p:cNvPr>
+          <p:cNvPicPr>
+            <a:picLocks noChangeAspect="1"/>
+          </p:cNvPicPr>
+          <p:nvPr/>
+        </p:nvPicPr>
+        <p:blipFill>
+          <a:blip r:embed="rId2"/>
+          <a:stretch>
+            <a:fillRect/>
+          </a:stretch>
+        </p:blipFill>
+        <p:spPr>
+          <a:xfrm>
+            <a:off x="4994095" y="17928"/>
+            <a:ext cx="4678822" cy="6858000"/>
+          </a:xfrm>
+          <a:prstGeom prst="rect">
+            <a:avLst/>
+          </a:prstGeom>
+        </p:spPr>
+      </p:pic>
+    </p:spTree>
+    <p:extLst>
+      <p:ext uri="{BB962C8B-B14F-4D97-AF65-F5344CB8AC3E}">
+        <p14:creationId xmlns:p14="http://schemas.microsoft.com/office/powerpoint/2010/main" val="1832358169"/>
       </p:ext>
     </p:extLst>
   </p:cSld>

--- a/docs/Крылов Егор ИСТ-220 Проект Этап 1.pptx
+++ b/docs/Крылов Егор ИСТ-220 Проект Этап 1.pptx
@@ -5,7 +5,7 @@
     <p:sldMasterId id="2147483648" r:id="rId1"/>
   </p:sldMasterIdLst>
   <p:notesMasterIdLst>
-    <p:notesMasterId r:id="rId23"/>
+    <p:notesMasterId r:id="rId28"/>
   </p:notesMasterIdLst>
   <p:sldIdLst>
     <p:sldId id="256" r:id="rId2"/>
@@ -21,14 +21,19 @@
     <p:sldId id="265" r:id="rId12"/>
     <p:sldId id="267" r:id="rId13"/>
     <p:sldId id="268" r:id="rId14"/>
-    <p:sldId id="269" r:id="rId15"/>
-    <p:sldId id="274" r:id="rId16"/>
-    <p:sldId id="270" r:id="rId17"/>
-    <p:sldId id="271" r:id="rId18"/>
-    <p:sldId id="273" r:id="rId19"/>
-    <p:sldId id="272" r:id="rId20"/>
-    <p:sldId id="275" r:id="rId21"/>
-    <p:sldId id="276" r:id="rId22"/>
+    <p:sldId id="277" r:id="rId15"/>
+    <p:sldId id="269" r:id="rId16"/>
+    <p:sldId id="278" r:id="rId17"/>
+    <p:sldId id="279" r:id="rId18"/>
+    <p:sldId id="274" r:id="rId19"/>
+    <p:sldId id="270" r:id="rId20"/>
+    <p:sldId id="271" r:id="rId21"/>
+    <p:sldId id="273" r:id="rId22"/>
+    <p:sldId id="272" r:id="rId23"/>
+    <p:sldId id="275" r:id="rId24"/>
+    <p:sldId id="276" r:id="rId25"/>
+    <p:sldId id="280" r:id="rId26"/>
+    <p:sldId id="281" r:id="rId27"/>
   </p:sldIdLst>
   <p:sldSz cx="12192000" cy="6858000"/>
   <p:notesSz cx="6858000" cy="9144000"/>
@@ -145,7 +150,10 @@
             <p14:sldId id="265"/>
             <p14:sldId id="267"/>
             <p14:sldId id="268"/>
+            <p14:sldId id="277"/>
             <p14:sldId id="269"/>
+            <p14:sldId id="278"/>
+            <p14:sldId id="279"/>
             <p14:sldId id="274"/>
             <p14:sldId id="270"/>
             <p14:sldId id="271"/>
@@ -153,6 +161,8 @@
             <p14:sldId id="272"/>
             <p14:sldId id="275"/>
             <p14:sldId id="276"/>
+            <p14:sldId id="280"/>
+            <p14:sldId id="281"/>
           </p14:sldIdLst>
         </p14:section>
       </p14:sectionLst>
@@ -1186,7 +1196,7 @@
           <a:p>
             <a:fld id="{B28A30B8-AD89-40EE-9084-8E9B9867FB6F}" type="datetimeFigureOut">
               <a:rPr lang="ru-RU" smtClean="0"/>
-              <a:t>05.10.2022</a:t>
+              <a:t>18.10.2022</a:t>
             </a:fld>
             <a:endParaRPr lang="ru-RU"/>
           </a:p>
@@ -1621,6 +1631,90 @@
 </p:notes>
 </file>
 
+<file path=ppt/notesSlides/notesSlide3.xml><?xml version="1.0" encoding="utf-8"?>
+<p:notes xmlns:a="http://schemas.openxmlformats.org/drawingml/2006/main" xmlns:r="http://schemas.openxmlformats.org/officeDocument/2006/relationships" xmlns:p="http://schemas.openxmlformats.org/presentationml/2006/main">
+  <p:cSld>
+    <p:spTree>
+      <p:nvGrpSpPr>
+        <p:cNvPr id="1" name=""/>
+        <p:cNvGrpSpPr/>
+        <p:nvPr/>
+      </p:nvGrpSpPr>
+      <p:grpSpPr>
+        <a:xfrm>
+          <a:off x="0" y="0"/>
+          <a:ext cx="0" cy="0"/>
+          <a:chOff x="0" y="0"/>
+          <a:chExt cx="0" cy="0"/>
+        </a:xfrm>
+      </p:grpSpPr>
+      <p:sp>
+        <p:nvSpPr>
+          <p:cNvPr id="2" name="Образ слайда 1"/>
+          <p:cNvSpPr>
+            <a:spLocks noGrp="1" noRot="1" noChangeAspect="1"/>
+          </p:cNvSpPr>
+          <p:nvPr>
+            <p:ph type="sldImg"/>
+          </p:nvPr>
+        </p:nvSpPr>
+        <p:spPr/>
+      </p:sp>
+      <p:sp>
+        <p:nvSpPr>
+          <p:cNvPr id="3" name="Заметки 2"/>
+          <p:cNvSpPr>
+            <a:spLocks noGrp="1"/>
+          </p:cNvSpPr>
+          <p:nvPr>
+            <p:ph type="body" idx="1"/>
+          </p:nvPr>
+        </p:nvSpPr>
+        <p:spPr/>
+        <p:txBody>
+          <a:bodyPr/>
+          <a:lstStyle/>
+          <a:p>
+            <a:endParaRPr lang="ru-RU" dirty="0"/>
+          </a:p>
+        </p:txBody>
+      </p:sp>
+      <p:sp>
+        <p:nvSpPr>
+          <p:cNvPr id="4" name="Номер слайда 3"/>
+          <p:cNvSpPr>
+            <a:spLocks noGrp="1"/>
+          </p:cNvSpPr>
+          <p:nvPr>
+            <p:ph type="sldNum" sz="quarter" idx="5"/>
+          </p:nvPr>
+        </p:nvSpPr>
+        <p:spPr/>
+        <p:txBody>
+          <a:bodyPr/>
+          <a:lstStyle/>
+          <a:p>
+            <a:fld id="{9FB429E5-574D-4B6F-A9FA-F035E9874AED}" type="slidenum">
+              <a:rPr lang="ru-RU" smtClean="0"/>
+              <a:t>23</a:t>
+            </a:fld>
+            <a:endParaRPr lang="ru-RU"/>
+          </a:p>
+        </p:txBody>
+      </p:sp>
+    </p:spTree>
+    <p:extLst>
+      <p:ext uri="{BB962C8B-B14F-4D97-AF65-F5344CB8AC3E}">
+        <p14:creationId xmlns:p14="http://schemas.microsoft.com/office/powerpoint/2010/main" val="1264508952"/>
+      </p:ext>
+    </p:extLst>
+  </p:cSld>
+  <p:clrMapOvr>
+    <a:masterClrMapping/>
+  </p:clrMapOvr>
+</p:notes>
+</file>
+
 <file path=ppt/slideLayouts/slideLayout1.xml><?xml version="1.0" encoding="utf-8"?>
 <p:sldLayout xmlns:a="http://schemas.openxmlformats.org/drawingml/2006/main" xmlns:r="http://schemas.openxmlformats.org/officeDocument/2006/relationships" xmlns:p="http://schemas.openxmlformats.org/presentationml/2006/main" showMasterSp="0" type="title" preserve="1">
   <p:cSld name="Титульный слайд">
@@ -1791,7 +1885,7 @@
             <a:fld id="{87DE6118-2437-4B30-8E3C-4D2BE6020583}" type="datetimeFigureOut">
               <a:rPr lang="en-US" dirty="0"/>
               <a:pPr/>
-              <a:t>10/5/2022</a:t>
+              <a:t>10/18/2022</a:t>
             </a:fld>
             <a:endParaRPr lang="en-US" dirty="0"/>
           </a:p>
@@ -2117,7 +2211,7 @@
           <a:p>
             <a:fld id="{87DE6118-2437-4B30-8E3C-4D2BE6020583}" type="datetimeFigureOut">
               <a:rPr lang="en-US" dirty="0"/>
-              <a:t>10/5/2022</a:t>
+              <a:t>10/18/2022</a:t>
             </a:fld>
             <a:endParaRPr lang="en-US" dirty="0"/>
           </a:p>
@@ -2292,7 +2386,7 @@
           <a:p>
             <a:fld id="{87DE6118-2437-4B30-8E3C-4D2BE6020583}" type="datetimeFigureOut">
               <a:rPr lang="en-US" dirty="0"/>
-              <a:t>10/5/2022</a:t>
+              <a:t>10/18/2022</a:t>
             </a:fld>
             <a:endParaRPr lang="en-US" dirty="0"/>
           </a:p>
@@ -2457,7 +2551,7 @@
           <a:p>
             <a:fld id="{87DE6118-2437-4B30-8E3C-4D2BE6020583}" type="datetimeFigureOut">
               <a:rPr lang="en-US" dirty="0"/>
-              <a:t>10/5/2022</a:t>
+              <a:t>10/18/2022</a:t>
             </a:fld>
             <a:endParaRPr lang="en-US" dirty="0"/>
           </a:p>
@@ -2730,7 +2824,7 @@
             <a:fld id="{87DE6118-2437-4B30-8E3C-4D2BE6020583}" type="datetimeFigureOut">
               <a:rPr lang="en-US" dirty="0"/>
               <a:pPr/>
-              <a:t>10/5/2022</a:t>
+              <a:t>10/18/2022</a:t>
             </a:fld>
             <a:endParaRPr lang="en-US" dirty="0"/>
           </a:p>
@@ -3120,7 +3214,7 @@
           <a:p>
             <a:fld id="{87DE6118-2437-4B30-8E3C-4D2BE6020583}" type="datetimeFigureOut">
               <a:rPr lang="en-US" dirty="0"/>
-              <a:t>10/5/2022</a:t>
+              <a:t>10/18/2022</a:t>
             </a:fld>
             <a:endParaRPr lang="en-US" dirty="0"/>
           </a:p>
@@ -3592,7 +3686,7 @@
           <a:p>
             <a:fld id="{87DE6118-2437-4B30-8E3C-4D2BE6020583}" type="datetimeFigureOut">
               <a:rPr lang="en-US" dirty="0"/>
-              <a:t>10/5/2022</a:t>
+              <a:t>10/18/2022</a:t>
             </a:fld>
             <a:endParaRPr lang="en-US" dirty="0"/>
           </a:p>
@@ -3705,7 +3799,7 @@
           <a:p>
             <a:fld id="{87DE6118-2437-4B30-8E3C-4D2BE6020583}" type="datetimeFigureOut">
               <a:rPr lang="en-US" dirty="0"/>
-              <a:t>10/5/2022</a:t>
+              <a:t>10/18/2022</a:t>
             </a:fld>
             <a:endParaRPr lang="en-US" dirty="0"/>
           </a:p>
@@ -3795,7 +3889,7 @@
           <a:p>
             <a:fld id="{87DE6118-2437-4B30-8E3C-4D2BE6020583}" type="datetimeFigureOut">
               <a:rPr lang="en-US" dirty="0"/>
-              <a:t>10/5/2022</a:t>
+              <a:t>10/18/2022</a:t>
             </a:fld>
             <a:endParaRPr lang="en-US" dirty="0"/>
           </a:p>
@@ -4137,7 +4231,7 @@
             <a:fld id="{87DE6118-2437-4B30-8E3C-4D2BE6020583}" type="datetimeFigureOut">
               <a:rPr lang="en-US" dirty="0"/>
               <a:pPr/>
-              <a:t>10/5/2022</a:t>
+              <a:t>10/18/2022</a:t>
             </a:fld>
             <a:endParaRPr lang="en-US" dirty="0"/>
           </a:p>
@@ -4522,7 +4616,7 @@
             <a:fld id="{87DE6118-2437-4B30-8E3C-4D2BE6020583}" type="datetimeFigureOut">
               <a:rPr lang="en-US" dirty="0"/>
               <a:pPr/>
-              <a:t>10/5/2022</a:t>
+              <a:t>10/18/2022</a:t>
             </a:fld>
             <a:endParaRPr lang="en-US" dirty="0"/>
           </a:p>
@@ -4797,7 +4891,7 @@
             <a:fld id="{87DE6118-2437-4B30-8E3C-4D2BE6020583}" type="datetimeFigureOut">
               <a:rPr lang="en-US" dirty="0"/>
               <a:pPr/>
-              <a:t>10/5/2022</a:t>
+              <a:t>10/18/2022</a:t>
             </a:fld>
             <a:endParaRPr lang="en-US" dirty="0"/>
           </a:p>
@@ -6072,13 +6166,7 @@
           <p:cNvGraphicFramePr>
             <a:graphicFrameLocks noGrp="1"/>
           </p:cNvGraphicFramePr>
-          <p:nvPr>
-            <p:extLst>
-              <p:ext uri="{D42A27DB-BD31-4B8C-83A1-F6EECF244321}">
-                <p14:modId xmlns:p14="http://schemas.microsoft.com/office/powerpoint/2010/main" val="904510131"/>
-              </p:ext>
-            </p:extLst>
-          </p:nvPr>
+          <p:nvPr/>
         </p:nvGraphicFramePr>
         <p:xfrm>
           <a:off x="1676401" y="4081630"/>
@@ -6195,6 +6283,346 @@
     </p:spTree>
     <p:extLst>
       <p:ext uri="{BB962C8B-B14F-4D97-AF65-F5344CB8AC3E}">
+        <p14:creationId xmlns:p14="http://schemas.microsoft.com/office/powerpoint/2010/main" val="1339679053"/>
+      </p:ext>
+    </p:extLst>
+  </p:cSld>
+  <p:clrMapOvr>
+    <a:masterClrMapping/>
+  </p:clrMapOvr>
+</p:sld>
+</file>
+
+<file path=ppt/slides/slide15.xml><?xml version="1.0" encoding="utf-8"?>
+<p:sld xmlns:a="http://schemas.openxmlformats.org/drawingml/2006/main" xmlns:r="http://schemas.openxmlformats.org/officeDocument/2006/relationships" xmlns:p="http://schemas.openxmlformats.org/presentationml/2006/main">
+  <p:cSld>
+    <p:spTree>
+      <p:nvGrpSpPr>
+        <p:cNvPr id="1" name=""/>
+        <p:cNvGrpSpPr/>
+        <p:nvPr/>
+      </p:nvGrpSpPr>
+      <p:grpSpPr>
+        <a:xfrm>
+          <a:off x="0" y="0"/>
+          <a:ext cx="0" cy="0"/>
+          <a:chOff x="0" y="0"/>
+          <a:chExt cx="0" cy="0"/>
+        </a:xfrm>
+      </p:grpSpPr>
+      <p:sp>
+        <p:nvSpPr>
+          <p:cNvPr id="2" name="Заголовок 1">
+            <a:extLst>
+              <a:ext uri="{FF2B5EF4-FFF2-40B4-BE49-F238E27FC236}">
+                <a16:creationId xmlns:a16="http://schemas.microsoft.com/office/drawing/2014/main" id="{5E152202-6F1E-416A-BCFA-BBBF8E5DF1DA}"/>
+              </a:ext>
+            </a:extLst>
+          </p:cNvPr>
+          <p:cNvSpPr>
+            <a:spLocks noGrp="1"/>
+          </p:cNvSpPr>
+          <p:nvPr>
+            <p:ph type="title"/>
+          </p:nvPr>
+        </p:nvSpPr>
+        <p:spPr>
+          <a:xfrm>
+            <a:off x="770964" y="76200"/>
+            <a:ext cx="9601200" cy="1485900"/>
+          </a:xfrm>
+        </p:spPr>
+        <p:txBody>
+          <a:bodyPr/>
+          <a:lstStyle/>
+          <a:p>
+            <a:r>
+              <a:rPr lang="ru-RU" dirty="0"/>
+              <a:t>Описание пользователей</a:t>
+            </a:r>
+          </a:p>
+        </p:txBody>
+      </p:sp>
+      <p:sp>
+        <p:nvSpPr>
+          <p:cNvPr id="3" name="Объект 2">
+            <a:extLst>
+              <a:ext uri="{FF2B5EF4-FFF2-40B4-BE49-F238E27FC236}">
+                <a16:creationId xmlns:a16="http://schemas.microsoft.com/office/drawing/2014/main" id="{AC89C0AD-896F-430F-8DFA-362D8DAD15C9}"/>
+              </a:ext>
+            </a:extLst>
+          </p:cNvPr>
+          <p:cNvSpPr>
+            <a:spLocks noGrp="1"/>
+          </p:cNvSpPr>
+          <p:nvPr>
+            <p:ph idx="1"/>
+          </p:nvPr>
+        </p:nvSpPr>
+        <p:spPr>
+          <a:xfrm>
+            <a:off x="770964" y="819150"/>
+            <a:ext cx="9601200" cy="5962650"/>
+          </a:xfrm>
+        </p:spPr>
+        <p:txBody>
+          <a:bodyPr>
+            <a:normAutofit/>
+          </a:bodyPr>
+          <a:lstStyle/>
+          <a:p>
+            <a:r>
+              <a:rPr lang="ru-RU" dirty="0"/>
+              <a:t>Пациент</a:t>
+            </a:r>
+          </a:p>
+          <a:p>
+            <a:pPr marL="0" indent="0">
+              <a:buNone/>
+            </a:pPr>
+            <a:r>
+              <a:rPr lang="ru-RU" dirty="0"/>
+              <a:t>Описание пользователя</a:t>
+            </a:r>
+            <a:r>
+              <a:rPr lang="en-US" dirty="0"/>
+              <a:t>:</a:t>
+            </a:r>
+          </a:p>
+          <a:p>
+            <a:pPr marL="0" indent="0">
+              <a:buNone/>
+            </a:pPr>
+            <a:r>
+              <a:rPr lang="ru-RU" dirty="0"/>
+              <a:t>Молодой специалист, не имеет серьезных заболеваний. Необходимо пройти осмотр у врачей для работы.</a:t>
+            </a:r>
+          </a:p>
+          <a:p>
+            <a:pPr lvl="1"/>
+            <a:r>
+              <a:rPr lang="ru-RU" dirty="0"/>
+              <a:t>Количество</a:t>
+            </a:r>
+            <a:r>
+              <a:rPr lang="en-US" dirty="0"/>
+              <a:t>: </a:t>
+            </a:r>
+            <a:r>
+              <a:rPr lang="ru-RU" dirty="0"/>
+              <a:t>от 1 до</a:t>
+            </a:r>
+            <a:r>
+              <a:rPr lang="ru-RU" b="0" i="0" dirty="0">
+                <a:solidFill>
+                  <a:srgbClr val="4D5156"/>
+                </a:solidFill>
+                <a:effectLst/>
+                <a:latin typeface="arial" panose="020B0604020202020204" pitchFamily="34" charset="0"/>
+              </a:rPr>
+              <a:t> ∞</a:t>
+            </a:r>
+            <a:endParaRPr lang="ru-RU" dirty="0"/>
+          </a:p>
+          <a:p>
+            <a:pPr lvl="1"/>
+            <a:r>
+              <a:rPr lang="ru-RU" dirty="0"/>
+              <a:t>Возраст от 18 до 25 лет </a:t>
+            </a:r>
+          </a:p>
+          <a:p>
+            <a:pPr lvl="1"/>
+            <a:r>
+              <a:rPr lang="ru-RU" dirty="0"/>
+              <a:t>З</a:t>
+            </a:r>
+            <a:r>
+              <a:rPr lang="en-US" dirty="0"/>
+              <a:t>/</a:t>
+            </a:r>
+            <a:r>
+              <a:rPr lang="ru-RU" dirty="0"/>
+              <a:t>п</a:t>
+            </a:r>
+            <a:r>
+              <a:rPr lang="en-US" dirty="0"/>
+              <a:t>: </a:t>
+            </a:r>
+            <a:r>
+              <a:rPr lang="ru-RU" dirty="0"/>
+              <a:t>от 0 до </a:t>
+            </a:r>
+            <a:r>
+              <a:rPr lang="en-US" dirty="0"/>
+              <a:t>&gt;</a:t>
+            </a:r>
+            <a:r>
+              <a:rPr lang="ru-RU" dirty="0"/>
+              <a:t>1 000 000 рублей</a:t>
+            </a:r>
+          </a:p>
+          <a:p>
+            <a:pPr lvl="1"/>
+            <a:r>
+              <a:rPr lang="ru-RU" dirty="0"/>
+              <a:t>Пол</a:t>
+            </a:r>
+            <a:r>
+              <a:rPr lang="en-US" dirty="0"/>
+              <a:t>: </a:t>
+            </a:r>
+            <a:r>
+              <a:rPr lang="ru-RU" dirty="0"/>
+              <a:t>оба пола в равном количестве</a:t>
+            </a:r>
+          </a:p>
+          <a:p>
+            <a:pPr lvl="1"/>
+            <a:r>
+              <a:rPr lang="ru-RU" dirty="0"/>
+              <a:t>Общий уровень владения ПК</a:t>
+            </a:r>
+            <a:r>
+              <a:rPr lang="en-US" dirty="0"/>
+              <a:t>: </a:t>
+            </a:r>
+            <a:r>
+              <a:rPr lang="ru-RU" dirty="0"/>
+              <a:t>от абсолютного новичка до продвинутого пользователя</a:t>
+            </a:r>
+          </a:p>
+          <a:p>
+            <a:pPr lvl="1"/>
+            <a:r>
+              <a:rPr lang="ru-RU" dirty="0"/>
+              <a:t>Факторы затрудняющие работу с приложением</a:t>
+            </a:r>
+            <a:r>
+              <a:rPr lang="en-US" dirty="0"/>
+              <a:t>: </a:t>
+            </a:r>
+            <a:r>
+              <a:rPr lang="ru-RU" dirty="0"/>
+              <a:t>слепота</a:t>
+            </a:r>
+            <a:r>
+              <a:rPr lang="en-US" dirty="0"/>
+              <a:t>/</a:t>
+            </a:r>
+            <a:r>
+              <a:rPr lang="ru-RU" dirty="0"/>
+              <a:t>частичная слепота</a:t>
+            </a:r>
+            <a:r>
+              <a:rPr lang="en-US" dirty="0"/>
+              <a:t>, </a:t>
+            </a:r>
+            <a:r>
+              <a:rPr lang="ru-RU" dirty="0"/>
+              <a:t>дальтонизм, инвалидность(отсутствие конечностей), дислексия.</a:t>
+            </a:r>
+          </a:p>
+          <a:p>
+            <a:pPr lvl="1"/>
+            <a:endParaRPr lang="ru-RU" dirty="0"/>
+          </a:p>
+          <a:p>
+            <a:pPr lvl="1"/>
+            <a:endParaRPr lang="ru-RU" dirty="0"/>
+          </a:p>
+          <a:p>
+            <a:pPr lvl="1"/>
+            <a:endParaRPr lang="ru-RU" dirty="0"/>
+          </a:p>
+        </p:txBody>
+      </p:sp>
+      <p:graphicFrame>
+        <p:nvGraphicFramePr>
+          <p:cNvPr id="6" name="Таблица 7">
+            <a:extLst>
+              <a:ext uri="{FF2B5EF4-FFF2-40B4-BE49-F238E27FC236}">
+                <a16:creationId xmlns:a16="http://schemas.microsoft.com/office/drawing/2014/main" id="{0F489E68-4344-4D7A-BA15-7DC445F66AE1}"/>
+              </a:ext>
+            </a:extLst>
+          </p:cNvPr>
+          <p:cNvGraphicFramePr>
+            <a:graphicFrameLocks noGrp="1"/>
+          </p:cNvGraphicFramePr>
+          <p:nvPr>
+            <p:extLst>
+              <p:ext uri="{D42A27DB-BD31-4B8C-83A1-F6EECF244321}">
+                <p14:modId xmlns:p14="http://schemas.microsoft.com/office/powerpoint/2010/main" val="2802237842"/>
+              </p:ext>
+            </p:extLst>
+          </p:nvPr>
+        </p:nvGraphicFramePr>
+        <p:xfrm>
+          <a:off x="1443318" y="5363583"/>
+          <a:ext cx="5253317" cy="914400"/>
+        </p:xfrm>
+        <a:graphic>
+          <a:graphicData uri="http://schemas.openxmlformats.org/drawingml/2006/table">
+            <a:tbl>
+              <a:tblPr firstRow="1" bandRow="1">
+                <a:tableStyleId>{5C22544A-7EE6-4342-B048-85BDC9FD1C3A}</a:tableStyleId>
+              </a:tblPr>
+              <a:tblGrid>
+                <a:gridCol w="2739557">
+                  <a:extLst>
+                    <a:ext uri="{9D8B030D-6E8A-4147-A177-3AD203B41FA5}">
+                      <a16:colId xmlns:a16="http://schemas.microsoft.com/office/drawing/2014/main" val="1121572206"/>
+                    </a:ext>
+                  </a:extLst>
+                </a:gridCol>
+                <a:gridCol w="2513760">
+                  <a:extLst>
+                    <a:ext uri="{9D8B030D-6E8A-4147-A177-3AD203B41FA5}">
+                      <a16:colId xmlns:a16="http://schemas.microsoft.com/office/drawing/2014/main" val="1699846996"/>
+                    </a:ext>
+                  </a:extLst>
+                </a:gridCol>
+              </a:tblGrid>
+              <a:tr h="914400">
+                <a:tc>
+                  <a:txBody>
+                    <a:bodyPr/>
+                    <a:lstStyle/>
+                    <a:p>
+                      <a:r>
+                        <a:rPr lang="ru-RU" dirty="0"/>
+                        <a:t>Быстро пройти осмотр у врачей для работы</a:t>
+                      </a:r>
+                    </a:p>
+                  </a:txBody>
+                  <a:tcPr/>
+                </a:tc>
+                <a:tc>
+                  <a:txBody>
+                    <a:bodyPr/>
+                    <a:lstStyle/>
+                    <a:p>
+                      <a:r>
+                        <a:rPr lang="ru-RU" dirty="0"/>
+                        <a:t>Функция записи на осмотр</a:t>
+                      </a:r>
+                    </a:p>
+                  </a:txBody>
+                  <a:tcPr/>
+                </a:tc>
+                <a:extLst>
+                  <a:ext uri="{0D108BD9-81ED-4DB2-BD59-A6C34878D82A}">
+                    <a16:rowId xmlns:a16="http://schemas.microsoft.com/office/drawing/2014/main" val="4235443009"/>
+                  </a:ext>
+                </a:extLst>
+              </a:tr>
+            </a:tbl>
+          </a:graphicData>
+        </a:graphic>
+      </p:graphicFrame>
+    </p:spTree>
+    <p:extLst>
+      <p:ext uri="{BB962C8B-B14F-4D97-AF65-F5344CB8AC3E}">
         <p14:creationId xmlns:p14="http://schemas.microsoft.com/office/powerpoint/2010/main" val="2003731701"/>
       </p:ext>
     </p:extLst>
@@ -6205,7 +6633,732 @@
 </p:sld>
 </file>
 
-<file path=ppt/slides/slide15.xml><?xml version="1.0" encoding="utf-8"?>
+<file path=ppt/slides/slide16.xml><?xml version="1.0" encoding="utf-8"?>
+<p:sld xmlns:a="http://schemas.openxmlformats.org/drawingml/2006/main" xmlns:r="http://schemas.openxmlformats.org/officeDocument/2006/relationships" xmlns:p="http://schemas.openxmlformats.org/presentationml/2006/main">
+  <p:cSld>
+    <p:spTree>
+      <p:nvGrpSpPr>
+        <p:cNvPr id="1" name=""/>
+        <p:cNvGrpSpPr/>
+        <p:nvPr/>
+      </p:nvGrpSpPr>
+      <p:grpSpPr>
+        <a:xfrm>
+          <a:off x="0" y="0"/>
+          <a:ext cx="0" cy="0"/>
+          <a:chOff x="0" y="0"/>
+          <a:chExt cx="0" cy="0"/>
+        </a:xfrm>
+      </p:grpSpPr>
+      <p:sp>
+        <p:nvSpPr>
+          <p:cNvPr id="2" name="Заголовок 1">
+            <a:extLst>
+              <a:ext uri="{FF2B5EF4-FFF2-40B4-BE49-F238E27FC236}">
+                <a16:creationId xmlns:a16="http://schemas.microsoft.com/office/drawing/2014/main" id="{5E152202-6F1E-416A-BCFA-BBBF8E5DF1DA}"/>
+              </a:ext>
+            </a:extLst>
+          </p:cNvPr>
+          <p:cNvSpPr>
+            <a:spLocks noGrp="1"/>
+          </p:cNvSpPr>
+          <p:nvPr>
+            <p:ph type="title"/>
+          </p:nvPr>
+        </p:nvSpPr>
+        <p:spPr>
+          <a:xfrm>
+            <a:off x="770964" y="76200"/>
+            <a:ext cx="9601200" cy="1485900"/>
+          </a:xfrm>
+        </p:spPr>
+        <p:txBody>
+          <a:bodyPr/>
+          <a:lstStyle/>
+          <a:p>
+            <a:r>
+              <a:rPr lang="ru-RU" dirty="0"/>
+              <a:t>Описание пользователей</a:t>
+            </a:r>
+          </a:p>
+        </p:txBody>
+      </p:sp>
+      <p:sp>
+        <p:nvSpPr>
+          <p:cNvPr id="3" name="Объект 2">
+            <a:extLst>
+              <a:ext uri="{FF2B5EF4-FFF2-40B4-BE49-F238E27FC236}">
+                <a16:creationId xmlns:a16="http://schemas.microsoft.com/office/drawing/2014/main" id="{AC89C0AD-896F-430F-8DFA-362D8DAD15C9}"/>
+              </a:ext>
+            </a:extLst>
+          </p:cNvPr>
+          <p:cNvSpPr>
+            <a:spLocks noGrp="1"/>
+          </p:cNvSpPr>
+          <p:nvPr>
+            <p:ph idx="1"/>
+          </p:nvPr>
+        </p:nvSpPr>
+        <p:spPr>
+          <a:xfrm>
+            <a:off x="770963" y="819150"/>
+            <a:ext cx="11358283" cy="5962650"/>
+          </a:xfrm>
+        </p:spPr>
+        <p:txBody>
+          <a:bodyPr>
+            <a:normAutofit/>
+          </a:bodyPr>
+          <a:lstStyle/>
+          <a:p>
+            <a:r>
+              <a:rPr lang="ru-RU" dirty="0"/>
+              <a:t>Пациент</a:t>
+            </a:r>
+          </a:p>
+          <a:p>
+            <a:pPr marL="0" indent="0">
+              <a:buNone/>
+            </a:pPr>
+            <a:r>
+              <a:rPr lang="ru-RU" dirty="0"/>
+              <a:t>Описание пользователя</a:t>
+            </a:r>
+            <a:r>
+              <a:rPr lang="en-US" dirty="0"/>
+              <a:t>:</a:t>
+            </a:r>
+            <a:endParaRPr lang="ru-RU" dirty="0"/>
+          </a:p>
+          <a:p>
+            <a:pPr marL="0" indent="0">
+              <a:buNone/>
+            </a:pPr>
+            <a:r>
+              <a:rPr lang="ru-RU" dirty="0"/>
+              <a:t>Имеет заболевания средней тяжести. Важно к какому специалисту обратиться. Необходима профессиональная консультация.</a:t>
+            </a:r>
+            <a:endParaRPr lang="en-US" dirty="0"/>
+          </a:p>
+          <a:p>
+            <a:pPr lvl="1"/>
+            <a:r>
+              <a:rPr lang="ru-RU" dirty="0"/>
+              <a:t>Количество</a:t>
+            </a:r>
+            <a:r>
+              <a:rPr lang="en-US" dirty="0"/>
+              <a:t>: </a:t>
+            </a:r>
+            <a:r>
+              <a:rPr lang="ru-RU" dirty="0"/>
+              <a:t>от 1 до</a:t>
+            </a:r>
+            <a:r>
+              <a:rPr lang="ru-RU" b="0" i="0" dirty="0">
+                <a:solidFill>
+                  <a:srgbClr val="4D5156"/>
+                </a:solidFill>
+                <a:effectLst/>
+                <a:latin typeface="arial" panose="020B0604020202020204" pitchFamily="34" charset="0"/>
+              </a:rPr>
+              <a:t> ∞</a:t>
+            </a:r>
+            <a:endParaRPr lang="ru-RU" dirty="0"/>
+          </a:p>
+          <a:p>
+            <a:pPr lvl="1"/>
+            <a:r>
+              <a:rPr lang="ru-RU" dirty="0"/>
+              <a:t>Возраст от 25 до 55 лет </a:t>
+            </a:r>
+          </a:p>
+          <a:p>
+            <a:pPr lvl="1"/>
+            <a:r>
+              <a:rPr lang="ru-RU" dirty="0"/>
+              <a:t>З</a:t>
+            </a:r>
+            <a:r>
+              <a:rPr lang="en-US" dirty="0"/>
+              <a:t>/</a:t>
+            </a:r>
+            <a:r>
+              <a:rPr lang="ru-RU" dirty="0"/>
+              <a:t>п</a:t>
+            </a:r>
+            <a:r>
+              <a:rPr lang="en-US" dirty="0"/>
+              <a:t>: </a:t>
+            </a:r>
+            <a:r>
+              <a:rPr lang="ru-RU" dirty="0"/>
+              <a:t>от 20 000 до </a:t>
+            </a:r>
+            <a:r>
+              <a:rPr lang="en-US" dirty="0"/>
+              <a:t>&gt;</a:t>
+            </a:r>
+            <a:r>
+              <a:rPr lang="ru-RU" dirty="0"/>
+              <a:t>1 000 000 рублей</a:t>
+            </a:r>
+          </a:p>
+          <a:p>
+            <a:pPr lvl="1"/>
+            <a:r>
+              <a:rPr lang="ru-RU" dirty="0"/>
+              <a:t>Пол</a:t>
+            </a:r>
+            <a:r>
+              <a:rPr lang="en-US" dirty="0"/>
+              <a:t>: </a:t>
+            </a:r>
+            <a:r>
+              <a:rPr lang="ru-RU" dirty="0"/>
+              <a:t>оба пола в равном количестве</a:t>
+            </a:r>
+          </a:p>
+          <a:p>
+            <a:pPr lvl="1"/>
+            <a:r>
+              <a:rPr lang="ru-RU" dirty="0"/>
+              <a:t>Общий уровень владения ПК</a:t>
+            </a:r>
+            <a:r>
+              <a:rPr lang="en-US" dirty="0"/>
+              <a:t>: </a:t>
+            </a:r>
+            <a:r>
+              <a:rPr lang="ru-RU" dirty="0"/>
+              <a:t>от абсолютного новичка до продвинутого пользователя</a:t>
+            </a:r>
+          </a:p>
+          <a:p>
+            <a:pPr lvl="1"/>
+            <a:r>
+              <a:rPr lang="ru-RU" dirty="0"/>
+              <a:t>Факторы затрудняющие работу с приложением</a:t>
+            </a:r>
+            <a:r>
+              <a:rPr lang="en-US" dirty="0"/>
+              <a:t>: </a:t>
+            </a:r>
+            <a:r>
+              <a:rPr lang="ru-RU" dirty="0"/>
+              <a:t>слепота</a:t>
+            </a:r>
+            <a:r>
+              <a:rPr lang="en-US" dirty="0"/>
+              <a:t>/</a:t>
+            </a:r>
+            <a:r>
+              <a:rPr lang="ru-RU" dirty="0"/>
+              <a:t>частичная слепота</a:t>
+            </a:r>
+            <a:r>
+              <a:rPr lang="en-US" dirty="0"/>
+              <a:t>, </a:t>
+            </a:r>
+            <a:r>
+              <a:rPr lang="ru-RU" dirty="0"/>
+              <a:t>дальтонизм, инвалидность(отсутствие конечностей), дислексия.</a:t>
+            </a:r>
+          </a:p>
+          <a:p>
+            <a:pPr lvl="1"/>
+            <a:endParaRPr lang="ru-RU" dirty="0"/>
+          </a:p>
+          <a:p>
+            <a:pPr lvl="1"/>
+            <a:endParaRPr lang="ru-RU" dirty="0"/>
+          </a:p>
+          <a:p>
+            <a:pPr lvl="1"/>
+            <a:endParaRPr lang="ru-RU" dirty="0"/>
+          </a:p>
+        </p:txBody>
+      </p:sp>
+      <p:graphicFrame>
+        <p:nvGraphicFramePr>
+          <p:cNvPr id="5" name="Таблица 7">
+            <a:extLst>
+              <a:ext uri="{FF2B5EF4-FFF2-40B4-BE49-F238E27FC236}">
+                <a16:creationId xmlns:a16="http://schemas.microsoft.com/office/drawing/2014/main" id="{465BE8AC-1A7E-45E7-B76E-121AAF7E0D10}"/>
+              </a:ext>
+            </a:extLst>
+          </p:cNvPr>
+          <p:cNvGraphicFramePr>
+            <a:graphicFrameLocks noGrp="1"/>
+          </p:cNvGraphicFramePr>
+          <p:nvPr>
+            <p:extLst>
+              <p:ext uri="{D42A27DB-BD31-4B8C-83A1-F6EECF244321}">
+                <p14:modId xmlns:p14="http://schemas.microsoft.com/office/powerpoint/2010/main" val="1843753989"/>
+              </p:ext>
+            </p:extLst>
+          </p:nvPr>
+        </p:nvGraphicFramePr>
+        <p:xfrm>
+          <a:off x="1443319" y="4875903"/>
+          <a:ext cx="6454588" cy="1737472"/>
+        </p:xfrm>
+        <a:graphic>
+          <a:graphicData uri="http://schemas.openxmlformats.org/drawingml/2006/table">
+            <a:tbl>
+              <a:tblPr firstRow="1" bandRow="1">
+                <a:tableStyleId>{5C22544A-7EE6-4342-B048-85BDC9FD1C3A}</a:tableStyleId>
+              </a:tblPr>
+              <a:tblGrid>
+                <a:gridCol w="3438075">
+                  <a:extLst>
+                    <a:ext uri="{9D8B030D-6E8A-4147-A177-3AD203B41FA5}">
+                      <a16:colId xmlns:a16="http://schemas.microsoft.com/office/drawing/2014/main" val="1121572206"/>
+                    </a:ext>
+                  </a:extLst>
+                </a:gridCol>
+                <a:gridCol w="3016513">
+                  <a:extLst>
+                    <a:ext uri="{9D8B030D-6E8A-4147-A177-3AD203B41FA5}">
+                      <a16:colId xmlns:a16="http://schemas.microsoft.com/office/drawing/2014/main" val="1699846996"/>
+                    </a:ext>
+                  </a:extLst>
+                </a:gridCol>
+              </a:tblGrid>
+              <a:tr h="823072">
+                <a:tc>
+                  <a:txBody>
+                    <a:bodyPr/>
+                    <a:lstStyle/>
+                    <a:p>
+                      <a:r>
+                        <a:rPr lang="ru-RU" dirty="0"/>
+                        <a:t>Записаться к определенному врачу на осмотр</a:t>
+                      </a:r>
+                    </a:p>
+                  </a:txBody>
+                  <a:tcPr/>
+                </a:tc>
+                <a:tc>
+                  <a:txBody>
+                    <a:bodyPr/>
+                    <a:lstStyle/>
+                    <a:p>
+                      <a:r>
+                        <a:rPr lang="ru-RU" dirty="0"/>
+                        <a:t>Функция записи к определенному врачу на осмотр</a:t>
+                      </a:r>
+                    </a:p>
+                  </a:txBody>
+                  <a:tcPr/>
+                </a:tc>
+                <a:extLst>
+                  <a:ext uri="{0D108BD9-81ED-4DB2-BD59-A6C34878D82A}">
+                    <a16:rowId xmlns:a16="http://schemas.microsoft.com/office/drawing/2014/main" val="4235443009"/>
+                  </a:ext>
+                </a:extLst>
+              </a:tr>
+              <a:tr h="823072">
+                <a:tc>
+                  <a:txBody>
+                    <a:bodyPr/>
+                    <a:lstStyle/>
+                    <a:p>
+                      <a:r>
+                        <a:rPr lang="ru-RU" dirty="0"/>
+                        <a:t>Найти</a:t>
+                      </a:r>
+                      <a:r>
+                        <a:rPr lang="en-US" dirty="0"/>
+                        <a:t> </a:t>
+                      </a:r>
+                      <a:r>
+                        <a:rPr lang="ru-RU" dirty="0"/>
+                        <a:t>профессионального специалиста</a:t>
+                      </a:r>
+                    </a:p>
+                  </a:txBody>
+                  <a:tcPr/>
+                </a:tc>
+                <a:tc>
+                  <a:txBody>
+                    <a:bodyPr/>
+                    <a:lstStyle/>
+                    <a:p>
+                      <a:r>
+                        <a:rPr lang="ru-RU" dirty="0"/>
+                        <a:t>Функция поиска специалистов в системе</a:t>
+                      </a:r>
+                    </a:p>
+                  </a:txBody>
+                  <a:tcPr/>
+                </a:tc>
+                <a:extLst>
+                  <a:ext uri="{0D108BD9-81ED-4DB2-BD59-A6C34878D82A}">
+                    <a16:rowId xmlns:a16="http://schemas.microsoft.com/office/drawing/2014/main" val="2218733457"/>
+                  </a:ext>
+                </a:extLst>
+              </a:tr>
+            </a:tbl>
+          </a:graphicData>
+        </a:graphic>
+      </p:graphicFrame>
+    </p:spTree>
+    <p:extLst>
+      <p:ext uri="{BB962C8B-B14F-4D97-AF65-F5344CB8AC3E}">
+        <p14:creationId xmlns:p14="http://schemas.microsoft.com/office/powerpoint/2010/main" val="4173592095"/>
+      </p:ext>
+    </p:extLst>
+  </p:cSld>
+  <p:clrMapOvr>
+    <a:masterClrMapping/>
+  </p:clrMapOvr>
+</p:sld>
+</file>
+
+<file path=ppt/slides/slide17.xml><?xml version="1.0" encoding="utf-8"?>
+<p:sld xmlns:a="http://schemas.openxmlformats.org/drawingml/2006/main" xmlns:r="http://schemas.openxmlformats.org/officeDocument/2006/relationships" xmlns:p="http://schemas.openxmlformats.org/presentationml/2006/main">
+  <p:cSld>
+    <p:spTree>
+      <p:nvGrpSpPr>
+        <p:cNvPr id="1" name=""/>
+        <p:cNvGrpSpPr/>
+        <p:nvPr/>
+      </p:nvGrpSpPr>
+      <p:grpSpPr>
+        <a:xfrm>
+          <a:off x="0" y="0"/>
+          <a:ext cx="0" cy="0"/>
+          <a:chOff x="0" y="0"/>
+          <a:chExt cx="0" cy="0"/>
+        </a:xfrm>
+      </p:grpSpPr>
+      <p:sp>
+        <p:nvSpPr>
+          <p:cNvPr id="2" name="Заголовок 1">
+            <a:extLst>
+              <a:ext uri="{FF2B5EF4-FFF2-40B4-BE49-F238E27FC236}">
+                <a16:creationId xmlns:a16="http://schemas.microsoft.com/office/drawing/2014/main" id="{5E152202-6F1E-416A-BCFA-BBBF8E5DF1DA}"/>
+              </a:ext>
+            </a:extLst>
+          </p:cNvPr>
+          <p:cNvSpPr>
+            <a:spLocks noGrp="1"/>
+          </p:cNvSpPr>
+          <p:nvPr>
+            <p:ph type="title"/>
+          </p:nvPr>
+        </p:nvSpPr>
+        <p:spPr>
+          <a:xfrm>
+            <a:off x="770964" y="76200"/>
+            <a:ext cx="9601200" cy="1485900"/>
+          </a:xfrm>
+        </p:spPr>
+        <p:txBody>
+          <a:bodyPr/>
+          <a:lstStyle/>
+          <a:p>
+            <a:r>
+              <a:rPr lang="ru-RU" dirty="0"/>
+              <a:t>Описание пользователей</a:t>
+            </a:r>
+          </a:p>
+        </p:txBody>
+      </p:sp>
+      <p:sp>
+        <p:nvSpPr>
+          <p:cNvPr id="3" name="Объект 2">
+            <a:extLst>
+              <a:ext uri="{FF2B5EF4-FFF2-40B4-BE49-F238E27FC236}">
+                <a16:creationId xmlns:a16="http://schemas.microsoft.com/office/drawing/2014/main" id="{AC89C0AD-896F-430F-8DFA-362D8DAD15C9}"/>
+              </a:ext>
+            </a:extLst>
+          </p:cNvPr>
+          <p:cNvSpPr>
+            <a:spLocks noGrp="1"/>
+          </p:cNvSpPr>
+          <p:nvPr>
+            <p:ph idx="1"/>
+          </p:nvPr>
+        </p:nvSpPr>
+        <p:spPr>
+          <a:xfrm>
+            <a:off x="770963" y="819150"/>
+            <a:ext cx="11358283" cy="5962650"/>
+          </a:xfrm>
+        </p:spPr>
+        <p:txBody>
+          <a:bodyPr>
+            <a:normAutofit/>
+          </a:bodyPr>
+          <a:lstStyle/>
+          <a:p>
+            <a:r>
+              <a:rPr lang="ru-RU" dirty="0"/>
+              <a:t>Пациент</a:t>
+            </a:r>
+          </a:p>
+          <a:p>
+            <a:pPr marL="0" indent="0">
+              <a:buNone/>
+            </a:pPr>
+            <a:r>
+              <a:rPr lang="ru-RU" dirty="0"/>
+              <a:t>Описание пользователя</a:t>
+            </a:r>
+            <a:r>
+              <a:rPr lang="en-US" dirty="0"/>
+              <a:t>:</a:t>
+            </a:r>
+            <a:endParaRPr lang="ru-RU" dirty="0"/>
+          </a:p>
+          <a:p>
+            <a:pPr marL="0" indent="0">
+              <a:buNone/>
+            </a:pPr>
+            <a:r>
+              <a:rPr lang="ru-RU" dirty="0"/>
+              <a:t>Имеет заболевания как средней тяжести так и тяжелые. Необходимо часто ходить на осмотры и часто записываться ко врачам</a:t>
+            </a:r>
+            <a:endParaRPr lang="en-US" dirty="0"/>
+          </a:p>
+          <a:p>
+            <a:pPr lvl="1"/>
+            <a:r>
+              <a:rPr lang="ru-RU" dirty="0"/>
+              <a:t>Количество</a:t>
+            </a:r>
+            <a:r>
+              <a:rPr lang="en-US" dirty="0"/>
+              <a:t>: </a:t>
+            </a:r>
+            <a:r>
+              <a:rPr lang="ru-RU" dirty="0"/>
+              <a:t>от 1 до</a:t>
+            </a:r>
+            <a:r>
+              <a:rPr lang="ru-RU" b="0" i="0" dirty="0">
+                <a:solidFill>
+                  <a:srgbClr val="4D5156"/>
+                </a:solidFill>
+                <a:effectLst/>
+                <a:latin typeface="arial" panose="020B0604020202020204" pitchFamily="34" charset="0"/>
+              </a:rPr>
+              <a:t> ∞</a:t>
+            </a:r>
+            <a:endParaRPr lang="ru-RU" dirty="0"/>
+          </a:p>
+          <a:p>
+            <a:pPr lvl="1"/>
+            <a:r>
+              <a:rPr lang="ru-RU" dirty="0"/>
+              <a:t>Возраст от 55 до 70 лет </a:t>
+            </a:r>
+          </a:p>
+          <a:p>
+            <a:pPr lvl="1"/>
+            <a:r>
+              <a:rPr lang="ru-RU" dirty="0"/>
+              <a:t>З</a:t>
+            </a:r>
+            <a:r>
+              <a:rPr lang="en-US" dirty="0"/>
+              <a:t>/</a:t>
+            </a:r>
+            <a:r>
+              <a:rPr lang="ru-RU" dirty="0"/>
+              <a:t>п</a:t>
+            </a:r>
+            <a:r>
+              <a:rPr lang="en-US" dirty="0"/>
+              <a:t>: </a:t>
+            </a:r>
+            <a:r>
+              <a:rPr lang="ru-RU" dirty="0"/>
+              <a:t>от 20 000 до </a:t>
+            </a:r>
+            <a:r>
+              <a:rPr lang="en-US" dirty="0"/>
+              <a:t>&gt;</a:t>
+            </a:r>
+            <a:r>
+              <a:rPr lang="ru-RU" dirty="0"/>
+              <a:t>1 000 000 рублей</a:t>
+            </a:r>
+          </a:p>
+          <a:p>
+            <a:pPr lvl="1"/>
+            <a:r>
+              <a:rPr lang="ru-RU" dirty="0"/>
+              <a:t>Пол</a:t>
+            </a:r>
+            <a:r>
+              <a:rPr lang="en-US" dirty="0"/>
+              <a:t>: </a:t>
+            </a:r>
+            <a:r>
+              <a:rPr lang="ru-RU" dirty="0"/>
+              <a:t>оба пола в равном количестве</a:t>
+            </a:r>
+          </a:p>
+          <a:p>
+            <a:pPr lvl="1"/>
+            <a:r>
+              <a:rPr lang="ru-RU" dirty="0"/>
+              <a:t>Общий уровень владения ПК</a:t>
+            </a:r>
+            <a:r>
+              <a:rPr lang="en-US" dirty="0"/>
+              <a:t>: </a:t>
+            </a:r>
+            <a:r>
+              <a:rPr lang="ru-RU" dirty="0"/>
+              <a:t>от абсолютного новичка до продвинутого пользователя</a:t>
+            </a:r>
+          </a:p>
+          <a:p>
+            <a:pPr lvl="1"/>
+            <a:r>
+              <a:rPr lang="ru-RU" dirty="0"/>
+              <a:t>Факторы затрудняющие работу с приложением</a:t>
+            </a:r>
+            <a:r>
+              <a:rPr lang="en-US" dirty="0"/>
+              <a:t>: </a:t>
+            </a:r>
+            <a:r>
+              <a:rPr lang="ru-RU" dirty="0"/>
+              <a:t>слепота</a:t>
+            </a:r>
+            <a:r>
+              <a:rPr lang="en-US" dirty="0"/>
+              <a:t>/</a:t>
+            </a:r>
+            <a:r>
+              <a:rPr lang="ru-RU" dirty="0"/>
+              <a:t>частичная слепота</a:t>
+            </a:r>
+            <a:r>
+              <a:rPr lang="en-US" dirty="0"/>
+              <a:t>, </a:t>
+            </a:r>
+            <a:r>
+              <a:rPr lang="ru-RU" dirty="0"/>
+              <a:t>дальтонизм, инвалидность(отсутствие конечностей), дислексия.</a:t>
+            </a:r>
+          </a:p>
+          <a:p>
+            <a:pPr lvl="1"/>
+            <a:endParaRPr lang="ru-RU" dirty="0"/>
+          </a:p>
+          <a:p>
+            <a:pPr lvl="1"/>
+            <a:endParaRPr lang="ru-RU" dirty="0"/>
+          </a:p>
+          <a:p>
+            <a:pPr lvl="1"/>
+            <a:endParaRPr lang="ru-RU" dirty="0"/>
+          </a:p>
+        </p:txBody>
+      </p:sp>
+      <p:graphicFrame>
+        <p:nvGraphicFramePr>
+          <p:cNvPr id="6" name="Таблица 7">
+            <a:extLst>
+              <a:ext uri="{FF2B5EF4-FFF2-40B4-BE49-F238E27FC236}">
+                <a16:creationId xmlns:a16="http://schemas.microsoft.com/office/drawing/2014/main" id="{84193289-78CC-4E53-9F70-64516B9B2169}"/>
+              </a:ext>
+            </a:extLst>
+          </p:cNvPr>
+          <p:cNvGraphicFramePr>
+            <a:graphicFrameLocks noGrp="1"/>
+          </p:cNvGraphicFramePr>
+          <p:nvPr>
+            <p:extLst>
+              <p:ext uri="{D42A27DB-BD31-4B8C-83A1-F6EECF244321}">
+                <p14:modId xmlns:p14="http://schemas.microsoft.com/office/powerpoint/2010/main" val="3270739732"/>
+              </p:ext>
+            </p:extLst>
+          </p:nvPr>
+        </p:nvGraphicFramePr>
+        <p:xfrm>
+          <a:off x="986115" y="5215778"/>
+          <a:ext cx="6615954" cy="823072"/>
+        </p:xfrm>
+        <a:graphic>
+          <a:graphicData uri="http://schemas.openxmlformats.org/drawingml/2006/table">
+            <a:tbl>
+              <a:tblPr firstRow="1" bandRow="1">
+                <a:tableStyleId>{5C22544A-7EE6-4342-B048-85BDC9FD1C3A}</a:tableStyleId>
+              </a:tblPr>
+              <a:tblGrid>
+                <a:gridCol w="3524028">
+                  <a:extLst>
+                    <a:ext uri="{9D8B030D-6E8A-4147-A177-3AD203B41FA5}">
+                      <a16:colId xmlns:a16="http://schemas.microsoft.com/office/drawing/2014/main" val="1121572206"/>
+                    </a:ext>
+                  </a:extLst>
+                </a:gridCol>
+                <a:gridCol w="3091926">
+                  <a:extLst>
+                    <a:ext uri="{9D8B030D-6E8A-4147-A177-3AD203B41FA5}">
+                      <a16:colId xmlns:a16="http://schemas.microsoft.com/office/drawing/2014/main" val="1699846996"/>
+                    </a:ext>
+                  </a:extLst>
+                </a:gridCol>
+              </a:tblGrid>
+              <a:tr h="823072">
+                <a:tc>
+                  <a:txBody>
+                    <a:bodyPr/>
+                    <a:lstStyle/>
+                    <a:p>
+                      <a:r>
+                        <a:rPr lang="ru-RU" dirty="0"/>
+                        <a:t>Записаться на очередной прием</a:t>
+                      </a:r>
+                    </a:p>
+                  </a:txBody>
+                  <a:tcPr/>
+                </a:tc>
+                <a:tc>
+                  <a:txBody>
+                    <a:bodyPr/>
+                    <a:lstStyle/>
+                    <a:p>
+                      <a:r>
+                        <a:rPr lang="ru-RU" dirty="0"/>
+                        <a:t>Функция записи на прием у врача</a:t>
+                      </a:r>
+                    </a:p>
+                  </a:txBody>
+                  <a:tcPr/>
+                </a:tc>
+                <a:extLst>
+                  <a:ext uri="{0D108BD9-81ED-4DB2-BD59-A6C34878D82A}">
+                    <a16:rowId xmlns:a16="http://schemas.microsoft.com/office/drawing/2014/main" val="4235443009"/>
+                  </a:ext>
+                </a:extLst>
+              </a:tr>
+            </a:tbl>
+          </a:graphicData>
+        </a:graphic>
+      </p:graphicFrame>
+    </p:spTree>
+    <p:extLst>
+      <p:ext uri="{BB962C8B-B14F-4D97-AF65-F5344CB8AC3E}">
+        <p14:creationId xmlns:p14="http://schemas.microsoft.com/office/powerpoint/2010/main" val="78723407"/>
+      </p:ext>
+    </p:extLst>
+  </p:cSld>
+  <p:clrMapOvr>
+    <a:masterClrMapping/>
+  </p:clrMapOvr>
+</p:sld>
+</file>
+
+<file path=ppt/slides/slide18.xml><?xml version="1.0" encoding="utf-8"?>
 <p:sld xmlns:a="http://schemas.openxmlformats.org/drawingml/2006/main" xmlns:r="http://schemas.openxmlformats.org/officeDocument/2006/relationships" xmlns:p="http://schemas.openxmlformats.org/presentationml/2006/main">
   <p:cSld>
     <p:spTree>
@@ -6638,7 +7791,7 @@
 </p:sld>
 </file>
 
-<file path=ppt/slides/slide16.xml><?xml version="1.0" encoding="utf-8"?>
+<file path=ppt/slides/slide19.xml><?xml version="1.0" encoding="utf-8"?>
 <p:sld xmlns:a="http://schemas.openxmlformats.org/drawingml/2006/main" xmlns:r="http://schemas.openxmlformats.org/officeDocument/2006/relationships" xmlns:p="http://schemas.openxmlformats.org/presentationml/2006/main">
   <p:cSld>
     <p:spTree>
@@ -7237,7 +8390,181 @@
 </p:sld>
 </file>
 
-<file path=ppt/slides/slide17.xml><?xml version="1.0" encoding="utf-8"?>
+<file path=ppt/slides/slide2.xml><?xml version="1.0" encoding="utf-8"?>
+<p:sld xmlns:a="http://schemas.openxmlformats.org/drawingml/2006/main" xmlns:r="http://schemas.openxmlformats.org/officeDocument/2006/relationships" xmlns:p="http://schemas.openxmlformats.org/presentationml/2006/main">
+  <p:cSld>
+    <p:spTree>
+      <p:nvGrpSpPr>
+        <p:cNvPr id="1" name=""/>
+        <p:cNvGrpSpPr/>
+        <p:nvPr/>
+      </p:nvGrpSpPr>
+      <p:grpSpPr>
+        <a:xfrm>
+          <a:off x="0" y="0"/>
+          <a:ext cx="0" cy="0"/>
+          <a:chOff x="0" y="0"/>
+          <a:chExt cx="0" cy="0"/>
+        </a:xfrm>
+      </p:grpSpPr>
+      <p:sp>
+        <p:nvSpPr>
+          <p:cNvPr id="2" name="Заголовок 1">
+            <a:extLst>
+              <a:ext uri="{FF2B5EF4-FFF2-40B4-BE49-F238E27FC236}">
+                <a16:creationId xmlns:a16="http://schemas.microsoft.com/office/drawing/2014/main" id="{0AB35B5D-2761-46B1-97FA-83414C199ED3}"/>
+              </a:ext>
+            </a:extLst>
+          </p:cNvPr>
+          <p:cNvSpPr>
+            <a:spLocks noGrp="1"/>
+          </p:cNvSpPr>
+          <p:nvPr>
+            <p:ph type="title"/>
+          </p:nvPr>
+        </p:nvSpPr>
+        <p:spPr>
+          <a:xfrm>
+            <a:off x="1295400" y="324740"/>
+            <a:ext cx="9601200" cy="1240208"/>
+          </a:xfrm>
+        </p:spPr>
+        <p:txBody>
+          <a:bodyPr>
+            <a:normAutofit fontScale="90000"/>
+          </a:bodyPr>
+          <a:lstStyle/>
+          <a:p>
+            <a:r>
+              <a:rPr lang="ru-RU" dirty="0"/>
+              <a:t>Название проекта</a:t>
+            </a:r>
+            <a:r>
+              <a:rPr lang="en-US" dirty="0"/>
+              <a:t>:</a:t>
+            </a:r>
+            <a:r>
+              <a:rPr lang="ru-RU" sz="4400" dirty="0"/>
+              <a:t> </a:t>
+            </a:r>
+            <a:br>
+              <a:rPr lang="en-US" sz="4400" dirty="0"/>
+            </a:br>
+            <a:r>
+              <a:rPr lang="ru-RU" sz="3600" dirty="0"/>
+              <a:t>Система учета пациентов</a:t>
+            </a:r>
+            <a:br>
+              <a:rPr lang="ru-RU" dirty="0"/>
+            </a:br>
+            <a:endParaRPr lang="ru-RU" dirty="0"/>
+          </a:p>
+        </p:txBody>
+      </p:sp>
+      <p:sp>
+        <p:nvSpPr>
+          <p:cNvPr id="3" name="Объект 2">
+            <a:extLst>
+              <a:ext uri="{FF2B5EF4-FFF2-40B4-BE49-F238E27FC236}">
+                <a16:creationId xmlns:a16="http://schemas.microsoft.com/office/drawing/2014/main" id="{B1C1B389-4B4D-45B5-BCC6-6B5E1A2FEFBA}"/>
+              </a:ext>
+            </a:extLst>
+          </p:cNvPr>
+          <p:cNvSpPr>
+            <a:spLocks noGrp="1"/>
+          </p:cNvSpPr>
+          <p:nvPr>
+            <p:ph idx="1"/>
+          </p:nvPr>
+        </p:nvSpPr>
+        <p:spPr>
+          <a:xfrm>
+            <a:off x="709301" y="1845892"/>
+            <a:ext cx="11482699" cy="4854011"/>
+          </a:xfrm>
+        </p:spPr>
+        <p:txBody>
+          <a:bodyPr/>
+          <a:lstStyle/>
+          <a:p>
+            <a:pPr marL="0" indent="0">
+              <a:buNone/>
+            </a:pPr>
+            <a:r>
+              <a:rPr lang="ru-RU" dirty="0"/>
+              <a:t>Цель проекта</a:t>
+            </a:r>
+            <a:r>
+              <a:rPr lang="en-US" dirty="0"/>
+              <a:t>:</a:t>
+            </a:r>
+            <a:endParaRPr lang="ru-RU" dirty="0"/>
+          </a:p>
+          <a:p>
+            <a:pPr marL="0" indent="0">
+              <a:buNone/>
+            </a:pPr>
+            <a:r>
+              <a:rPr lang="ru-RU" dirty="0"/>
+              <a:t>Автоматизировать, ускорить и упростить работу с данными пациентов.</a:t>
+            </a:r>
+          </a:p>
+          <a:p>
+            <a:pPr marL="0" indent="0">
+              <a:buNone/>
+            </a:pPr>
+            <a:r>
+              <a:rPr lang="ru-RU" dirty="0"/>
+              <a:t>Задачи проекта</a:t>
+            </a:r>
+            <a:r>
+              <a:rPr lang="en-US" dirty="0"/>
+              <a:t>:</a:t>
+            </a:r>
+          </a:p>
+          <a:p>
+            <a:r>
+              <a:rPr lang="ru-RU" dirty="0"/>
+              <a:t>Автоматизация и ускорение процесса учета пациентов</a:t>
+            </a:r>
+          </a:p>
+          <a:p>
+            <a:r>
+              <a:rPr lang="ru-RU" dirty="0"/>
+              <a:t>Ускорение процесса документооборота </a:t>
+            </a:r>
+          </a:p>
+          <a:p>
+            <a:r>
+              <a:rPr lang="ru-RU" dirty="0"/>
+              <a:t>Уменьшение человеческих ошибок при работе с документами</a:t>
+            </a:r>
+          </a:p>
+          <a:p>
+            <a:pPr marL="0" indent="0">
+              <a:buNone/>
+            </a:pPr>
+            <a:endParaRPr lang="en-US" dirty="0"/>
+          </a:p>
+          <a:p>
+            <a:endParaRPr lang="ru-RU" dirty="0"/>
+          </a:p>
+        </p:txBody>
+      </p:sp>
+    </p:spTree>
+    <p:extLst>
+      <p:ext uri="{BB962C8B-B14F-4D97-AF65-F5344CB8AC3E}">
+        <p14:creationId xmlns:p14="http://schemas.microsoft.com/office/powerpoint/2010/main" val="723788343"/>
+      </p:ext>
+    </p:extLst>
+  </p:cSld>
+  <p:clrMapOvr>
+    <a:masterClrMapping/>
+  </p:clrMapOvr>
+</p:sld>
+</file>
+
+<file path=ppt/slides/slide20.xml><?xml version="1.0" encoding="utf-8"?>
 <p:sld xmlns:a="http://schemas.openxmlformats.org/drawingml/2006/main" xmlns:r="http://schemas.openxmlformats.org/officeDocument/2006/relationships" xmlns:p="http://schemas.openxmlformats.org/presentationml/2006/main">
   <p:cSld>
     <p:spTree>
@@ -7610,7 +8937,7 @@
 </p:sld>
 </file>
 
-<file path=ppt/slides/slide18.xml><?xml version="1.0" encoding="utf-8"?>
+<file path=ppt/slides/slide21.xml><?xml version="1.0" encoding="utf-8"?>
 <p:sld xmlns:a="http://schemas.openxmlformats.org/drawingml/2006/main" xmlns:r="http://schemas.openxmlformats.org/officeDocument/2006/relationships" xmlns:p="http://schemas.openxmlformats.org/presentationml/2006/main">
   <p:cSld>
     <p:spTree>
@@ -8114,7 +9441,7 @@
 </p:sld>
 </file>
 
-<file path=ppt/slides/slide19.xml><?xml version="1.0" encoding="utf-8"?>
+<file path=ppt/slides/slide22.xml><?xml version="1.0" encoding="utf-8"?>
 <p:sld xmlns:a="http://schemas.openxmlformats.org/drawingml/2006/main" xmlns:r="http://schemas.openxmlformats.org/officeDocument/2006/relationships" xmlns:p="http://schemas.openxmlformats.org/presentationml/2006/main">
   <p:cSld>
     <p:spTree>
@@ -8511,181 +9838,7 @@
 </p:sld>
 </file>
 
-<file path=ppt/slides/slide2.xml><?xml version="1.0" encoding="utf-8"?>
-<p:sld xmlns:a="http://schemas.openxmlformats.org/drawingml/2006/main" xmlns:r="http://schemas.openxmlformats.org/officeDocument/2006/relationships" xmlns:p="http://schemas.openxmlformats.org/presentationml/2006/main">
-  <p:cSld>
-    <p:spTree>
-      <p:nvGrpSpPr>
-        <p:cNvPr id="1" name=""/>
-        <p:cNvGrpSpPr/>
-        <p:nvPr/>
-      </p:nvGrpSpPr>
-      <p:grpSpPr>
-        <a:xfrm>
-          <a:off x="0" y="0"/>
-          <a:ext cx="0" cy="0"/>
-          <a:chOff x="0" y="0"/>
-          <a:chExt cx="0" cy="0"/>
-        </a:xfrm>
-      </p:grpSpPr>
-      <p:sp>
-        <p:nvSpPr>
-          <p:cNvPr id="2" name="Заголовок 1">
-            <a:extLst>
-              <a:ext uri="{FF2B5EF4-FFF2-40B4-BE49-F238E27FC236}">
-                <a16:creationId xmlns:a16="http://schemas.microsoft.com/office/drawing/2014/main" id="{0AB35B5D-2761-46B1-97FA-83414C199ED3}"/>
-              </a:ext>
-            </a:extLst>
-          </p:cNvPr>
-          <p:cNvSpPr>
-            <a:spLocks noGrp="1"/>
-          </p:cNvSpPr>
-          <p:nvPr>
-            <p:ph type="title"/>
-          </p:nvPr>
-        </p:nvSpPr>
-        <p:spPr>
-          <a:xfrm>
-            <a:off x="1295400" y="324740"/>
-            <a:ext cx="9601200" cy="1240208"/>
-          </a:xfrm>
-        </p:spPr>
-        <p:txBody>
-          <a:bodyPr>
-            <a:normAutofit fontScale="90000"/>
-          </a:bodyPr>
-          <a:lstStyle/>
-          <a:p>
-            <a:r>
-              <a:rPr lang="ru-RU" dirty="0"/>
-              <a:t>Название проекта</a:t>
-            </a:r>
-            <a:r>
-              <a:rPr lang="en-US" dirty="0"/>
-              <a:t>:</a:t>
-            </a:r>
-            <a:r>
-              <a:rPr lang="ru-RU" sz="4400" dirty="0"/>
-              <a:t> </a:t>
-            </a:r>
-            <a:br>
-              <a:rPr lang="en-US" sz="4400" dirty="0"/>
-            </a:br>
-            <a:r>
-              <a:rPr lang="ru-RU" sz="3600" dirty="0"/>
-              <a:t>Система учета пациентов</a:t>
-            </a:r>
-            <a:br>
-              <a:rPr lang="ru-RU" dirty="0"/>
-            </a:br>
-            <a:endParaRPr lang="ru-RU" dirty="0"/>
-          </a:p>
-        </p:txBody>
-      </p:sp>
-      <p:sp>
-        <p:nvSpPr>
-          <p:cNvPr id="3" name="Объект 2">
-            <a:extLst>
-              <a:ext uri="{FF2B5EF4-FFF2-40B4-BE49-F238E27FC236}">
-                <a16:creationId xmlns:a16="http://schemas.microsoft.com/office/drawing/2014/main" id="{B1C1B389-4B4D-45B5-BCC6-6B5E1A2FEFBA}"/>
-              </a:ext>
-            </a:extLst>
-          </p:cNvPr>
-          <p:cNvSpPr>
-            <a:spLocks noGrp="1"/>
-          </p:cNvSpPr>
-          <p:nvPr>
-            <p:ph idx="1"/>
-          </p:nvPr>
-        </p:nvSpPr>
-        <p:spPr>
-          <a:xfrm>
-            <a:off x="709301" y="1845892"/>
-            <a:ext cx="11482699" cy="4854011"/>
-          </a:xfrm>
-        </p:spPr>
-        <p:txBody>
-          <a:bodyPr/>
-          <a:lstStyle/>
-          <a:p>
-            <a:pPr marL="0" indent="0">
-              <a:buNone/>
-            </a:pPr>
-            <a:r>
-              <a:rPr lang="ru-RU" dirty="0"/>
-              <a:t>Цель проекта</a:t>
-            </a:r>
-            <a:r>
-              <a:rPr lang="en-US" dirty="0"/>
-              <a:t>:</a:t>
-            </a:r>
-            <a:endParaRPr lang="ru-RU" dirty="0"/>
-          </a:p>
-          <a:p>
-            <a:pPr marL="0" indent="0">
-              <a:buNone/>
-            </a:pPr>
-            <a:r>
-              <a:rPr lang="ru-RU" dirty="0"/>
-              <a:t>Автоматизировать, ускорить и упростить работу с данными пациентов.</a:t>
-            </a:r>
-          </a:p>
-          <a:p>
-            <a:pPr marL="0" indent="0">
-              <a:buNone/>
-            </a:pPr>
-            <a:r>
-              <a:rPr lang="ru-RU" dirty="0"/>
-              <a:t>Задачи проекта</a:t>
-            </a:r>
-            <a:r>
-              <a:rPr lang="en-US" dirty="0"/>
-              <a:t>:</a:t>
-            </a:r>
-          </a:p>
-          <a:p>
-            <a:r>
-              <a:rPr lang="ru-RU" dirty="0"/>
-              <a:t>Автоматизация и ускорение процесса учета пациентов</a:t>
-            </a:r>
-          </a:p>
-          <a:p>
-            <a:r>
-              <a:rPr lang="ru-RU" dirty="0"/>
-              <a:t>Ускорение процесса документооборота </a:t>
-            </a:r>
-          </a:p>
-          <a:p>
-            <a:r>
-              <a:rPr lang="ru-RU" dirty="0"/>
-              <a:t>Уменьшение человеческих ошибок при работе с документами</a:t>
-            </a:r>
-          </a:p>
-          <a:p>
-            <a:pPr marL="0" indent="0">
-              <a:buNone/>
-            </a:pPr>
-            <a:endParaRPr lang="en-US" dirty="0"/>
-          </a:p>
-          <a:p>
-            <a:endParaRPr lang="ru-RU" dirty="0"/>
-          </a:p>
-        </p:txBody>
-      </p:sp>
-    </p:spTree>
-    <p:extLst>
-      <p:ext uri="{BB962C8B-B14F-4D97-AF65-F5344CB8AC3E}">
-        <p14:creationId xmlns:p14="http://schemas.microsoft.com/office/powerpoint/2010/main" val="723788343"/>
-      </p:ext>
-    </p:extLst>
-  </p:cSld>
-  <p:clrMapOvr>
-    <a:masterClrMapping/>
-  </p:clrMapOvr>
-</p:sld>
-</file>
-
-<file path=ppt/slides/slide20.xml><?xml version="1.0" encoding="utf-8"?>
+<file path=ppt/slides/slide23.xml><?xml version="1.0" encoding="utf-8"?>
 <p:sld xmlns:a="http://schemas.openxmlformats.org/drawingml/2006/main" xmlns:r="http://schemas.openxmlformats.org/officeDocument/2006/relationships" xmlns:p="http://schemas.openxmlformats.org/presentationml/2006/main">
   <p:cSld>
     <p:spTree>
@@ -8738,10 +9891,10 @@
       </p:sp>
       <p:pic>
         <p:nvPicPr>
-          <p:cNvPr id="5" name="Рисунок 4">
+          <p:cNvPr id="4" name="Рисунок 3">
             <a:extLst>
               <a:ext uri="{FF2B5EF4-FFF2-40B4-BE49-F238E27FC236}">
-                <a16:creationId xmlns:a16="http://schemas.microsoft.com/office/drawing/2014/main" id="{89506293-01B7-4763-87C3-FCB502FF7175}"/>
+                <a16:creationId xmlns:a16="http://schemas.microsoft.com/office/drawing/2014/main" id="{FA97250A-9711-4616-B644-94D3BDD4A8FD}"/>
               </a:ext>
             </a:extLst>
           </p:cNvPr>
@@ -8751,15 +9904,15 @@
           <p:nvPr/>
         </p:nvPicPr>
         <p:blipFill>
-          <a:blip r:embed="rId2"/>
+          <a:blip r:embed="rId3"/>
           <a:stretch>
             <a:fillRect/>
           </a:stretch>
         </p:blipFill>
         <p:spPr>
           <a:xfrm>
-            <a:off x="717175" y="515471"/>
-            <a:ext cx="11412071" cy="5991337"/>
+            <a:off x="537882" y="578225"/>
+            <a:ext cx="11654117" cy="6118411"/>
           </a:xfrm>
           <a:prstGeom prst="rect">
             <a:avLst/>
@@ -8779,7 +9932,7 @@
 </p:sld>
 </file>
 
-<file path=ppt/slides/slide21.xml><?xml version="1.0" encoding="utf-8"?>
+<file path=ppt/slides/slide24.xml><?xml version="1.0" encoding="utf-8"?>
 <p:sld xmlns:a="http://schemas.openxmlformats.org/drawingml/2006/main" xmlns:r="http://schemas.openxmlformats.org/officeDocument/2006/relationships" xmlns:p="http://schemas.openxmlformats.org/presentationml/2006/main">
   <p:cSld>
     <p:spTree>
@@ -8832,10 +9985,10 @@
       </p:sp>
       <p:pic>
         <p:nvPicPr>
-          <p:cNvPr id="5" name="Рисунок 4">
+          <p:cNvPr id="4" name="Рисунок 3">
             <a:extLst>
               <a:ext uri="{FF2B5EF4-FFF2-40B4-BE49-F238E27FC236}">
-                <a16:creationId xmlns:a16="http://schemas.microsoft.com/office/drawing/2014/main" id="{FBFB6CEC-EFEC-47E6-A3A1-C7584557DC5B}"/>
+                <a16:creationId xmlns:a16="http://schemas.microsoft.com/office/drawing/2014/main" id="{6C78A9EA-CBC9-4BF5-BDAD-9AAC3B446425}"/>
               </a:ext>
             </a:extLst>
           </p:cNvPr>
@@ -8852,8 +10005,8 @@
         </p:blipFill>
         <p:spPr>
           <a:xfrm>
-            <a:off x="2501152" y="263451"/>
-            <a:ext cx="9690847" cy="6594549"/>
+            <a:off x="3244555" y="8967"/>
+            <a:ext cx="8446090" cy="6858000"/>
           </a:xfrm>
           <a:prstGeom prst="rect">
             <a:avLst/>
@@ -8864,6 +10017,200 @@
     <p:extLst>
       <p:ext uri="{BB962C8B-B14F-4D97-AF65-F5344CB8AC3E}">
         <p14:creationId xmlns:p14="http://schemas.microsoft.com/office/powerpoint/2010/main" val="902537571"/>
+      </p:ext>
+    </p:extLst>
+  </p:cSld>
+  <p:clrMapOvr>
+    <a:masterClrMapping/>
+  </p:clrMapOvr>
+</p:sld>
+</file>
+
+<file path=ppt/slides/slide25.xml><?xml version="1.0" encoding="utf-8"?>
+<p:sld xmlns:a="http://schemas.openxmlformats.org/drawingml/2006/main" xmlns:r="http://schemas.openxmlformats.org/officeDocument/2006/relationships" xmlns:p="http://schemas.openxmlformats.org/presentationml/2006/main">
+  <p:cSld>
+    <p:spTree>
+      <p:nvGrpSpPr>
+        <p:cNvPr id="1" name=""/>
+        <p:cNvGrpSpPr/>
+        <p:nvPr/>
+      </p:nvGrpSpPr>
+      <p:grpSpPr>
+        <a:xfrm>
+          <a:off x="0" y="0"/>
+          <a:ext cx="0" cy="0"/>
+          <a:chOff x="0" y="0"/>
+          <a:chExt cx="0" cy="0"/>
+        </a:xfrm>
+      </p:grpSpPr>
+      <p:sp>
+        <p:nvSpPr>
+          <p:cNvPr id="2" name="Заголовок 1">
+            <a:extLst>
+              <a:ext uri="{FF2B5EF4-FFF2-40B4-BE49-F238E27FC236}">
+                <a16:creationId xmlns:a16="http://schemas.microsoft.com/office/drawing/2014/main" id="{B23974FD-499C-4D26-8E38-84337752758B}"/>
+              </a:ext>
+            </a:extLst>
+          </p:cNvPr>
+          <p:cNvSpPr>
+            <a:spLocks noGrp="1"/>
+          </p:cNvSpPr>
+          <p:nvPr>
+            <p:ph type="title"/>
+          </p:nvPr>
+        </p:nvSpPr>
+        <p:spPr>
+          <a:xfrm>
+            <a:off x="723900" y="76200"/>
+            <a:ext cx="9601200" cy="1485900"/>
+          </a:xfrm>
+        </p:spPr>
+        <p:txBody>
+          <a:bodyPr/>
+          <a:lstStyle/>
+          <a:p>
+            <a:r>
+              <a:rPr lang="en-US" dirty="0"/>
+              <a:t>State Chart</a:t>
+            </a:r>
+            <a:br>
+              <a:rPr lang="en-US" dirty="0"/>
+            </a:br>
+            <a:r>
+              <a:rPr lang="ru-RU" dirty="0"/>
+              <a:t>Сущность «Направление»</a:t>
+            </a:r>
+          </a:p>
+        </p:txBody>
+      </p:sp>
+      <p:pic>
+        <p:nvPicPr>
+          <p:cNvPr id="5" name="Рисунок 4">
+            <a:extLst>
+              <a:ext uri="{FF2B5EF4-FFF2-40B4-BE49-F238E27FC236}">
+                <a16:creationId xmlns:a16="http://schemas.microsoft.com/office/drawing/2014/main" id="{73034691-1D71-4A8D-8089-6ABFC7E010D3}"/>
+              </a:ext>
+            </a:extLst>
+          </p:cNvPr>
+          <p:cNvPicPr>
+            <a:picLocks noChangeAspect="1"/>
+          </p:cNvPicPr>
+          <p:nvPr/>
+        </p:nvPicPr>
+        <p:blipFill>
+          <a:blip r:embed="rId2"/>
+          <a:stretch>
+            <a:fillRect/>
+          </a:stretch>
+        </p:blipFill>
+        <p:spPr>
+          <a:xfrm>
+            <a:off x="2281237" y="1438275"/>
+            <a:ext cx="7141631" cy="5343525"/>
+          </a:xfrm>
+          <a:prstGeom prst="rect">
+            <a:avLst/>
+          </a:prstGeom>
+        </p:spPr>
+      </p:pic>
+    </p:spTree>
+    <p:extLst>
+      <p:ext uri="{BB962C8B-B14F-4D97-AF65-F5344CB8AC3E}">
+        <p14:creationId xmlns:p14="http://schemas.microsoft.com/office/powerpoint/2010/main" val="3255883911"/>
+      </p:ext>
+    </p:extLst>
+  </p:cSld>
+  <p:clrMapOvr>
+    <a:masterClrMapping/>
+  </p:clrMapOvr>
+</p:sld>
+</file>
+
+<file path=ppt/slides/slide26.xml><?xml version="1.0" encoding="utf-8"?>
+<p:sld xmlns:a="http://schemas.openxmlformats.org/drawingml/2006/main" xmlns:r="http://schemas.openxmlformats.org/officeDocument/2006/relationships" xmlns:p="http://schemas.openxmlformats.org/presentationml/2006/main">
+  <p:cSld>
+    <p:spTree>
+      <p:nvGrpSpPr>
+        <p:cNvPr id="1" name=""/>
+        <p:cNvGrpSpPr/>
+        <p:nvPr/>
+      </p:nvGrpSpPr>
+      <p:grpSpPr>
+        <a:xfrm>
+          <a:off x="0" y="0"/>
+          <a:ext cx="0" cy="0"/>
+          <a:chOff x="0" y="0"/>
+          <a:chExt cx="0" cy="0"/>
+        </a:xfrm>
+      </p:grpSpPr>
+      <p:sp>
+        <p:nvSpPr>
+          <p:cNvPr id="2" name="Заголовок 1">
+            <a:extLst>
+              <a:ext uri="{FF2B5EF4-FFF2-40B4-BE49-F238E27FC236}">
+                <a16:creationId xmlns:a16="http://schemas.microsoft.com/office/drawing/2014/main" id="{3EFEFCF3-7649-42F3-8A65-8FDE6C1965BC}"/>
+              </a:ext>
+            </a:extLst>
+          </p:cNvPr>
+          <p:cNvSpPr>
+            <a:spLocks noGrp="1"/>
+          </p:cNvSpPr>
+          <p:nvPr>
+            <p:ph type="title"/>
+          </p:nvPr>
+        </p:nvSpPr>
+        <p:spPr>
+          <a:xfrm>
+            <a:off x="726141" y="62753"/>
+            <a:ext cx="9601200" cy="1485900"/>
+          </a:xfrm>
+        </p:spPr>
+        <p:txBody>
+          <a:bodyPr/>
+          <a:lstStyle/>
+          <a:p>
+            <a:r>
+              <a:rPr lang="en-US" dirty="0"/>
+              <a:t>Activity Diagram</a:t>
+            </a:r>
+            <a:endParaRPr lang="ru-RU" dirty="0"/>
+          </a:p>
+        </p:txBody>
+      </p:sp>
+      <p:pic>
+        <p:nvPicPr>
+          <p:cNvPr id="5" name="Рисунок 4">
+            <a:extLst>
+              <a:ext uri="{FF2B5EF4-FFF2-40B4-BE49-F238E27FC236}">
+                <a16:creationId xmlns:a16="http://schemas.microsoft.com/office/drawing/2014/main" id="{9C38FB40-7FC1-4B40-9C9A-B49F9FA362C5}"/>
+              </a:ext>
+            </a:extLst>
+          </p:cNvPr>
+          <p:cNvPicPr>
+            <a:picLocks noChangeAspect="1"/>
+          </p:cNvPicPr>
+          <p:nvPr/>
+        </p:nvPicPr>
+        <p:blipFill>
+          <a:blip r:embed="rId2"/>
+          <a:stretch>
+            <a:fillRect/>
+          </a:stretch>
+        </p:blipFill>
+        <p:spPr>
+          <a:xfrm>
+            <a:off x="4994095" y="17928"/>
+            <a:ext cx="4678822" cy="6858000"/>
+          </a:xfrm>
+          <a:prstGeom prst="rect">
+            <a:avLst/>
+          </a:prstGeom>
+        </p:spPr>
+      </p:pic>
+    </p:spTree>
+    <p:extLst>
+      <p:ext uri="{BB962C8B-B14F-4D97-AF65-F5344CB8AC3E}">
+        <p14:creationId xmlns:p14="http://schemas.microsoft.com/office/powerpoint/2010/main" val="1832358169"/>
       </p:ext>
     </p:extLst>
   </p:cSld>
@@ -13559,11 +14906,11 @@
           <a:p>
             <a:r>
               <a:rPr lang="en-US" dirty="0"/>
-              <a:t>Spring</a:t>
-            </a:r>
-            <a:r>
-              <a:rPr lang="ru-RU" dirty="0"/>
-              <a:t> – каркас для приложения</a:t>
+              <a:t>Swing</a:t>
+            </a:r>
+            <a:r>
+              <a:rPr lang="ru-RU" dirty="0"/>
+              <a:t> – библиотека для создания графического интерфейса</a:t>
             </a:r>
           </a:p>
           <a:p>
